--- a/05-Duragan-Veri-Analizi/01_apache_spark_giris/01_apache_spark_giris.pptx
+++ b/05-Duragan-Veri-Analizi/01_apache_spark_giris/01_apache_spark_giris.pptx
@@ -222,7 +222,7 @@
           <a:p>
             <a:fld id="{6F77F576-AE14-466D-AA6B-335273622B21}" type="datetimeFigureOut">
               <a:rPr lang="en-US" smtClean="0"/>
-              <a:t>4/7/2018</a:t>
+              <a:t>10/4/2019</a:t>
             </a:fld>
             <a:endParaRPr lang="en-US"/>
           </a:p>
@@ -286,35 +286,35 @@
           <a:p>
             <a:pPr lvl="0"/>
             <a:r>
-              <a:rPr lang="tr-TR" smtClean="0"/>
+              <a:rPr lang="tr-TR"/>
               <a:t>Asıl metin stillerini düzenlemek için tıklatın</a:t>
             </a:r>
           </a:p>
           <a:p>
             <a:pPr lvl="1"/>
             <a:r>
-              <a:rPr lang="tr-TR" smtClean="0"/>
+              <a:rPr lang="tr-TR"/>
               <a:t>İkinci düzey</a:t>
             </a:r>
           </a:p>
           <a:p>
             <a:pPr lvl="2"/>
             <a:r>
-              <a:rPr lang="tr-TR" smtClean="0"/>
+              <a:rPr lang="tr-TR"/>
               <a:t>Üçüncü düzey</a:t>
             </a:r>
           </a:p>
           <a:p>
             <a:pPr lvl="3"/>
             <a:r>
-              <a:rPr lang="tr-TR" smtClean="0"/>
+              <a:rPr lang="tr-TR"/>
               <a:t>Dördüncü düzey</a:t>
             </a:r>
           </a:p>
           <a:p>
             <a:pPr lvl="4"/>
             <a:r>
-              <a:rPr lang="tr-TR" smtClean="0"/>
+              <a:rPr lang="tr-TR"/>
               <a:t>Beşinci düzey</a:t>
             </a:r>
             <a:endParaRPr lang="en-US"/>
@@ -532,7 +532,7 @@
           </a:lstStyle>
           <a:p>
             <a:r>
-              <a:rPr lang="tr-TR" smtClean="0"/>
+              <a:rPr lang="tr-TR"/>
               <a:t>Asıl başlık stili için tıklatın</a:t>
             </a:r>
             <a:endParaRPr lang="en-US"/>
@@ -597,7 +597,7 @@
           </a:lstStyle>
           <a:p>
             <a:r>
-              <a:rPr lang="tr-TR" smtClean="0"/>
+              <a:rPr lang="tr-TR"/>
               <a:t>Asıl alt başlık stilini düzenlemek için tıklatın</a:t>
             </a:r>
             <a:endParaRPr lang="en-US"/>
@@ -621,7 +621,7 @@
           <a:p>
             <a:fld id="{54AA066D-271F-4C1A-B89A-0705A7689EE9}" type="datetimeFigureOut">
               <a:rPr lang="en-US" smtClean="0"/>
-              <a:t>4/7/2018</a:t>
+              <a:t>10/4/2019</a:t>
             </a:fld>
             <a:endParaRPr lang="en-US"/>
           </a:p>
@@ -715,7 +715,7 @@
           <a:lstStyle/>
           <a:p>
             <a:r>
-              <a:rPr lang="tr-TR" smtClean="0"/>
+              <a:rPr lang="tr-TR"/>
               <a:t>Asıl başlık stili için tıklatın</a:t>
             </a:r>
             <a:endParaRPr lang="en-US"/>
@@ -739,35 +739,35 @@
           <a:p>
             <a:pPr lvl="0"/>
             <a:r>
-              <a:rPr lang="tr-TR" smtClean="0"/>
+              <a:rPr lang="tr-TR"/>
               <a:t>Asıl metin stillerini düzenlemek için tıklatın</a:t>
             </a:r>
           </a:p>
           <a:p>
             <a:pPr lvl="1"/>
             <a:r>
-              <a:rPr lang="tr-TR" smtClean="0"/>
+              <a:rPr lang="tr-TR"/>
               <a:t>İkinci düzey</a:t>
             </a:r>
           </a:p>
           <a:p>
             <a:pPr lvl="2"/>
             <a:r>
-              <a:rPr lang="tr-TR" smtClean="0"/>
+              <a:rPr lang="tr-TR"/>
               <a:t>Üçüncü düzey</a:t>
             </a:r>
           </a:p>
           <a:p>
             <a:pPr lvl="3"/>
             <a:r>
-              <a:rPr lang="tr-TR" smtClean="0"/>
+              <a:rPr lang="tr-TR"/>
               <a:t>Dördüncü düzey</a:t>
             </a:r>
           </a:p>
           <a:p>
             <a:pPr lvl="4"/>
             <a:r>
-              <a:rPr lang="tr-TR" smtClean="0"/>
+              <a:rPr lang="tr-TR"/>
               <a:t>Beşinci düzey</a:t>
             </a:r>
             <a:endParaRPr lang="en-US"/>
@@ -791,7 +791,7 @@
           <a:p>
             <a:fld id="{54AA066D-271F-4C1A-B89A-0705A7689EE9}" type="datetimeFigureOut">
               <a:rPr lang="en-US" smtClean="0"/>
-              <a:t>4/7/2018</a:t>
+              <a:t>10/4/2019</a:t>
             </a:fld>
             <a:endParaRPr lang="en-US"/>
           </a:p>
@@ -890,7 +890,7 @@
           <a:lstStyle/>
           <a:p>
             <a:r>
-              <a:rPr lang="tr-TR" smtClean="0"/>
+              <a:rPr lang="tr-TR"/>
               <a:t>Asıl başlık stili için tıklatın</a:t>
             </a:r>
             <a:endParaRPr lang="en-US"/>
@@ -919,35 +919,35 @@
           <a:p>
             <a:pPr lvl="0"/>
             <a:r>
-              <a:rPr lang="tr-TR" smtClean="0"/>
+              <a:rPr lang="tr-TR"/>
               <a:t>Asıl metin stillerini düzenlemek için tıklatın</a:t>
             </a:r>
           </a:p>
           <a:p>
             <a:pPr lvl="1"/>
             <a:r>
-              <a:rPr lang="tr-TR" smtClean="0"/>
+              <a:rPr lang="tr-TR"/>
               <a:t>İkinci düzey</a:t>
             </a:r>
           </a:p>
           <a:p>
             <a:pPr lvl="2"/>
             <a:r>
-              <a:rPr lang="tr-TR" smtClean="0"/>
+              <a:rPr lang="tr-TR"/>
               <a:t>Üçüncü düzey</a:t>
             </a:r>
           </a:p>
           <a:p>
             <a:pPr lvl="3"/>
             <a:r>
-              <a:rPr lang="tr-TR" smtClean="0"/>
+              <a:rPr lang="tr-TR"/>
               <a:t>Dördüncü düzey</a:t>
             </a:r>
           </a:p>
           <a:p>
             <a:pPr lvl="4"/>
             <a:r>
-              <a:rPr lang="tr-TR" smtClean="0"/>
+              <a:rPr lang="tr-TR"/>
               <a:t>Beşinci düzey</a:t>
             </a:r>
             <a:endParaRPr lang="en-US"/>
@@ -971,7 +971,7 @@
           <a:p>
             <a:fld id="{54AA066D-271F-4C1A-B89A-0705A7689EE9}" type="datetimeFigureOut">
               <a:rPr lang="en-US" smtClean="0"/>
-              <a:t>4/7/2018</a:t>
+              <a:t>10/4/2019</a:t>
             </a:fld>
             <a:endParaRPr lang="en-US"/>
           </a:p>
@@ -1065,7 +1065,7 @@
           <a:lstStyle/>
           <a:p>
             <a:r>
-              <a:rPr lang="tr-TR" smtClean="0"/>
+              <a:rPr lang="tr-TR"/>
               <a:t>Asıl başlık stili için tıklatın</a:t>
             </a:r>
             <a:endParaRPr lang="en-US"/>
@@ -1089,35 +1089,35 @@
           <a:p>
             <a:pPr lvl="0"/>
             <a:r>
-              <a:rPr lang="tr-TR" smtClean="0"/>
+              <a:rPr lang="tr-TR"/>
               <a:t>Asıl metin stillerini düzenlemek için tıklatın</a:t>
             </a:r>
           </a:p>
           <a:p>
             <a:pPr lvl="1"/>
             <a:r>
-              <a:rPr lang="tr-TR" smtClean="0"/>
+              <a:rPr lang="tr-TR"/>
               <a:t>İkinci düzey</a:t>
             </a:r>
           </a:p>
           <a:p>
             <a:pPr lvl="2"/>
             <a:r>
-              <a:rPr lang="tr-TR" smtClean="0"/>
+              <a:rPr lang="tr-TR"/>
               <a:t>Üçüncü düzey</a:t>
             </a:r>
           </a:p>
           <a:p>
             <a:pPr lvl="3"/>
             <a:r>
-              <a:rPr lang="tr-TR" smtClean="0"/>
+              <a:rPr lang="tr-TR"/>
               <a:t>Dördüncü düzey</a:t>
             </a:r>
           </a:p>
           <a:p>
             <a:pPr lvl="4"/>
             <a:r>
-              <a:rPr lang="tr-TR" smtClean="0"/>
+              <a:rPr lang="tr-TR"/>
               <a:t>Beşinci düzey</a:t>
             </a:r>
             <a:endParaRPr lang="en-US"/>
@@ -1141,7 +1141,7 @@
           <a:p>
             <a:fld id="{54AA066D-271F-4C1A-B89A-0705A7689EE9}" type="datetimeFigureOut">
               <a:rPr lang="en-US" smtClean="0"/>
-              <a:t>4/7/2018</a:t>
+              <a:t>10/4/2019</a:t>
             </a:fld>
             <a:endParaRPr lang="en-US"/>
           </a:p>
@@ -1244,7 +1244,7 @@
           </a:lstStyle>
           <a:p>
             <a:r>
-              <a:rPr lang="tr-TR" smtClean="0"/>
+              <a:rPr lang="tr-TR"/>
               <a:t>Asıl başlık stili için tıklatın</a:t>
             </a:r>
             <a:endParaRPr lang="en-US"/>
@@ -1364,7 +1364,7 @@
           <a:p>
             <a:pPr lvl="0"/>
             <a:r>
-              <a:rPr lang="tr-TR" smtClean="0"/>
+              <a:rPr lang="tr-TR"/>
               <a:t>Asıl metin stillerini düzenlemek için tıklatın</a:t>
             </a:r>
           </a:p>
@@ -1387,7 +1387,7 @@
           <a:p>
             <a:fld id="{54AA066D-271F-4C1A-B89A-0705A7689EE9}" type="datetimeFigureOut">
               <a:rPr lang="en-US" smtClean="0"/>
-              <a:t>4/7/2018</a:t>
+              <a:t>10/4/2019</a:t>
             </a:fld>
             <a:endParaRPr lang="en-US"/>
           </a:p>
@@ -1481,7 +1481,7 @@
           <a:lstStyle/>
           <a:p>
             <a:r>
-              <a:rPr lang="tr-TR" smtClean="0"/>
+              <a:rPr lang="tr-TR"/>
               <a:t>Asıl başlık stili için tıklatın</a:t>
             </a:r>
             <a:endParaRPr lang="en-US"/>
@@ -1510,35 +1510,35 @@
           <a:p>
             <a:pPr lvl="0"/>
             <a:r>
-              <a:rPr lang="tr-TR" smtClean="0"/>
+              <a:rPr lang="tr-TR"/>
               <a:t>Asıl metin stillerini düzenlemek için tıklatın</a:t>
             </a:r>
           </a:p>
           <a:p>
             <a:pPr lvl="1"/>
             <a:r>
-              <a:rPr lang="tr-TR" smtClean="0"/>
+              <a:rPr lang="tr-TR"/>
               <a:t>İkinci düzey</a:t>
             </a:r>
           </a:p>
           <a:p>
             <a:pPr lvl="2"/>
             <a:r>
-              <a:rPr lang="tr-TR" smtClean="0"/>
+              <a:rPr lang="tr-TR"/>
               <a:t>Üçüncü düzey</a:t>
             </a:r>
           </a:p>
           <a:p>
             <a:pPr lvl="3"/>
             <a:r>
-              <a:rPr lang="tr-TR" smtClean="0"/>
+              <a:rPr lang="tr-TR"/>
               <a:t>Dördüncü düzey</a:t>
             </a:r>
           </a:p>
           <a:p>
             <a:pPr lvl="4"/>
             <a:r>
-              <a:rPr lang="tr-TR" smtClean="0"/>
+              <a:rPr lang="tr-TR"/>
               <a:t>Beşinci düzey</a:t>
             </a:r>
             <a:endParaRPr lang="en-US"/>
@@ -1567,35 +1567,35 @@
           <a:p>
             <a:pPr lvl="0"/>
             <a:r>
-              <a:rPr lang="tr-TR" smtClean="0"/>
+              <a:rPr lang="tr-TR"/>
               <a:t>Asıl metin stillerini düzenlemek için tıklatın</a:t>
             </a:r>
           </a:p>
           <a:p>
             <a:pPr lvl="1"/>
             <a:r>
-              <a:rPr lang="tr-TR" smtClean="0"/>
+              <a:rPr lang="tr-TR"/>
               <a:t>İkinci düzey</a:t>
             </a:r>
           </a:p>
           <a:p>
             <a:pPr lvl="2"/>
             <a:r>
-              <a:rPr lang="tr-TR" smtClean="0"/>
+              <a:rPr lang="tr-TR"/>
               <a:t>Üçüncü düzey</a:t>
             </a:r>
           </a:p>
           <a:p>
             <a:pPr lvl="3"/>
             <a:r>
-              <a:rPr lang="tr-TR" smtClean="0"/>
+              <a:rPr lang="tr-TR"/>
               <a:t>Dördüncü düzey</a:t>
             </a:r>
           </a:p>
           <a:p>
             <a:pPr lvl="4"/>
             <a:r>
-              <a:rPr lang="tr-TR" smtClean="0"/>
+              <a:rPr lang="tr-TR"/>
               <a:t>Beşinci düzey</a:t>
             </a:r>
             <a:endParaRPr lang="en-US"/>
@@ -1619,7 +1619,7 @@
           <a:p>
             <a:fld id="{54AA066D-271F-4C1A-B89A-0705A7689EE9}" type="datetimeFigureOut">
               <a:rPr lang="en-US" smtClean="0"/>
-              <a:t>4/7/2018</a:t>
+              <a:t>10/4/2019</a:t>
             </a:fld>
             <a:endParaRPr lang="en-US"/>
           </a:p>
@@ -1718,7 +1718,7 @@
           <a:lstStyle/>
           <a:p>
             <a:r>
-              <a:rPr lang="tr-TR" smtClean="0"/>
+              <a:rPr lang="tr-TR"/>
               <a:t>Asıl başlık stili için tıklatın</a:t>
             </a:r>
             <a:endParaRPr lang="en-US"/>
@@ -1784,7 +1784,7 @@
           <a:p>
             <a:pPr lvl="0"/>
             <a:r>
-              <a:rPr lang="tr-TR" smtClean="0"/>
+              <a:rPr lang="tr-TR"/>
               <a:t>Asıl metin stillerini düzenlemek için tıklatın</a:t>
             </a:r>
           </a:p>
@@ -1812,35 +1812,35 @@
           <a:p>
             <a:pPr lvl="0"/>
             <a:r>
-              <a:rPr lang="tr-TR" smtClean="0"/>
+              <a:rPr lang="tr-TR"/>
               <a:t>Asıl metin stillerini düzenlemek için tıklatın</a:t>
             </a:r>
           </a:p>
           <a:p>
             <a:pPr lvl="1"/>
             <a:r>
-              <a:rPr lang="tr-TR" smtClean="0"/>
+              <a:rPr lang="tr-TR"/>
               <a:t>İkinci düzey</a:t>
             </a:r>
           </a:p>
           <a:p>
             <a:pPr lvl="2"/>
             <a:r>
-              <a:rPr lang="tr-TR" smtClean="0"/>
+              <a:rPr lang="tr-TR"/>
               <a:t>Üçüncü düzey</a:t>
             </a:r>
           </a:p>
           <a:p>
             <a:pPr lvl="3"/>
             <a:r>
-              <a:rPr lang="tr-TR" smtClean="0"/>
+              <a:rPr lang="tr-TR"/>
               <a:t>Dördüncü düzey</a:t>
             </a:r>
           </a:p>
           <a:p>
             <a:pPr lvl="4"/>
             <a:r>
-              <a:rPr lang="tr-TR" smtClean="0"/>
+              <a:rPr lang="tr-TR"/>
               <a:t>Beşinci düzey</a:t>
             </a:r>
             <a:endParaRPr lang="en-US"/>
@@ -1906,7 +1906,7 @@
           <a:p>
             <a:pPr lvl="0"/>
             <a:r>
-              <a:rPr lang="tr-TR" smtClean="0"/>
+              <a:rPr lang="tr-TR"/>
               <a:t>Asıl metin stillerini düzenlemek için tıklatın</a:t>
             </a:r>
           </a:p>
@@ -1934,35 +1934,35 @@
           <a:p>
             <a:pPr lvl="0"/>
             <a:r>
-              <a:rPr lang="tr-TR" smtClean="0"/>
+              <a:rPr lang="tr-TR"/>
               <a:t>Asıl metin stillerini düzenlemek için tıklatın</a:t>
             </a:r>
           </a:p>
           <a:p>
             <a:pPr lvl="1"/>
             <a:r>
-              <a:rPr lang="tr-TR" smtClean="0"/>
+              <a:rPr lang="tr-TR"/>
               <a:t>İkinci düzey</a:t>
             </a:r>
           </a:p>
           <a:p>
             <a:pPr lvl="2"/>
             <a:r>
-              <a:rPr lang="tr-TR" smtClean="0"/>
+              <a:rPr lang="tr-TR"/>
               <a:t>Üçüncü düzey</a:t>
             </a:r>
           </a:p>
           <a:p>
             <a:pPr lvl="3"/>
             <a:r>
-              <a:rPr lang="tr-TR" smtClean="0"/>
+              <a:rPr lang="tr-TR"/>
               <a:t>Dördüncü düzey</a:t>
             </a:r>
           </a:p>
           <a:p>
             <a:pPr lvl="4"/>
             <a:r>
-              <a:rPr lang="tr-TR" smtClean="0"/>
+              <a:rPr lang="tr-TR"/>
               <a:t>Beşinci düzey</a:t>
             </a:r>
             <a:endParaRPr lang="en-US"/>
@@ -1986,7 +1986,7 @@
           <a:p>
             <a:fld id="{54AA066D-271F-4C1A-B89A-0705A7689EE9}" type="datetimeFigureOut">
               <a:rPr lang="en-US" smtClean="0"/>
-              <a:t>4/7/2018</a:t>
+              <a:t>10/4/2019</a:t>
             </a:fld>
             <a:endParaRPr lang="en-US"/>
           </a:p>
@@ -2080,7 +2080,7 @@
           <a:lstStyle/>
           <a:p>
             <a:r>
-              <a:rPr lang="tr-TR" smtClean="0"/>
+              <a:rPr lang="tr-TR"/>
               <a:t>Asıl başlık stili için tıklatın</a:t>
             </a:r>
             <a:endParaRPr lang="en-US"/>
@@ -2104,7 +2104,7 @@
           <a:p>
             <a:fld id="{54AA066D-271F-4C1A-B89A-0705A7689EE9}" type="datetimeFigureOut">
               <a:rPr lang="en-US" smtClean="0"/>
-              <a:t>4/7/2018</a:t>
+              <a:t>10/4/2019</a:t>
             </a:fld>
             <a:endParaRPr lang="en-US"/>
           </a:p>
@@ -2199,7 +2199,7 @@
           <a:p>
             <a:fld id="{54AA066D-271F-4C1A-B89A-0705A7689EE9}" type="datetimeFigureOut">
               <a:rPr lang="en-US" smtClean="0"/>
-              <a:t>4/7/2018</a:t>
+              <a:t>10/4/2019</a:t>
             </a:fld>
             <a:endParaRPr lang="en-US"/>
           </a:p>
@@ -2302,7 +2302,7 @@
           </a:lstStyle>
           <a:p>
             <a:r>
-              <a:rPr lang="tr-TR" smtClean="0"/>
+              <a:rPr lang="tr-TR"/>
               <a:t>Asıl başlık stili için tıklatın</a:t>
             </a:r>
             <a:endParaRPr lang="en-US"/>
@@ -2359,35 +2359,35 @@
           <a:p>
             <a:pPr lvl="0"/>
             <a:r>
-              <a:rPr lang="tr-TR" smtClean="0"/>
+              <a:rPr lang="tr-TR"/>
               <a:t>Asıl metin stillerini düzenlemek için tıklatın</a:t>
             </a:r>
           </a:p>
           <a:p>
             <a:pPr lvl="1"/>
             <a:r>
-              <a:rPr lang="tr-TR" smtClean="0"/>
+              <a:rPr lang="tr-TR"/>
               <a:t>İkinci düzey</a:t>
             </a:r>
           </a:p>
           <a:p>
             <a:pPr lvl="2"/>
             <a:r>
-              <a:rPr lang="tr-TR" smtClean="0"/>
+              <a:rPr lang="tr-TR"/>
               <a:t>Üçüncü düzey</a:t>
             </a:r>
           </a:p>
           <a:p>
             <a:pPr lvl="3"/>
             <a:r>
-              <a:rPr lang="tr-TR" smtClean="0"/>
+              <a:rPr lang="tr-TR"/>
               <a:t>Dördüncü düzey</a:t>
             </a:r>
           </a:p>
           <a:p>
             <a:pPr lvl="4"/>
             <a:r>
-              <a:rPr lang="tr-TR" smtClean="0"/>
+              <a:rPr lang="tr-TR"/>
               <a:t>Beşinci düzey</a:t>
             </a:r>
             <a:endParaRPr lang="en-US"/>
@@ -2453,7 +2453,7 @@
           <a:p>
             <a:pPr lvl="0"/>
             <a:r>
-              <a:rPr lang="tr-TR" smtClean="0"/>
+              <a:rPr lang="tr-TR"/>
               <a:t>Asıl metin stillerini düzenlemek için tıklatın</a:t>
             </a:r>
           </a:p>
@@ -2476,7 +2476,7 @@
           <a:p>
             <a:fld id="{54AA066D-271F-4C1A-B89A-0705A7689EE9}" type="datetimeFigureOut">
               <a:rPr lang="en-US" smtClean="0"/>
-              <a:t>4/7/2018</a:t>
+              <a:t>10/4/2019</a:t>
             </a:fld>
             <a:endParaRPr lang="en-US"/>
           </a:p>
@@ -2579,7 +2579,7 @@
           </a:lstStyle>
           <a:p>
             <a:r>
-              <a:rPr lang="tr-TR" smtClean="0"/>
+              <a:rPr lang="tr-TR"/>
               <a:t>Asıl başlık stili için tıklatın</a:t>
             </a:r>
             <a:endParaRPr lang="en-US"/>
@@ -2706,7 +2706,7 @@
           <a:p>
             <a:pPr lvl="0"/>
             <a:r>
-              <a:rPr lang="tr-TR" smtClean="0"/>
+              <a:rPr lang="tr-TR"/>
               <a:t>Asıl metin stillerini düzenlemek için tıklatın</a:t>
             </a:r>
           </a:p>
@@ -2729,7 +2729,7 @@
           <a:p>
             <a:fld id="{54AA066D-271F-4C1A-B89A-0705A7689EE9}" type="datetimeFigureOut">
               <a:rPr lang="en-US" smtClean="0"/>
-              <a:t>4/7/2018</a:t>
+              <a:t>10/4/2019</a:t>
             </a:fld>
             <a:endParaRPr lang="en-US"/>
           </a:p>
@@ -2838,7 +2838,7 @@
           <a:lstStyle/>
           <a:p>
             <a:r>
-              <a:rPr lang="tr-TR" smtClean="0"/>
+              <a:rPr lang="tr-TR"/>
               <a:t>Asıl başlık stili için tıklatın</a:t>
             </a:r>
             <a:endParaRPr lang="en-US"/>
@@ -2872,35 +2872,35 @@
           <a:p>
             <a:pPr lvl="0"/>
             <a:r>
-              <a:rPr lang="tr-TR" smtClean="0"/>
+              <a:rPr lang="tr-TR"/>
               <a:t>Asıl metin stillerini düzenlemek için tıklatın</a:t>
             </a:r>
           </a:p>
           <a:p>
             <a:pPr lvl="1"/>
             <a:r>
-              <a:rPr lang="tr-TR" smtClean="0"/>
+              <a:rPr lang="tr-TR"/>
               <a:t>İkinci düzey</a:t>
             </a:r>
           </a:p>
           <a:p>
             <a:pPr lvl="2"/>
             <a:r>
-              <a:rPr lang="tr-TR" smtClean="0"/>
+              <a:rPr lang="tr-TR"/>
               <a:t>Üçüncü düzey</a:t>
             </a:r>
           </a:p>
           <a:p>
             <a:pPr lvl="3"/>
             <a:r>
-              <a:rPr lang="tr-TR" smtClean="0"/>
+              <a:rPr lang="tr-TR"/>
               <a:t>Dördüncü düzey</a:t>
             </a:r>
           </a:p>
           <a:p>
             <a:pPr lvl="4"/>
             <a:r>
-              <a:rPr lang="tr-TR" smtClean="0"/>
+              <a:rPr lang="tr-TR"/>
               <a:t>Beşinci düzey</a:t>
             </a:r>
             <a:endParaRPr lang="en-US"/>
@@ -2942,7 +2942,7 @@
           <a:p>
             <a:fld id="{54AA066D-271F-4C1A-B89A-0705A7689EE9}" type="datetimeFigureOut">
               <a:rPr lang="en-US" smtClean="0"/>
-              <a:t>4/7/2018</a:t>
+              <a:t>10/4/2019</a:t>
             </a:fld>
             <a:endParaRPr lang="en-US"/>
           </a:p>
@@ -3384,369 +3384,6 @@
           </a:fontRef>
         </p:style>
       </p:cxnSp>
-      <p:grpSp>
-        <p:nvGrpSpPr>
-          <p:cNvPr id="15" name="Grup 14"/>
-          <p:cNvGrpSpPr/>
-          <p:nvPr/>
-        </p:nvGrpSpPr>
-        <p:grpSpPr>
-          <a:xfrm>
-            <a:off x="228596" y="6231467"/>
-            <a:ext cx="3041654" cy="492576"/>
-            <a:chOff x="228596" y="6231467"/>
-            <a:chExt cx="3041654" cy="492576"/>
-          </a:xfrm>
-        </p:grpSpPr>
-        <p:grpSp>
-          <p:nvGrpSpPr>
-            <p:cNvPr id="8" name="Grup 7"/>
-            <p:cNvGrpSpPr/>
-            <p:nvPr/>
-          </p:nvGrpSpPr>
-          <p:grpSpPr>
-            <a:xfrm>
-              <a:off x="228596" y="6231467"/>
-              <a:ext cx="2802471" cy="457084"/>
-              <a:chOff x="127000" y="5901146"/>
-              <a:chExt cx="5156200" cy="838200"/>
-            </a:xfrm>
-          </p:grpSpPr>
-          <p:sp>
-            <p:nvSpPr>
-              <p:cNvPr id="7" name="Dikdörtgen 6"/>
-              <p:cNvSpPr/>
-              <p:nvPr/>
-            </p:nvSpPr>
-            <p:spPr>
-              <a:xfrm>
-                <a:off x="127000" y="5901146"/>
-                <a:ext cx="5156200" cy="838200"/>
-              </a:xfrm>
-              <a:prstGeom prst="rect">
-                <a:avLst/>
-              </a:prstGeom>
-              <a:solidFill>
-                <a:schemeClr val="bg1">
-                  <a:lumMod val="95000"/>
-                </a:schemeClr>
-              </a:solidFill>
-              <a:ln>
-                <a:noFill/>
-              </a:ln>
-            </p:spPr>
-            <p:style>
-              <a:lnRef idx="2">
-                <a:schemeClr val="accent1">
-                  <a:shade val="50000"/>
-                </a:schemeClr>
-              </a:lnRef>
-              <a:fillRef idx="1">
-                <a:schemeClr val="accent1"/>
-              </a:fillRef>
-              <a:effectRef idx="0">
-                <a:schemeClr val="accent1"/>
-              </a:effectRef>
-              <a:fontRef idx="minor">
-                <a:schemeClr val="lt1"/>
-              </a:fontRef>
-            </p:style>
-            <p:txBody>
-              <a:bodyPr rtlCol="0" anchor="ctr"/>
-              <a:lstStyle/>
-              <a:p>
-                <a:pPr algn="ctr"/>
-                <a:endParaRPr lang="en-US" sz="2000"/>
-              </a:p>
-            </p:txBody>
-          </p:sp>
-          <p:grpSp>
-            <p:nvGrpSpPr>
-              <p:cNvPr id="6" name="Grup 5"/>
-              <p:cNvGrpSpPr/>
-              <p:nvPr/>
-            </p:nvGrpSpPr>
-            <p:grpSpPr>
-              <a:xfrm>
-                <a:off x="211667" y="6019800"/>
-                <a:ext cx="5012266" cy="605115"/>
-                <a:chOff x="211667" y="6019800"/>
-                <a:chExt cx="5012266" cy="605115"/>
-              </a:xfrm>
-            </p:grpSpPr>
-            <p:pic>
-              <p:nvPicPr>
-                <p:cNvPr id="4" name="Resim 3"/>
-                <p:cNvPicPr>
-                  <a:picLocks noChangeAspect="1"/>
-                </p:cNvPicPr>
-                <p:nvPr/>
-              </p:nvPicPr>
-              <p:blipFill rotWithShape="1">
-                <a:blip r:embed="rId2" cstate="print">
-                  <a:extLst>
-                    <a:ext uri="{28A0092B-C50C-407E-A947-70E740481C1C}">
-                      <a14:useLocalDpi xmlns:a14="http://schemas.microsoft.com/office/drawing/2010/main" val="0"/>
-                    </a:ext>
-                  </a:extLst>
-                </a:blip>
-                <a:srcRect l="24387" t="8319" r="18355" b="50150"/>
-                <a:stretch/>
-              </p:blipFill>
-              <p:spPr>
-                <a:xfrm>
-                  <a:off x="211667" y="6019800"/>
-                  <a:ext cx="1072095" cy="600892"/>
-                </a:xfrm>
-                <a:prstGeom prst="rect">
-                  <a:avLst/>
-                </a:prstGeom>
-              </p:spPr>
-            </p:pic>
-            <p:sp>
-              <p:nvSpPr>
-                <p:cNvPr id="5" name="Unvan 1"/>
-                <p:cNvSpPr txBox="1">
-                  <a:spLocks/>
-                </p:cNvSpPr>
-                <p:nvPr/>
-              </p:nvSpPr>
-              <p:spPr>
-                <a:xfrm>
-                  <a:off x="1283763" y="6024023"/>
-                  <a:ext cx="3940170" cy="600892"/>
-                </a:xfrm>
-                <a:prstGeom prst="rect">
-                  <a:avLst/>
-                </a:prstGeom>
-              </p:spPr>
-              <p:txBody>
-                <a:bodyPr vert="horz" lIns="91440" tIns="45720" rIns="91440" bIns="45720" rtlCol="0" anchor="b">
-                  <a:noAutofit/>
-                </a:bodyPr>
-                <a:lstStyle>
-                  <a:lvl1pPr algn="ctr" defTabSz="914400" rtl="0" eaLnBrk="1" latinLnBrk="0" hangingPunct="1">
-                    <a:lnSpc>
-                      <a:spcPct val="90000"/>
-                    </a:lnSpc>
-                    <a:spcBef>
-                      <a:spcPct val="0"/>
-                    </a:spcBef>
-                    <a:buNone/>
-                    <a:defRPr sz="6000" kern="1200">
-                      <a:solidFill>
-                        <a:schemeClr val="tx1"/>
-                      </a:solidFill>
-                      <a:latin typeface="+mj-lt"/>
-                      <a:ea typeface="+mj-ea"/>
-                      <a:cs typeface="+mj-cs"/>
-                    </a:defRPr>
-                  </a:lvl1pPr>
-                </a:lstStyle>
-                <a:p>
-                  <a:pPr algn="l"/>
-                  <a:r>
-                    <a:rPr lang="tr-TR" sz="2000" dirty="0" smtClean="0">
-                      <a:solidFill>
-                        <a:srgbClr val="CB171F"/>
-                      </a:solidFill>
-                      <a:latin typeface="Constantia" panose="02030602050306030303" pitchFamily="18" charset="0"/>
-                      <a:ea typeface="Verdana" panose="020B0604030504040204" pitchFamily="34" charset="0"/>
-                      <a:cs typeface="Arial" panose="020B0604020202020204" pitchFamily="34" charset="0"/>
-                    </a:rPr>
-                    <a:t>Veri Bilimi Okulu</a:t>
-                  </a:r>
-                  <a:endParaRPr lang="en-US" sz="2000" dirty="0">
-                    <a:solidFill>
-                      <a:srgbClr val="CB171F"/>
-                    </a:solidFill>
-                    <a:latin typeface="Constantia" panose="02030602050306030303" pitchFamily="18" charset="0"/>
-                    <a:ea typeface="Verdana" panose="020B0604030504040204" pitchFamily="34" charset="0"/>
-                    <a:cs typeface="Arial" panose="020B0604020202020204" pitchFamily="34" charset="0"/>
-                  </a:endParaRPr>
-                </a:p>
-              </p:txBody>
-            </p:sp>
-          </p:grpSp>
-        </p:grpSp>
-        <p:sp>
-          <p:nvSpPr>
-            <p:cNvPr id="12" name="Metin kutusu 11"/>
-            <p:cNvSpPr txBox="1"/>
-            <p:nvPr/>
-          </p:nvSpPr>
-          <p:spPr>
-            <a:xfrm>
-              <a:off x="1582782" y="6493211"/>
-              <a:ext cx="1687468" cy="230832"/>
-            </a:xfrm>
-            <a:prstGeom prst="rect">
-              <a:avLst/>
-            </a:prstGeom>
-            <a:noFill/>
-          </p:spPr>
-          <p:txBody>
-            <a:bodyPr wrap="square" rtlCol="0">
-              <a:spAutoFit/>
-            </a:bodyPr>
-            <a:lstStyle/>
-            <a:p>
-              <a:r>
-                <a:rPr lang="en-US" sz="900" dirty="0" smtClean="0">
-                  <a:solidFill>
-                    <a:srgbClr val="0B8043"/>
-                  </a:solidFill>
-                </a:rPr>
-                <a:t>https:</a:t>
-              </a:r>
-              <a:r>
-                <a:rPr lang="en-US" sz="900" dirty="0" smtClean="0">
-                  <a:solidFill>
-                    <a:schemeClr val="bg1">
-                      <a:lumMod val="50000"/>
-                    </a:schemeClr>
-                  </a:solidFill>
-                </a:rPr>
-                <a:t>//www.veribilimi.co</a:t>
-              </a:r>
-              <a:endParaRPr lang="en-US" sz="900" dirty="0">
-                <a:solidFill>
-                  <a:schemeClr val="bg1">
-                    <a:lumMod val="50000"/>
-                  </a:schemeClr>
-                </a:solidFill>
-              </a:endParaRPr>
-            </a:p>
-          </p:txBody>
-        </p:sp>
-      </p:grpSp>
-      <p:grpSp>
-        <p:nvGrpSpPr>
-          <p:cNvPr id="11" name="Grup 10"/>
-          <p:cNvGrpSpPr/>
-          <p:nvPr/>
-        </p:nvGrpSpPr>
-        <p:grpSpPr>
-          <a:xfrm>
-            <a:off x="9194796" y="6231467"/>
-            <a:ext cx="2802471" cy="457084"/>
-            <a:chOff x="184993" y="5905369"/>
-            <a:chExt cx="5156200" cy="838200"/>
-          </a:xfrm>
-        </p:grpSpPr>
-        <p:sp>
-          <p:nvSpPr>
-            <p:cNvPr id="13" name="Dikdörtgen 12"/>
-            <p:cNvSpPr/>
-            <p:nvPr/>
-          </p:nvSpPr>
-          <p:spPr>
-            <a:xfrm>
-              <a:off x="184993" y="5905369"/>
-              <a:ext cx="5156200" cy="838200"/>
-            </a:xfrm>
-            <a:prstGeom prst="rect">
-              <a:avLst/>
-            </a:prstGeom>
-            <a:solidFill>
-              <a:schemeClr val="bg1">
-                <a:lumMod val="95000"/>
-              </a:schemeClr>
-            </a:solidFill>
-            <a:ln>
-              <a:noFill/>
-            </a:ln>
-          </p:spPr>
-          <p:style>
-            <a:lnRef idx="2">
-              <a:schemeClr val="accent1">
-                <a:shade val="50000"/>
-              </a:schemeClr>
-            </a:lnRef>
-            <a:fillRef idx="1">
-              <a:schemeClr val="accent1"/>
-            </a:fillRef>
-            <a:effectRef idx="0">
-              <a:schemeClr val="accent1"/>
-            </a:effectRef>
-            <a:fontRef idx="minor">
-              <a:schemeClr val="lt1"/>
-            </a:fontRef>
-          </p:style>
-          <p:txBody>
-            <a:bodyPr rtlCol="0" anchor="ctr"/>
-            <a:lstStyle/>
-            <a:p>
-              <a:pPr algn="ctr"/>
-              <a:endParaRPr lang="en-US" sz="2000"/>
-            </a:p>
-          </p:txBody>
-        </p:sp>
-        <p:sp>
-          <p:nvSpPr>
-            <p:cNvPr id="14" name="Unvan 1"/>
-            <p:cNvSpPr txBox="1">
-              <a:spLocks/>
-            </p:cNvSpPr>
-            <p:nvPr/>
-          </p:nvSpPr>
-          <p:spPr>
-            <a:xfrm>
-              <a:off x="302252" y="6024023"/>
-              <a:ext cx="4921678" cy="600892"/>
-            </a:xfrm>
-            <a:prstGeom prst="rect">
-              <a:avLst/>
-            </a:prstGeom>
-          </p:spPr>
-          <p:txBody>
-            <a:bodyPr vert="horz" lIns="91440" tIns="45720" rIns="91440" bIns="45720" rtlCol="0" anchor="b">
-              <a:noAutofit/>
-            </a:bodyPr>
-            <a:lstStyle>
-              <a:lvl1pPr algn="ctr" defTabSz="914400" rtl="0" eaLnBrk="1" latinLnBrk="0" hangingPunct="1">
-                <a:lnSpc>
-                  <a:spcPct val="90000"/>
-                </a:lnSpc>
-                <a:spcBef>
-                  <a:spcPct val="0"/>
-                </a:spcBef>
-                <a:buNone/>
-                <a:defRPr sz="6000" kern="1200">
-                  <a:solidFill>
-                    <a:schemeClr val="tx1"/>
-                  </a:solidFill>
-                  <a:latin typeface="+mj-lt"/>
-                  <a:ea typeface="+mj-ea"/>
-                  <a:cs typeface="+mj-cs"/>
-                </a:defRPr>
-              </a:lvl1pPr>
-            </a:lstStyle>
-            <a:p>
-              <a:pPr algn="l"/>
-              <a:r>
-                <a:rPr lang="tr-TR" sz="2000" dirty="0">
-                  <a:solidFill>
-                    <a:srgbClr val="CB171F"/>
-                  </a:solidFill>
-                  <a:latin typeface="Constantia" panose="02030602050306030303" pitchFamily="18" charset="0"/>
-                  <a:ea typeface="Verdana" panose="020B0604030504040204" pitchFamily="34" charset="0"/>
-                  <a:cs typeface="Arial" panose="020B0604020202020204" pitchFamily="34" charset="0"/>
-                </a:rPr>
-                <a:t>A’dan Z’ye Büyük Veri</a:t>
-              </a:r>
-              <a:endParaRPr lang="en-US" sz="2000" dirty="0">
-                <a:solidFill>
-                  <a:srgbClr val="CB171F"/>
-                </a:solidFill>
-                <a:latin typeface="Constantia" panose="02030602050306030303" pitchFamily="18" charset="0"/>
-                <a:ea typeface="Verdana" panose="020B0604030504040204" pitchFamily="34" charset="0"/>
-                <a:cs typeface="Arial" panose="020B0604020202020204" pitchFamily="34" charset="0"/>
-              </a:endParaRPr>
-            </a:p>
-          </p:txBody>
-        </p:sp>
-      </p:grpSp>
       <p:pic>
         <p:nvPicPr>
           <p:cNvPr id="2" name="Resim 1"/>
@@ -3756,7 +3393,7 @@
           <p:nvPr/>
         </p:nvPicPr>
         <p:blipFill>
-          <a:blip r:embed="rId3">
+          <a:blip r:embed="rId2">
             <a:extLst>
               <a:ext uri="{28A0092B-C50C-407E-A947-70E740481C1C}">
                 <a14:useLocalDpi xmlns:a14="http://schemas.microsoft.com/office/drawing/2010/main" val="0"/>
@@ -3787,13 +3424,6 @@
   <p:clrMapOvr>
     <a:masterClrMapping/>
   </p:clrMapOvr>
-  <p:timing>
-    <p:tnLst>
-      <p:par>
-        <p:cTn id="1" dur="indefinite" restart="never" nodeType="tmRoot"/>
-      </p:par>
-    </p:tnLst>
-  </p:timing>
 </p:sld>
 </file>
 
@@ -3851,369 +3481,6 @@
           </a:fontRef>
         </p:style>
       </p:cxnSp>
-      <p:grpSp>
-        <p:nvGrpSpPr>
-          <p:cNvPr id="15" name="Grup 14"/>
-          <p:cNvGrpSpPr/>
-          <p:nvPr/>
-        </p:nvGrpSpPr>
-        <p:grpSpPr>
-          <a:xfrm>
-            <a:off x="228596" y="6231467"/>
-            <a:ext cx="3041654" cy="492576"/>
-            <a:chOff x="228596" y="6231467"/>
-            <a:chExt cx="3041654" cy="492576"/>
-          </a:xfrm>
-        </p:grpSpPr>
-        <p:grpSp>
-          <p:nvGrpSpPr>
-            <p:cNvPr id="8" name="Grup 7"/>
-            <p:cNvGrpSpPr/>
-            <p:nvPr/>
-          </p:nvGrpSpPr>
-          <p:grpSpPr>
-            <a:xfrm>
-              <a:off x="228596" y="6231467"/>
-              <a:ext cx="2802471" cy="457084"/>
-              <a:chOff x="127000" y="5901146"/>
-              <a:chExt cx="5156200" cy="838200"/>
-            </a:xfrm>
-          </p:grpSpPr>
-          <p:sp>
-            <p:nvSpPr>
-              <p:cNvPr id="7" name="Dikdörtgen 6"/>
-              <p:cNvSpPr/>
-              <p:nvPr/>
-            </p:nvSpPr>
-            <p:spPr>
-              <a:xfrm>
-                <a:off x="127000" y="5901146"/>
-                <a:ext cx="5156200" cy="838200"/>
-              </a:xfrm>
-              <a:prstGeom prst="rect">
-                <a:avLst/>
-              </a:prstGeom>
-              <a:solidFill>
-                <a:schemeClr val="bg1">
-                  <a:lumMod val="95000"/>
-                </a:schemeClr>
-              </a:solidFill>
-              <a:ln>
-                <a:noFill/>
-              </a:ln>
-            </p:spPr>
-            <p:style>
-              <a:lnRef idx="2">
-                <a:schemeClr val="accent1">
-                  <a:shade val="50000"/>
-                </a:schemeClr>
-              </a:lnRef>
-              <a:fillRef idx="1">
-                <a:schemeClr val="accent1"/>
-              </a:fillRef>
-              <a:effectRef idx="0">
-                <a:schemeClr val="accent1"/>
-              </a:effectRef>
-              <a:fontRef idx="minor">
-                <a:schemeClr val="lt1"/>
-              </a:fontRef>
-            </p:style>
-            <p:txBody>
-              <a:bodyPr rtlCol="0" anchor="ctr"/>
-              <a:lstStyle/>
-              <a:p>
-                <a:pPr algn="ctr"/>
-                <a:endParaRPr lang="en-US" sz="2000"/>
-              </a:p>
-            </p:txBody>
-          </p:sp>
-          <p:grpSp>
-            <p:nvGrpSpPr>
-              <p:cNvPr id="6" name="Grup 5"/>
-              <p:cNvGrpSpPr/>
-              <p:nvPr/>
-            </p:nvGrpSpPr>
-            <p:grpSpPr>
-              <a:xfrm>
-                <a:off x="211667" y="6019800"/>
-                <a:ext cx="5012266" cy="605115"/>
-                <a:chOff x="211667" y="6019800"/>
-                <a:chExt cx="5012266" cy="605115"/>
-              </a:xfrm>
-            </p:grpSpPr>
-            <p:pic>
-              <p:nvPicPr>
-                <p:cNvPr id="4" name="Resim 3"/>
-                <p:cNvPicPr>
-                  <a:picLocks noChangeAspect="1"/>
-                </p:cNvPicPr>
-                <p:nvPr/>
-              </p:nvPicPr>
-              <p:blipFill rotWithShape="1">
-                <a:blip r:embed="rId2" cstate="print">
-                  <a:extLst>
-                    <a:ext uri="{28A0092B-C50C-407E-A947-70E740481C1C}">
-                      <a14:useLocalDpi xmlns:a14="http://schemas.microsoft.com/office/drawing/2010/main" val="0"/>
-                    </a:ext>
-                  </a:extLst>
-                </a:blip>
-                <a:srcRect l="24387" t="8319" r="18355" b="50150"/>
-                <a:stretch/>
-              </p:blipFill>
-              <p:spPr>
-                <a:xfrm>
-                  <a:off x="211667" y="6019800"/>
-                  <a:ext cx="1072095" cy="600892"/>
-                </a:xfrm>
-                <a:prstGeom prst="rect">
-                  <a:avLst/>
-                </a:prstGeom>
-              </p:spPr>
-            </p:pic>
-            <p:sp>
-              <p:nvSpPr>
-                <p:cNvPr id="5" name="Unvan 1"/>
-                <p:cNvSpPr txBox="1">
-                  <a:spLocks/>
-                </p:cNvSpPr>
-                <p:nvPr/>
-              </p:nvSpPr>
-              <p:spPr>
-                <a:xfrm>
-                  <a:off x="1283763" y="6024023"/>
-                  <a:ext cx="3940170" cy="600892"/>
-                </a:xfrm>
-                <a:prstGeom prst="rect">
-                  <a:avLst/>
-                </a:prstGeom>
-              </p:spPr>
-              <p:txBody>
-                <a:bodyPr vert="horz" lIns="91440" tIns="45720" rIns="91440" bIns="45720" rtlCol="0" anchor="b">
-                  <a:noAutofit/>
-                </a:bodyPr>
-                <a:lstStyle>
-                  <a:lvl1pPr algn="ctr" defTabSz="914400" rtl="0" eaLnBrk="1" latinLnBrk="0" hangingPunct="1">
-                    <a:lnSpc>
-                      <a:spcPct val="90000"/>
-                    </a:lnSpc>
-                    <a:spcBef>
-                      <a:spcPct val="0"/>
-                    </a:spcBef>
-                    <a:buNone/>
-                    <a:defRPr sz="6000" kern="1200">
-                      <a:solidFill>
-                        <a:schemeClr val="tx1"/>
-                      </a:solidFill>
-                      <a:latin typeface="+mj-lt"/>
-                      <a:ea typeface="+mj-ea"/>
-                      <a:cs typeface="+mj-cs"/>
-                    </a:defRPr>
-                  </a:lvl1pPr>
-                </a:lstStyle>
-                <a:p>
-                  <a:pPr algn="l"/>
-                  <a:r>
-                    <a:rPr lang="tr-TR" sz="2000" dirty="0" smtClean="0">
-                      <a:solidFill>
-                        <a:srgbClr val="CB171F"/>
-                      </a:solidFill>
-                      <a:latin typeface="Constantia" panose="02030602050306030303" pitchFamily="18" charset="0"/>
-                      <a:ea typeface="Verdana" panose="020B0604030504040204" pitchFamily="34" charset="0"/>
-                      <a:cs typeface="Arial" panose="020B0604020202020204" pitchFamily="34" charset="0"/>
-                    </a:rPr>
-                    <a:t>Veri Bilimi Okulu</a:t>
-                  </a:r>
-                  <a:endParaRPr lang="en-US" sz="2000" dirty="0">
-                    <a:solidFill>
-                      <a:srgbClr val="CB171F"/>
-                    </a:solidFill>
-                    <a:latin typeface="Constantia" panose="02030602050306030303" pitchFamily="18" charset="0"/>
-                    <a:ea typeface="Verdana" panose="020B0604030504040204" pitchFamily="34" charset="0"/>
-                    <a:cs typeface="Arial" panose="020B0604020202020204" pitchFamily="34" charset="0"/>
-                  </a:endParaRPr>
-                </a:p>
-              </p:txBody>
-            </p:sp>
-          </p:grpSp>
-        </p:grpSp>
-        <p:sp>
-          <p:nvSpPr>
-            <p:cNvPr id="12" name="Metin kutusu 11"/>
-            <p:cNvSpPr txBox="1"/>
-            <p:nvPr/>
-          </p:nvSpPr>
-          <p:spPr>
-            <a:xfrm>
-              <a:off x="1582782" y="6493211"/>
-              <a:ext cx="1687468" cy="230832"/>
-            </a:xfrm>
-            <a:prstGeom prst="rect">
-              <a:avLst/>
-            </a:prstGeom>
-            <a:noFill/>
-          </p:spPr>
-          <p:txBody>
-            <a:bodyPr wrap="square" rtlCol="0">
-              <a:spAutoFit/>
-            </a:bodyPr>
-            <a:lstStyle/>
-            <a:p>
-              <a:r>
-                <a:rPr lang="en-US" sz="900" dirty="0" smtClean="0">
-                  <a:solidFill>
-                    <a:srgbClr val="0B8043"/>
-                  </a:solidFill>
-                </a:rPr>
-                <a:t>https:</a:t>
-              </a:r>
-              <a:r>
-                <a:rPr lang="en-US" sz="900" dirty="0" smtClean="0">
-                  <a:solidFill>
-                    <a:schemeClr val="bg1">
-                      <a:lumMod val="50000"/>
-                    </a:schemeClr>
-                  </a:solidFill>
-                </a:rPr>
-                <a:t>//www.veribilimi.co</a:t>
-              </a:r>
-              <a:endParaRPr lang="en-US" sz="900" dirty="0">
-                <a:solidFill>
-                  <a:schemeClr val="bg1">
-                    <a:lumMod val="50000"/>
-                  </a:schemeClr>
-                </a:solidFill>
-              </a:endParaRPr>
-            </a:p>
-          </p:txBody>
-        </p:sp>
-      </p:grpSp>
-      <p:grpSp>
-        <p:nvGrpSpPr>
-          <p:cNvPr id="11" name="Grup 10"/>
-          <p:cNvGrpSpPr/>
-          <p:nvPr/>
-        </p:nvGrpSpPr>
-        <p:grpSpPr>
-          <a:xfrm>
-            <a:off x="9194796" y="6231467"/>
-            <a:ext cx="2802471" cy="457084"/>
-            <a:chOff x="184993" y="5905369"/>
-            <a:chExt cx="5156200" cy="838200"/>
-          </a:xfrm>
-        </p:grpSpPr>
-        <p:sp>
-          <p:nvSpPr>
-            <p:cNvPr id="13" name="Dikdörtgen 12"/>
-            <p:cNvSpPr/>
-            <p:nvPr/>
-          </p:nvSpPr>
-          <p:spPr>
-            <a:xfrm>
-              <a:off x="184993" y="5905369"/>
-              <a:ext cx="5156200" cy="838200"/>
-            </a:xfrm>
-            <a:prstGeom prst="rect">
-              <a:avLst/>
-            </a:prstGeom>
-            <a:solidFill>
-              <a:schemeClr val="bg1">
-                <a:lumMod val="95000"/>
-              </a:schemeClr>
-            </a:solidFill>
-            <a:ln>
-              <a:noFill/>
-            </a:ln>
-          </p:spPr>
-          <p:style>
-            <a:lnRef idx="2">
-              <a:schemeClr val="accent1">
-                <a:shade val="50000"/>
-              </a:schemeClr>
-            </a:lnRef>
-            <a:fillRef idx="1">
-              <a:schemeClr val="accent1"/>
-            </a:fillRef>
-            <a:effectRef idx="0">
-              <a:schemeClr val="accent1"/>
-            </a:effectRef>
-            <a:fontRef idx="minor">
-              <a:schemeClr val="lt1"/>
-            </a:fontRef>
-          </p:style>
-          <p:txBody>
-            <a:bodyPr rtlCol="0" anchor="ctr"/>
-            <a:lstStyle/>
-            <a:p>
-              <a:pPr algn="ctr"/>
-              <a:endParaRPr lang="en-US" sz="2000"/>
-            </a:p>
-          </p:txBody>
-        </p:sp>
-        <p:sp>
-          <p:nvSpPr>
-            <p:cNvPr id="14" name="Unvan 1"/>
-            <p:cNvSpPr txBox="1">
-              <a:spLocks/>
-            </p:cNvSpPr>
-            <p:nvPr/>
-          </p:nvSpPr>
-          <p:spPr>
-            <a:xfrm>
-              <a:off x="302252" y="6024023"/>
-              <a:ext cx="4921678" cy="600892"/>
-            </a:xfrm>
-            <a:prstGeom prst="rect">
-              <a:avLst/>
-            </a:prstGeom>
-          </p:spPr>
-          <p:txBody>
-            <a:bodyPr vert="horz" lIns="91440" tIns="45720" rIns="91440" bIns="45720" rtlCol="0" anchor="b">
-              <a:noAutofit/>
-            </a:bodyPr>
-            <a:lstStyle>
-              <a:lvl1pPr algn="ctr" defTabSz="914400" rtl="0" eaLnBrk="1" latinLnBrk="0" hangingPunct="1">
-                <a:lnSpc>
-                  <a:spcPct val="90000"/>
-                </a:lnSpc>
-                <a:spcBef>
-                  <a:spcPct val="0"/>
-                </a:spcBef>
-                <a:buNone/>
-                <a:defRPr sz="6000" kern="1200">
-                  <a:solidFill>
-                    <a:schemeClr val="tx1"/>
-                  </a:solidFill>
-                  <a:latin typeface="+mj-lt"/>
-                  <a:ea typeface="+mj-ea"/>
-                  <a:cs typeface="+mj-cs"/>
-                </a:defRPr>
-              </a:lvl1pPr>
-            </a:lstStyle>
-            <a:p>
-              <a:pPr algn="l"/>
-              <a:r>
-                <a:rPr lang="tr-TR" sz="2000" dirty="0">
-                  <a:solidFill>
-                    <a:srgbClr val="CB171F"/>
-                  </a:solidFill>
-                  <a:latin typeface="Constantia" panose="02030602050306030303" pitchFamily="18" charset="0"/>
-                  <a:ea typeface="Verdana" panose="020B0604030504040204" pitchFamily="34" charset="0"/>
-                  <a:cs typeface="Arial" panose="020B0604020202020204" pitchFamily="34" charset="0"/>
-                </a:rPr>
-                <a:t>A’dan Z’ye Büyük Veri</a:t>
-              </a:r>
-              <a:endParaRPr lang="en-US" sz="2000" dirty="0">
-                <a:solidFill>
-                  <a:srgbClr val="CB171F"/>
-                </a:solidFill>
-                <a:latin typeface="Constantia" panose="02030602050306030303" pitchFamily="18" charset="0"/>
-                <a:ea typeface="Verdana" panose="020B0604030504040204" pitchFamily="34" charset="0"/>
-                <a:cs typeface="Arial" panose="020B0604020202020204" pitchFamily="34" charset="0"/>
-              </a:endParaRPr>
-            </a:p>
-          </p:txBody>
-        </p:sp>
-      </p:grpSp>
       <p:sp>
         <p:nvSpPr>
           <p:cNvPr id="16" name="Unvan 1"/>
@@ -4237,7 +3504,7 @@
           <a:lstStyle/>
           <a:p>
             <a:r>
-              <a:rPr lang="tr-TR" sz="4200" b="1" dirty="0" err="1" smtClean="0">
+              <a:rPr lang="tr-TR" sz="4200" b="1" dirty="0" err="1">
                 <a:solidFill>
                   <a:srgbClr val="CD1F26"/>
                 </a:solidFill>
@@ -4248,7 +3515,7 @@
               <a:t>Spark</a:t>
             </a:r>
             <a:r>
-              <a:rPr lang="tr-TR" sz="4200" b="1" dirty="0" smtClean="0">
+              <a:rPr lang="tr-TR" sz="4200" b="1" dirty="0">
                 <a:solidFill>
                   <a:srgbClr val="CD1F26"/>
                 </a:solidFill>
@@ -4304,19 +3571,10 @@
                 </a:solidFill>
                 <a:latin typeface="Roboto"/>
               </a:rPr>
-              <a:t>s</a:t>
-            </a:r>
-            <a:r>
-              <a:rPr lang="tr-TR" sz="3600" dirty="0" err="1" smtClean="0">
-                <a:solidFill>
-                  <a:srgbClr val="404041"/>
-                </a:solidFill>
-                <a:latin typeface="Roboto"/>
-              </a:rPr>
-              <a:t>park</a:t>
-            </a:r>
-            <a:r>
-              <a:rPr lang="tr-TR" sz="3600" dirty="0" smtClean="0">
+              <a:t>spark</a:t>
+            </a:r>
+            <a:r>
+              <a:rPr lang="tr-TR" sz="3600" dirty="0">
                 <a:solidFill>
                   <a:srgbClr val="404041"/>
                 </a:solidFill>
@@ -4325,7 +3583,7 @@
               <a:t> </a:t>
             </a:r>
             <a:r>
-              <a:rPr lang="tr-TR" sz="3600" dirty="0" err="1" smtClean="0">
+              <a:rPr lang="tr-TR" sz="3600" dirty="0" err="1">
                 <a:solidFill>
                   <a:srgbClr val="404041"/>
                 </a:solidFill>
@@ -4333,7 +3591,7 @@
               </a:rPr>
               <a:t>submit</a:t>
             </a:r>
-            <a:endParaRPr lang="tr-TR" sz="3600" dirty="0" smtClean="0">
+            <a:endParaRPr lang="tr-TR" sz="3600" dirty="0">
               <a:solidFill>
                 <a:srgbClr val="404041"/>
               </a:solidFill>
@@ -4347,7 +3605,7 @@
               </a:lnSpc>
             </a:pPr>
             <a:r>
-              <a:rPr lang="tr-TR" sz="2800" dirty="0" err="1" smtClean="0">
+              <a:rPr lang="tr-TR" sz="2800" dirty="0" err="1">
                 <a:solidFill>
                   <a:srgbClr val="404041"/>
                 </a:solidFill>
@@ -4356,7 +3614,7 @@
               <a:t>Spark</a:t>
             </a:r>
             <a:r>
-              <a:rPr lang="tr-TR" sz="2800" dirty="0" smtClean="0">
+              <a:rPr lang="tr-TR" sz="2800" dirty="0">
                 <a:solidFill>
                   <a:srgbClr val="404041"/>
                 </a:solidFill>
@@ -4365,7 +3623,7 @@
               <a:t> </a:t>
             </a:r>
             <a:r>
-              <a:rPr lang="tr-TR" sz="2800" dirty="0" err="1" smtClean="0">
+              <a:rPr lang="tr-TR" sz="2800" dirty="0" err="1">
                 <a:solidFill>
                   <a:srgbClr val="404041"/>
                 </a:solidFill>
@@ -4374,7 +3632,7 @@
               <a:t>Session</a:t>
             </a:r>
             <a:r>
-              <a:rPr lang="tr-TR" sz="2800" dirty="0" smtClean="0">
+              <a:rPr lang="tr-TR" sz="2800" dirty="0">
                 <a:solidFill>
                   <a:srgbClr val="404041"/>
                 </a:solidFill>
@@ -4408,18 +3666,18 @@
               <a:t> </a:t>
             </a:r>
             <a:r>
-              <a:rPr lang="tr-TR" sz="2400" i="1" dirty="0" err="1" smtClean="0">
+              <a:rPr lang="tr-TR" sz="2400" i="1" dirty="0" err="1">
                 <a:latin typeface="Consolas" panose="020B0609020204030204" pitchFamily="49" charset="0"/>
               </a:rPr>
               <a:t>benimUygulamam</a:t>
             </a:r>
             <a:r>
-              <a:rPr lang="en-US" sz="2400" dirty="0" smtClean="0">
+              <a:rPr lang="en-US" sz="2400" dirty="0">
                 <a:latin typeface="Consolas" panose="020B0609020204030204" pitchFamily="49" charset="0"/>
               </a:rPr>
               <a:t>.jar</a:t>
             </a:r>
-            <a:endParaRPr lang="tr-TR" sz="2800" dirty="0" smtClean="0">
+            <a:endParaRPr lang="tr-TR" sz="2800" dirty="0">
               <a:solidFill>
                 <a:srgbClr val="404041"/>
               </a:solidFill>
@@ -4435,24 +3693,15 @@
               <a:buChar char="ü"/>
             </a:pPr>
             <a:r>
-              <a:rPr lang="tr-TR" sz="3600" dirty="0" err="1" smtClean="0">
-                <a:solidFill>
-                  <a:srgbClr val="404041"/>
-                </a:solidFill>
-                <a:latin typeface="Roboto"/>
-              </a:rPr>
-              <a:t>s</a:t>
-            </a:r>
-            <a:r>
-              <a:rPr lang="tr-TR" sz="3600" dirty="0" err="1" smtClean="0">
-                <a:solidFill>
-                  <a:srgbClr val="404041"/>
-                </a:solidFill>
-                <a:latin typeface="Roboto"/>
-              </a:rPr>
-              <a:t>park-shell</a:t>
-            </a:r>
-            <a:endParaRPr lang="tr-TR" sz="3600" dirty="0" smtClean="0">
+              <a:rPr lang="tr-TR" sz="3600" dirty="0" err="1">
+                <a:solidFill>
+                  <a:srgbClr val="404041"/>
+                </a:solidFill>
+                <a:latin typeface="Roboto"/>
+              </a:rPr>
+              <a:t>spark-shell</a:t>
+            </a:r>
+            <a:endParaRPr lang="tr-TR" sz="3600" dirty="0">
               <a:solidFill>
                 <a:srgbClr val="404041"/>
               </a:solidFill>
@@ -4484,7 +3733,7 @@
               <a:t> </a:t>
             </a:r>
             <a:r>
-              <a:rPr lang="tr-TR" sz="2800" dirty="0" err="1" smtClean="0">
+              <a:rPr lang="tr-TR" sz="2800" dirty="0" err="1">
                 <a:solidFill>
                   <a:srgbClr val="404041"/>
                 </a:solidFill>
@@ -4493,31 +3742,13 @@
               <a:t>shell</a:t>
             </a:r>
             <a:r>
-              <a:rPr lang="tr-TR" sz="2800" dirty="0" smtClean="0">
-                <a:solidFill>
-                  <a:srgbClr val="404041"/>
-                </a:solidFill>
-                <a:latin typeface="Roboto"/>
-              </a:rPr>
-              <a:t> </a:t>
-            </a:r>
-            <a:r>
               <a:rPr lang="tr-TR" sz="2800" dirty="0">
                 <a:solidFill>
                   <a:srgbClr val="404041"/>
                 </a:solidFill>
                 <a:latin typeface="Roboto"/>
               </a:rPr>
-              <a:t>uygulaması başlarken </a:t>
-            </a:r>
-            <a:r>
-              <a:rPr lang="tr-TR" sz="2800" dirty="0" smtClean="0">
-                <a:solidFill>
-                  <a:srgbClr val="404041"/>
-                </a:solidFill>
-                <a:latin typeface="Roboto"/>
-              </a:rPr>
-              <a:t>açılır</a:t>
+              <a:t> uygulaması başlarken açılır</a:t>
             </a:r>
           </a:p>
           <a:p>
@@ -4581,13 +3812,6 @@
   <p:clrMapOvr>
     <a:masterClrMapping/>
   </p:clrMapOvr>
-  <p:timing>
-    <p:tnLst>
-      <p:par>
-        <p:cTn id="1" dur="indefinite" restart="never" nodeType="tmRoot"/>
-      </p:par>
-    </p:tnLst>
-  </p:timing>
 </p:sld>
 </file>
 
@@ -4645,369 +3869,6 @@
           </a:fontRef>
         </p:style>
       </p:cxnSp>
-      <p:grpSp>
-        <p:nvGrpSpPr>
-          <p:cNvPr id="15" name="Grup 14"/>
-          <p:cNvGrpSpPr/>
-          <p:nvPr/>
-        </p:nvGrpSpPr>
-        <p:grpSpPr>
-          <a:xfrm>
-            <a:off x="228596" y="6231467"/>
-            <a:ext cx="3041654" cy="492576"/>
-            <a:chOff x="228596" y="6231467"/>
-            <a:chExt cx="3041654" cy="492576"/>
-          </a:xfrm>
-        </p:grpSpPr>
-        <p:grpSp>
-          <p:nvGrpSpPr>
-            <p:cNvPr id="8" name="Grup 7"/>
-            <p:cNvGrpSpPr/>
-            <p:nvPr/>
-          </p:nvGrpSpPr>
-          <p:grpSpPr>
-            <a:xfrm>
-              <a:off x="228596" y="6231467"/>
-              <a:ext cx="2802471" cy="457084"/>
-              <a:chOff x="127000" y="5901146"/>
-              <a:chExt cx="5156200" cy="838200"/>
-            </a:xfrm>
-          </p:grpSpPr>
-          <p:sp>
-            <p:nvSpPr>
-              <p:cNvPr id="7" name="Dikdörtgen 6"/>
-              <p:cNvSpPr/>
-              <p:nvPr/>
-            </p:nvSpPr>
-            <p:spPr>
-              <a:xfrm>
-                <a:off x="127000" y="5901146"/>
-                <a:ext cx="5156200" cy="838200"/>
-              </a:xfrm>
-              <a:prstGeom prst="rect">
-                <a:avLst/>
-              </a:prstGeom>
-              <a:solidFill>
-                <a:schemeClr val="bg1">
-                  <a:lumMod val="95000"/>
-                </a:schemeClr>
-              </a:solidFill>
-              <a:ln>
-                <a:noFill/>
-              </a:ln>
-            </p:spPr>
-            <p:style>
-              <a:lnRef idx="2">
-                <a:schemeClr val="accent1">
-                  <a:shade val="50000"/>
-                </a:schemeClr>
-              </a:lnRef>
-              <a:fillRef idx="1">
-                <a:schemeClr val="accent1"/>
-              </a:fillRef>
-              <a:effectRef idx="0">
-                <a:schemeClr val="accent1"/>
-              </a:effectRef>
-              <a:fontRef idx="minor">
-                <a:schemeClr val="lt1"/>
-              </a:fontRef>
-            </p:style>
-            <p:txBody>
-              <a:bodyPr rtlCol="0" anchor="ctr"/>
-              <a:lstStyle/>
-              <a:p>
-                <a:pPr algn="ctr"/>
-                <a:endParaRPr lang="en-US" sz="2000"/>
-              </a:p>
-            </p:txBody>
-          </p:sp>
-          <p:grpSp>
-            <p:nvGrpSpPr>
-              <p:cNvPr id="6" name="Grup 5"/>
-              <p:cNvGrpSpPr/>
-              <p:nvPr/>
-            </p:nvGrpSpPr>
-            <p:grpSpPr>
-              <a:xfrm>
-                <a:off x="211667" y="6019800"/>
-                <a:ext cx="5012266" cy="605115"/>
-                <a:chOff x="211667" y="6019800"/>
-                <a:chExt cx="5012266" cy="605115"/>
-              </a:xfrm>
-            </p:grpSpPr>
-            <p:pic>
-              <p:nvPicPr>
-                <p:cNvPr id="4" name="Resim 3"/>
-                <p:cNvPicPr>
-                  <a:picLocks noChangeAspect="1"/>
-                </p:cNvPicPr>
-                <p:nvPr/>
-              </p:nvPicPr>
-              <p:blipFill rotWithShape="1">
-                <a:blip r:embed="rId2" cstate="print">
-                  <a:extLst>
-                    <a:ext uri="{28A0092B-C50C-407E-A947-70E740481C1C}">
-                      <a14:useLocalDpi xmlns:a14="http://schemas.microsoft.com/office/drawing/2010/main" val="0"/>
-                    </a:ext>
-                  </a:extLst>
-                </a:blip>
-                <a:srcRect l="24387" t="8319" r="18355" b="50150"/>
-                <a:stretch/>
-              </p:blipFill>
-              <p:spPr>
-                <a:xfrm>
-                  <a:off x="211667" y="6019800"/>
-                  <a:ext cx="1072095" cy="600892"/>
-                </a:xfrm>
-                <a:prstGeom prst="rect">
-                  <a:avLst/>
-                </a:prstGeom>
-              </p:spPr>
-            </p:pic>
-            <p:sp>
-              <p:nvSpPr>
-                <p:cNvPr id="5" name="Unvan 1"/>
-                <p:cNvSpPr txBox="1">
-                  <a:spLocks/>
-                </p:cNvSpPr>
-                <p:nvPr/>
-              </p:nvSpPr>
-              <p:spPr>
-                <a:xfrm>
-                  <a:off x="1283763" y="6024023"/>
-                  <a:ext cx="3940170" cy="600892"/>
-                </a:xfrm>
-                <a:prstGeom prst="rect">
-                  <a:avLst/>
-                </a:prstGeom>
-              </p:spPr>
-              <p:txBody>
-                <a:bodyPr vert="horz" lIns="91440" tIns="45720" rIns="91440" bIns="45720" rtlCol="0" anchor="b">
-                  <a:noAutofit/>
-                </a:bodyPr>
-                <a:lstStyle>
-                  <a:lvl1pPr algn="ctr" defTabSz="914400" rtl="0" eaLnBrk="1" latinLnBrk="0" hangingPunct="1">
-                    <a:lnSpc>
-                      <a:spcPct val="90000"/>
-                    </a:lnSpc>
-                    <a:spcBef>
-                      <a:spcPct val="0"/>
-                    </a:spcBef>
-                    <a:buNone/>
-                    <a:defRPr sz="6000" kern="1200">
-                      <a:solidFill>
-                        <a:schemeClr val="tx1"/>
-                      </a:solidFill>
-                      <a:latin typeface="+mj-lt"/>
-                      <a:ea typeface="+mj-ea"/>
-                      <a:cs typeface="+mj-cs"/>
-                    </a:defRPr>
-                  </a:lvl1pPr>
-                </a:lstStyle>
-                <a:p>
-                  <a:pPr algn="l"/>
-                  <a:r>
-                    <a:rPr lang="tr-TR" sz="2000" dirty="0" smtClean="0">
-                      <a:solidFill>
-                        <a:srgbClr val="CB171F"/>
-                      </a:solidFill>
-                      <a:latin typeface="Constantia" panose="02030602050306030303" pitchFamily="18" charset="0"/>
-                      <a:ea typeface="Verdana" panose="020B0604030504040204" pitchFamily="34" charset="0"/>
-                      <a:cs typeface="Arial" panose="020B0604020202020204" pitchFamily="34" charset="0"/>
-                    </a:rPr>
-                    <a:t>Veri Bilimi Okulu</a:t>
-                  </a:r>
-                  <a:endParaRPr lang="en-US" sz="2000" dirty="0">
-                    <a:solidFill>
-                      <a:srgbClr val="CB171F"/>
-                    </a:solidFill>
-                    <a:latin typeface="Constantia" panose="02030602050306030303" pitchFamily="18" charset="0"/>
-                    <a:ea typeface="Verdana" panose="020B0604030504040204" pitchFamily="34" charset="0"/>
-                    <a:cs typeface="Arial" panose="020B0604020202020204" pitchFamily="34" charset="0"/>
-                  </a:endParaRPr>
-                </a:p>
-              </p:txBody>
-            </p:sp>
-          </p:grpSp>
-        </p:grpSp>
-        <p:sp>
-          <p:nvSpPr>
-            <p:cNvPr id="12" name="Metin kutusu 11"/>
-            <p:cNvSpPr txBox="1"/>
-            <p:nvPr/>
-          </p:nvSpPr>
-          <p:spPr>
-            <a:xfrm>
-              <a:off x="1582782" y="6493211"/>
-              <a:ext cx="1687468" cy="230832"/>
-            </a:xfrm>
-            <a:prstGeom prst="rect">
-              <a:avLst/>
-            </a:prstGeom>
-            <a:noFill/>
-          </p:spPr>
-          <p:txBody>
-            <a:bodyPr wrap="square" rtlCol="0">
-              <a:spAutoFit/>
-            </a:bodyPr>
-            <a:lstStyle/>
-            <a:p>
-              <a:r>
-                <a:rPr lang="en-US" sz="900" dirty="0" smtClean="0">
-                  <a:solidFill>
-                    <a:srgbClr val="0B8043"/>
-                  </a:solidFill>
-                </a:rPr>
-                <a:t>https:</a:t>
-              </a:r>
-              <a:r>
-                <a:rPr lang="en-US" sz="900" dirty="0" smtClean="0">
-                  <a:solidFill>
-                    <a:schemeClr val="bg1">
-                      <a:lumMod val="50000"/>
-                    </a:schemeClr>
-                  </a:solidFill>
-                </a:rPr>
-                <a:t>//www.veribilimi.co</a:t>
-              </a:r>
-              <a:endParaRPr lang="en-US" sz="900" dirty="0">
-                <a:solidFill>
-                  <a:schemeClr val="bg1">
-                    <a:lumMod val="50000"/>
-                  </a:schemeClr>
-                </a:solidFill>
-              </a:endParaRPr>
-            </a:p>
-          </p:txBody>
-        </p:sp>
-      </p:grpSp>
-      <p:grpSp>
-        <p:nvGrpSpPr>
-          <p:cNvPr id="11" name="Grup 10"/>
-          <p:cNvGrpSpPr/>
-          <p:nvPr/>
-        </p:nvGrpSpPr>
-        <p:grpSpPr>
-          <a:xfrm>
-            <a:off x="9194796" y="6231467"/>
-            <a:ext cx="2802471" cy="457084"/>
-            <a:chOff x="184993" y="5905369"/>
-            <a:chExt cx="5156200" cy="838200"/>
-          </a:xfrm>
-        </p:grpSpPr>
-        <p:sp>
-          <p:nvSpPr>
-            <p:cNvPr id="13" name="Dikdörtgen 12"/>
-            <p:cNvSpPr/>
-            <p:nvPr/>
-          </p:nvSpPr>
-          <p:spPr>
-            <a:xfrm>
-              <a:off x="184993" y="5905369"/>
-              <a:ext cx="5156200" cy="838200"/>
-            </a:xfrm>
-            <a:prstGeom prst="rect">
-              <a:avLst/>
-            </a:prstGeom>
-            <a:solidFill>
-              <a:schemeClr val="bg1">
-                <a:lumMod val="95000"/>
-              </a:schemeClr>
-            </a:solidFill>
-            <a:ln>
-              <a:noFill/>
-            </a:ln>
-          </p:spPr>
-          <p:style>
-            <a:lnRef idx="2">
-              <a:schemeClr val="accent1">
-                <a:shade val="50000"/>
-              </a:schemeClr>
-            </a:lnRef>
-            <a:fillRef idx="1">
-              <a:schemeClr val="accent1"/>
-            </a:fillRef>
-            <a:effectRef idx="0">
-              <a:schemeClr val="accent1"/>
-            </a:effectRef>
-            <a:fontRef idx="minor">
-              <a:schemeClr val="lt1"/>
-            </a:fontRef>
-          </p:style>
-          <p:txBody>
-            <a:bodyPr rtlCol="0" anchor="ctr"/>
-            <a:lstStyle/>
-            <a:p>
-              <a:pPr algn="ctr"/>
-              <a:endParaRPr lang="en-US" sz="2000"/>
-            </a:p>
-          </p:txBody>
-        </p:sp>
-        <p:sp>
-          <p:nvSpPr>
-            <p:cNvPr id="14" name="Unvan 1"/>
-            <p:cNvSpPr txBox="1">
-              <a:spLocks/>
-            </p:cNvSpPr>
-            <p:nvPr/>
-          </p:nvSpPr>
-          <p:spPr>
-            <a:xfrm>
-              <a:off x="302252" y="6024023"/>
-              <a:ext cx="4921678" cy="600892"/>
-            </a:xfrm>
-            <a:prstGeom prst="rect">
-              <a:avLst/>
-            </a:prstGeom>
-          </p:spPr>
-          <p:txBody>
-            <a:bodyPr vert="horz" lIns="91440" tIns="45720" rIns="91440" bIns="45720" rtlCol="0" anchor="b">
-              <a:noAutofit/>
-            </a:bodyPr>
-            <a:lstStyle>
-              <a:lvl1pPr algn="ctr" defTabSz="914400" rtl="0" eaLnBrk="1" latinLnBrk="0" hangingPunct="1">
-                <a:lnSpc>
-                  <a:spcPct val="90000"/>
-                </a:lnSpc>
-                <a:spcBef>
-                  <a:spcPct val="0"/>
-                </a:spcBef>
-                <a:buNone/>
-                <a:defRPr sz="6000" kern="1200">
-                  <a:solidFill>
-                    <a:schemeClr val="tx1"/>
-                  </a:solidFill>
-                  <a:latin typeface="+mj-lt"/>
-                  <a:ea typeface="+mj-ea"/>
-                  <a:cs typeface="+mj-cs"/>
-                </a:defRPr>
-              </a:lvl1pPr>
-            </a:lstStyle>
-            <a:p>
-              <a:pPr algn="l"/>
-              <a:r>
-                <a:rPr lang="tr-TR" sz="2000" dirty="0">
-                  <a:solidFill>
-                    <a:srgbClr val="CB171F"/>
-                  </a:solidFill>
-                  <a:latin typeface="Constantia" panose="02030602050306030303" pitchFamily="18" charset="0"/>
-                  <a:ea typeface="Verdana" panose="020B0604030504040204" pitchFamily="34" charset="0"/>
-                  <a:cs typeface="Arial" panose="020B0604020202020204" pitchFamily="34" charset="0"/>
-                </a:rPr>
-                <a:t>A’dan Z’ye Büyük Veri</a:t>
-              </a:r>
-              <a:endParaRPr lang="en-US" sz="2000" dirty="0">
-                <a:solidFill>
-                  <a:srgbClr val="CB171F"/>
-                </a:solidFill>
-                <a:latin typeface="Constantia" panose="02030602050306030303" pitchFamily="18" charset="0"/>
-                <a:ea typeface="Verdana" panose="020B0604030504040204" pitchFamily="34" charset="0"/>
-                <a:cs typeface="Arial" panose="020B0604020202020204" pitchFamily="34" charset="0"/>
-              </a:endParaRPr>
-            </a:p>
-          </p:txBody>
-        </p:sp>
-      </p:grpSp>
       <p:sp>
         <p:nvSpPr>
           <p:cNvPr id="16" name="Unvan 1"/>
@@ -5031,7 +3892,7 @@
           <a:lstStyle/>
           <a:p>
             <a:r>
-              <a:rPr lang="tr-TR" sz="4200" b="1" dirty="0" err="1" smtClean="0">
+              <a:rPr lang="tr-TR" sz="4200" b="1" dirty="0" err="1">
                 <a:solidFill>
                   <a:srgbClr val="CD1F26"/>
                 </a:solidFill>
@@ -5042,7 +3903,7 @@
               <a:t>Spark</a:t>
             </a:r>
             <a:r>
-              <a:rPr lang="tr-TR" sz="4200" b="1" dirty="0" smtClean="0">
+              <a:rPr lang="tr-TR" sz="4200" b="1" dirty="0">
                 <a:solidFill>
                   <a:srgbClr val="CD1F26"/>
                 </a:solidFill>
@@ -5092,7 +3953,7 @@
               <a:buChar char="ü"/>
             </a:pPr>
             <a:r>
-              <a:rPr lang="tr-TR" sz="2600" dirty="0" smtClean="0">
+              <a:rPr lang="tr-TR" sz="2600" dirty="0">
                 <a:solidFill>
                   <a:srgbClr val="404041"/>
                 </a:solidFill>
@@ -5101,7 +3962,7 @@
               <a:t>Driver program (main </a:t>
             </a:r>
             <a:r>
-              <a:rPr lang="tr-TR" sz="2600" dirty="0" err="1" smtClean="0">
+              <a:rPr lang="tr-TR" sz="2600" dirty="0" err="1">
                 <a:solidFill>
                   <a:srgbClr val="404041"/>
                 </a:solidFill>
@@ -5110,7 +3971,7 @@
               <a:t>function</a:t>
             </a:r>
             <a:r>
-              <a:rPr lang="tr-TR" sz="2600" dirty="0" smtClean="0">
+              <a:rPr lang="tr-TR" sz="2600" dirty="0">
                 <a:solidFill>
                   <a:srgbClr val="404041"/>
                 </a:solidFill>
@@ -5128,7 +3989,7 @@
               <a:buChar char="ü"/>
             </a:pPr>
             <a:r>
-              <a:rPr lang="tr-TR" sz="2600" dirty="0" err="1" smtClean="0">
+              <a:rPr lang="tr-TR" sz="2600" dirty="0" err="1">
                 <a:solidFill>
                   <a:srgbClr val="404041"/>
                 </a:solidFill>
@@ -5137,7 +3998,7 @@
               <a:t>Apllication</a:t>
             </a:r>
             <a:r>
-              <a:rPr lang="tr-TR" sz="2600" dirty="0" smtClean="0">
+              <a:rPr lang="tr-TR" sz="2600" dirty="0">
                 <a:solidFill>
                   <a:srgbClr val="404041"/>
                 </a:solidFill>
@@ -5146,7 +4007,7 @@
               <a:t>: Tek bir </a:t>
             </a:r>
             <a:r>
-              <a:rPr lang="tr-TR" sz="2600" dirty="0" err="1" smtClean="0">
+              <a:rPr lang="tr-TR" sz="2600" dirty="0" err="1">
                 <a:solidFill>
                   <a:srgbClr val="404041"/>
                 </a:solidFill>
@@ -5155,7 +4016,7 @@
               <a:t>driver</a:t>
             </a:r>
             <a:r>
-              <a:rPr lang="tr-TR" sz="2600" dirty="0" smtClean="0">
+              <a:rPr lang="tr-TR" sz="2600" dirty="0">
                 <a:solidFill>
                   <a:srgbClr val="404041"/>
                 </a:solidFill>
@@ -5173,7 +4034,7 @@
               <a:buChar char="ü"/>
             </a:pPr>
             <a:r>
-              <a:rPr lang="tr-TR" sz="2600" dirty="0" err="1" smtClean="0">
+              <a:rPr lang="tr-TR" sz="2600" dirty="0" err="1">
                 <a:solidFill>
                   <a:srgbClr val="404041"/>
                 </a:solidFill>
@@ -5182,7 +4043,7 @@
               <a:t>Job</a:t>
             </a:r>
             <a:r>
-              <a:rPr lang="tr-TR" sz="2600" dirty="0" smtClean="0">
+              <a:rPr lang="tr-TR" sz="2600" dirty="0">
                 <a:solidFill>
                   <a:srgbClr val="404041"/>
                 </a:solidFill>
@@ -5191,7 +4052,7 @@
               <a:t>: Bir dizi </a:t>
             </a:r>
             <a:r>
-              <a:rPr lang="tr-TR" sz="2600" dirty="0" err="1" smtClean="0">
+              <a:rPr lang="tr-TR" sz="2600" dirty="0" err="1">
                 <a:solidFill>
                   <a:srgbClr val="404041"/>
                 </a:solidFill>
@@ -5200,7 +4061,7 @@
               <a:t>task’dan</a:t>
             </a:r>
             <a:r>
-              <a:rPr lang="tr-TR" sz="2600" dirty="0" smtClean="0">
+              <a:rPr lang="tr-TR" sz="2600" dirty="0">
                 <a:solidFill>
                   <a:srgbClr val="404041"/>
                 </a:solidFill>
@@ -5218,7 +4079,7 @@
               <a:buChar char="ü"/>
             </a:pPr>
             <a:r>
-              <a:rPr lang="tr-TR" sz="2600" dirty="0" err="1" smtClean="0">
+              <a:rPr lang="tr-TR" sz="2600" dirty="0" err="1">
                 <a:solidFill>
                   <a:srgbClr val="404041"/>
                 </a:solidFill>
@@ -5227,7 +4088,7 @@
               <a:t>Stage</a:t>
             </a:r>
             <a:r>
-              <a:rPr lang="tr-TR" sz="2600" dirty="0" smtClean="0">
+              <a:rPr lang="tr-TR" sz="2600" dirty="0">
                 <a:solidFill>
                   <a:srgbClr val="404041"/>
                 </a:solidFill>
@@ -5236,7 +4097,7 @@
               <a:t>: Bir </a:t>
             </a:r>
             <a:r>
-              <a:rPr lang="tr-TR" sz="2600" dirty="0" err="1" smtClean="0">
+              <a:rPr lang="tr-TR" sz="2600" dirty="0" err="1">
                 <a:solidFill>
                   <a:srgbClr val="404041"/>
                 </a:solidFill>
@@ -5245,7 +4106,7 @@
               <a:t>job</a:t>
             </a:r>
             <a:r>
-              <a:rPr lang="tr-TR" sz="2600" dirty="0" smtClean="0">
+              <a:rPr lang="tr-TR" sz="2600" dirty="0">
                 <a:solidFill>
                   <a:srgbClr val="404041"/>
                 </a:solidFill>
@@ -5254,7 +4115,7 @@
               <a:t> içinde paralel işleyebilen </a:t>
             </a:r>
             <a:r>
-              <a:rPr lang="tr-TR" sz="2600" dirty="0" err="1" smtClean="0">
+              <a:rPr lang="tr-TR" sz="2600" dirty="0" err="1">
                 <a:solidFill>
                   <a:srgbClr val="404041"/>
                 </a:solidFill>
@@ -5263,7 +4124,7 @@
               <a:t>task’lar</a:t>
             </a:r>
             <a:r>
-              <a:rPr lang="tr-TR" sz="2600" dirty="0" smtClean="0">
+              <a:rPr lang="tr-TR" sz="2600" dirty="0">
                 <a:solidFill>
                   <a:srgbClr val="404041"/>
                 </a:solidFill>
@@ -5281,7 +4142,7 @@
               <a:buChar char="ü"/>
             </a:pPr>
             <a:r>
-              <a:rPr lang="tr-TR" sz="2600" dirty="0" err="1" smtClean="0">
+              <a:rPr lang="tr-TR" sz="2600" dirty="0" err="1">
                 <a:solidFill>
                   <a:srgbClr val="404041"/>
                 </a:solidFill>
@@ -5290,7 +4151,7 @@
               <a:t>Task</a:t>
             </a:r>
             <a:r>
-              <a:rPr lang="tr-TR" sz="2600" dirty="0" smtClean="0">
+              <a:rPr lang="tr-TR" sz="2600" dirty="0">
                 <a:solidFill>
                   <a:srgbClr val="404041"/>
                 </a:solidFill>
@@ -5299,25 +4160,16 @@
               <a:t>: Bir </a:t>
             </a:r>
             <a:r>
-              <a:rPr lang="tr-TR" sz="2600" dirty="0" err="1" smtClean="0">
-                <a:solidFill>
-                  <a:srgbClr val="404041"/>
-                </a:solidFill>
-                <a:latin typeface="Roboto"/>
-              </a:rPr>
-              <a:t>executor</a:t>
-            </a:r>
-            <a:r>
-              <a:rPr lang="tr-TR" sz="2600" dirty="0" err="1" smtClean="0">
-                <a:solidFill>
-                  <a:srgbClr val="404041"/>
-                </a:solidFill>
-                <a:latin typeface="Roboto"/>
-              </a:rPr>
-              <a:t>’a</a:t>
-            </a:r>
-            <a:r>
-              <a:rPr lang="tr-TR" sz="2600" dirty="0" smtClean="0">
+              <a:rPr lang="tr-TR" sz="2600" dirty="0" err="1">
+                <a:solidFill>
+                  <a:srgbClr val="404041"/>
+                </a:solidFill>
+                <a:latin typeface="Roboto"/>
+              </a:rPr>
+              <a:t>executor’a</a:t>
+            </a:r>
+            <a:r>
+              <a:rPr lang="tr-TR" sz="2600" dirty="0">
                 <a:solidFill>
                   <a:srgbClr val="404041"/>
                 </a:solidFill>
@@ -5325,12 +4177,6 @@
               </a:rPr>
               <a:t> atanan tek bir iş.</a:t>
             </a:r>
-            <a:endParaRPr lang="tr-TR" sz="2600" dirty="0" smtClean="0">
-              <a:solidFill>
-                <a:srgbClr val="404041"/>
-              </a:solidFill>
-              <a:latin typeface="Roboto"/>
-            </a:endParaRPr>
           </a:p>
         </p:txBody>
       </p:sp>
@@ -5344,13 +4190,6 @@
   <p:clrMapOvr>
     <a:masterClrMapping/>
   </p:clrMapOvr>
-  <p:timing>
-    <p:tnLst>
-      <p:par>
-        <p:cTn id="1" dur="indefinite" restart="never" nodeType="tmRoot"/>
-      </p:par>
-    </p:tnLst>
-  </p:timing>
 </p:sld>
 </file>
 
@@ -5408,369 +4247,6 @@
           </a:fontRef>
         </p:style>
       </p:cxnSp>
-      <p:grpSp>
-        <p:nvGrpSpPr>
-          <p:cNvPr id="15" name="Grup 14"/>
-          <p:cNvGrpSpPr/>
-          <p:nvPr/>
-        </p:nvGrpSpPr>
-        <p:grpSpPr>
-          <a:xfrm>
-            <a:off x="228596" y="6231467"/>
-            <a:ext cx="3041654" cy="492576"/>
-            <a:chOff x="228596" y="6231467"/>
-            <a:chExt cx="3041654" cy="492576"/>
-          </a:xfrm>
-        </p:grpSpPr>
-        <p:grpSp>
-          <p:nvGrpSpPr>
-            <p:cNvPr id="8" name="Grup 7"/>
-            <p:cNvGrpSpPr/>
-            <p:nvPr/>
-          </p:nvGrpSpPr>
-          <p:grpSpPr>
-            <a:xfrm>
-              <a:off x="228596" y="6231467"/>
-              <a:ext cx="2802471" cy="457084"/>
-              <a:chOff x="127000" y="5901146"/>
-              <a:chExt cx="5156200" cy="838200"/>
-            </a:xfrm>
-          </p:grpSpPr>
-          <p:sp>
-            <p:nvSpPr>
-              <p:cNvPr id="7" name="Dikdörtgen 6"/>
-              <p:cNvSpPr/>
-              <p:nvPr/>
-            </p:nvSpPr>
-            <p:spPr>
-              <a:xfrm>
-                <a:off x="127000" y="5901146"/>
-                <a:ext cx="5156200" cy="838200"/>
-              </a:xfrm>
-              <a:prstGeom prst="rect">
-                <a:avLst/>
-              </a:prstGeom>
-              <a:solidFill>
-                <a:schemeClr val="bg1">
-                  <a:lumMod val="95000"/>
-                </a:schemeClr>
-              </a:solidFill>
-              <a:ln>
-                <a:noFill/>
-              </a:ln>
-            </p:spPr>
-            <p:style>
-              <a:lnRef idx="2">
-                <a:schemeClr val="accent1">
-                  <a:shade val="50000"/>
-                </a:schemeClr>
-              </a:lnRef>
-              <a:fillRef idx="1">
-                <a:schemeClr val="accent1"/>
-              </a:fillRef>
-              <a:effectRef idx="0">
-                <a:schemeClr val="accent1"/>
-              </a:effectRef>
-              <a:fontRef idx="minor">
-                <a:schemeClr val="lt1"/>
-              </a:fontRef>
-            </p:style>
-            <p:txBody>
-              <a:bodyPr rtlCol="0" anchor="ctr"/>
-              <a:lstStyle/>
-              <a:p>
-                <a:pPr algn="ctr"/>
-                <a:endParaRPr lang="en-US" sz="2000"/>
-              </a:p>
-            </p:txBody>
-          </p:sp>
-          <p:grpSp>
-            <p:nvGrpSpPr>
-              <p:cNvPr id="6" name="Grup 5"/>
-              <p:cNvGrpSpPr/>
-              <p:nvPr/>
-            </p:nvGrpSpPr>
-            <p:grpSpPr>
-              <a:xfrm>
-                <a:off x="211667" y="6019800"/>
-                <a:ext cx="5012266" cy="605115"/>
-                <a:chOff x="211667" y="6019800"/>
-                <a:chExt cx="5012266" cy="605115"/>
-              </a:xfrm>
-            </p:grpSpPr>
-            <p:pic>
-              <p:nvPicPr>
-                <p:cNvPr id="4" name="Resim 3"/>
-                <p:cNvPicPr>
-                  <a:picLocks noChangeAspect="1"/>
-                </p:cNvPicPr>
-                <p:nvPr/>
-              </p:nvPicPr>
-              <p:blipFill rotWithShape="1">
-                <a:blip r:embed="rId2" cstate="print">
-                  <a:extLst>
-                    <a:ext uri="{28A0092B-C50C-407E-A947-70E740481C1C}">
-                      <a14:useLocalDpi xmlns:a14="http://schemas.microsoft.com/office/drawing/2010/main" val="0"/>
-                    </a:ext>
-                  </a:extLst>
-                </a:blip>
-                <a:srcRect l="24387" t="8319" r="18355" b="50150"/>
-                <a:stretch/>
-              </p:blipFill>
-              <p:spPr>
-                <a:xfrm>
-                  <a:off x="211667" y="6019800"/>
-                  <a:ext cx="1072095" cy="600892"/>
-                </a:xfrm>
-                <a:prstGeom prst="rect">
-                  <a:avLst/>
-                </a:prstGeom>
-              </p:spPr>
-            </p:pic>
-            <p:sp>
-              <p:nvSpPr>
-                <p:cNvPr id="5" name="Unvan 1"/>
-                <p:cNvSpPr txBox="1">
-                  <a:spLocks/>
-                </p:cNvSpPr>
-                <p:nvPr/>
-              </p:nvSpPr>
-              <p:spPr>
-                <a:xfrm>
-                  <a:off x="1283763" y="6024023"/>
-                  <a:ext cx="3940170" cy="600892"/>
-                </a:xfrm>
-                <a:prstGeom prst="rect">
-                  <a:avLst/>
-                </a:prstGeom>
-              </p:spPr>
-              <p:txBody>
-                <a:bodyPr vert="horz" lIns="91440" tIns="45720" rIns="91440" bIns="45720" rtlCol="0" anchor="b">
-                  <a:noAutofit/>
-                </a:bodyPr>
-                <a:lstStyle>
-                  <a:lvl1pPr algn="ctr" defTabSz="914400" rtl="0" eaLnBrk="1" latinLnBrk="0" hangingPunct="1">
-                    <a:lnSpc>
-                      <a:spcPct val="90000"/>
-                    </a:lnSpc>
-                    <a:spcBef>
-                      <a:spcPct val="0"/>
-                    </a:spcBef>
-                    <a:buNone/>
-                    <a:defRPr sz="6000" kern="1200">
-                      <a:solidFill>
-                        <a:schemeClr val="tx1"/>
-                      </a:solidFill>
-                      <a:latin typeface="+mj-lt"/>
-                      <a:ea typeface="+mj-ea"/>
-                      <a:cs typeface="+mj-cs"/>
-                    </a:defRPr>
-                  </a:lvl1pPr>
-                </a:lstStyle>
-                <a:p>
-                  <a:pPr algn="l"/>
-                  <a:r>
-                    <a:rPr lang="tr-TR" sz="2000" dirty="0" smtClean="0">
-                      <a:solidFill>
-                        <a:srgbClr val="CB171F"/>
-                      </a:solidFill>
-                      <a:latin typeface="Constantia" panose="02030602050306030303" pitchFamily="18" charset="0"/>
-                      <a:ea typeface="Verdana" panose="020B0604030504040204" pitchFamily="34" charset="0"/>
-                      <a:cs typeface="Arial" panose="020B0604020202020204" pitchFamily="34" charset="0"/>
-                    </a:rPr>
-                    <a:t>Veri Bilimi Okulu</a:t>
-                  </a:r>
-                  <a:endParaRPr lang="en-US" sz="2000" dirty="0">
-                    <a:solidFill>
-                      <a:srgbClr val="CB171F"/>
-                    </a:solidFill>
-                    <a:latin typeface="Constantia" panose="02030602050306030303" pitchFamily="18" charset="0"/>
-                    <a:ea typeface="Verdana" panose="020B0604030504040204" pitchFamily="34" charset="0"/>
-                    <a:cs typeface="Arial" panose="020B0604020202020204" pitchFamily="34" charset="0"/>
-                  </a:endParaRPr>
-                </a:p>
-              </p:txBody>
-            </p:sp>
-          </p:grpSp>
-        </p:grpSp>
-        <p:sp>
-          <p:nvSpPr>
-            <p:cNvPr id="12" name="Metin kutusu 11"/>
-            <p:cNvSpPr txBox="1"/>
-            <p:nvPr/>
-          </p:nvSpPr>
-          <p:spPr>
-            <a:xfrm>
-              <a:off x="1582782" y="6493211"/>
-              <a:ext cx="1687468" cy="230832"/>
-            </a:xfrm>
-            <a:prstGeom prst="rect">
-              <a:avLst/>
-            </a:prstGeom>
-            <a:noFill/>
-          </p:spPr>
-          <p:txBody>
-            <a:bodyPr wrap="square" rtlCol="0">
-              <a:spAutoFit/>
-            </a:bodyPr>
-            <a:lstStyle/>
-            <a:p>
-              <a:r>
-                <a:rPr lang="en-US" sz="900" dirty="0" smtClean="0">
-                  <a:solidFill>
-                    <a:srgbClr val="0B8043"/>
-                  </a:solidFill>
-                </a:rPr>
-                <a:t>https:</a:t>
-              </a:r>
-              <a:r>
-                <a:rPr lang="en-US" sz="900" dirty="0" smtClean="0">
-                  <a:solidFill>
-                    <a:schemeClr val="bg1">
-                      <a:lumMod val="50000"/>
-                    </a:schemeClr>
-                  </a:solidFill>
-                </a:rPr>
-                <a:t>//www.veribilimi.co</a:t>
-              </a:r>
-              <a:endParaRPr lang="en-US" sz="900" dirty="0">
-                <a:solidFill>
-                  <a:schemeClr val="bg1">
-                    <a:lumMod val="50000"/>
-                  </a:schemeClr>
-                </a:solidFill>
-              </a:endParaRPr>
-            </a:p>
-          </p:txBody>
-        </p:sp>
-      </p:grpSp>
-      <p:grpSp>
-        <p:nvGrpSpPr>
-          <p:cNvPr id="11" name="Grup 10"/>
-          <p:cNvGrpSpPr/>
-          <p:nvPr/>
-        </p:nvGrpSpPr>
-        <p:grpSpPr>
-          <a:xfrm>
-            <a:off x="9194796" y="6231467"/>
-            <a:ext cx="2802471" cy="457084"/>
-            <a:chOff x="184993" y="5905369"/>
-            <a:chExt cx="5156200" cy="838200"/>
-          </a:xfrm>
-        </p:grpSpPr>
-        <p:sp>
-          <p:nvSpPr>
-            <p:cNvPr id="13" name="Dikdörtgen 12"/>
-            <p:cNvSpPr/>
-            <p:nvPr/>
-          </p:nvSpPr>
-          <p:spPr>
-            <a:xfrm>
-              <a:off x="184993" y="5905369"/>
-              <a:ext cx="5156200" cy="838200"/>
-            </a:xfrm>
-            <a:prstGeom prst="rect">
-              <a:avLst/>
-            </a:prstGeom>
-            <a:solidFill>
-              <a:schemeClr val="bg1">
-                <a:lumMod val="95000"/>
-              </a:schemeClr>
-            </a:solidFill>
-            <a:ln>
-              <a:noFill/>
-            </a:ln>
-          </p:spPr>
-          <p:style>
-            <a:lnRef idx="2">
-              <a:schemeClr val="accent1">
-                <a:shade val="50000"/>
-              </a:schemeClr>
-            </a:lnRef>
-            <a:fillRef idx="1">
-              <a:schemeClr val="accent1"/>
-            </a:fillRef>
-            <a:effectRef idx="0">
-              <a:schemeClr val="accent1"/>
-            </a:effectRef>
-            <a:fontRef idx="minor">
-              <a:schemeClr val="lt1"/>
-            </a:fontRef>
-          </p:style>
-          <p:txBody>
-            <a:bodyPr rtlCol="0" anchor="ctr"/>
-            <a:lstStyle/>
-            <a:p>
-              <a:pPr algn="ctr"/>
-              <a:endParaRPr lang="en-US" sz="2000"/>
-            </a:p>
-          </p:txBody>
-        </p:sp>
-        <p:sp>
-          <p:nvSpPr>
-            <p:cNvPr id="14" name="Unvan 1"/>
-            <p:cNvSpPr txBox="1">
-              <a:spLocks/>
-            </p:cNvSpPr>
-            <p:nvPr/>
-          </p:nvSpPr>
-          <p:spPr>
-            <a:xfrm>
-              <a:off x="302252" y="6024023"/>
-              <a:ext cx="4921678" cy="600892"/>
-            </a:xfrm>
-            <a:prstGeom prst="rect">
-              <a:avLst/>
-            </a:prstGeom>
-          </p:spPr>
-          <p:txBody>
-            <a:bodyPr vert="horz" lIns="91440" tIns="45720" rIns="91440" bIns="45720" rtlCol="0" anchor="b">
-              <a:noAutofit/>
-            </a:bodyPr>
-            <a:lstStyle>
-              <a:lvl1pPr algn="ctr" defTabSz="914400" rtl="0" eaLnBrk="1" latinLnBrk="0" hangingPunct="1">
-                <a:lnSpc>
-                  <a:spcPct val="90000"/>
-                </a:lnSpc>
-                <a:spcBef>
-                  <a:spcPct val="0"/>
-                </a:spcBef>
-                <a:buNone/>
-                <a:defRPr sz="6000" kern="1200">
-                  <a:solidFill>
-                    <a:schemeClr val="tx1"/>
-                  </a:solidFill>
-                  <a:latin typeface="+mj-lt"/>
-                  <a:ea typeface="+mj-ea"/>
-                  <a:cs typeface="+mj-cs"/>
-                </a:defRPr>
-              </a:lvl1pPr>
-            </a:lstStyle>
-            <a:p>
-              <a:pPr algn="l"/>
-              <a:r>
-                <a:rPr lang="tr-TR" sz="2000" dirty="0">
-                  <a:solidFill>
-                    <a:srgbClr val="CB171F"/>
-                  </a:solidFill>
-                  <a:latin typeface="Constantia" panose="02030602050306030303" pitchFamily="18" charset="0"/>
-                  <a:ea typeface="Verdana" panose="020B0604030504040204" pitchFamily="34" charset="0"/>
-                  <a:cs typeface="Arial" panose="020B0604020202020204" pitchFamily="34" charset="0"/>
-                </a:rPr>
-                <a:t>A’dan Z’ye Büyük Veri</a:t>
-              </a:r>
-              <a:endParaRPr lang="en-US" sz="2000" dirty="0">
-                <a:solidFill>
-                  <a:srgbClr val="CB171F"/>
-                </a:solidFill>
-                <a:latin typeface="Constantia" panose="02030602050306030303" pitchFamily="18" charset="0"/>
-                <a:ea typeface="Verdana" panose="020B0604030504040204" pitchFamily="34" charset="0"/>
-                <a:cs typeface="Arial" panose="020B0604020202020204" pitchFamily="34" charset="0"/>
-              </a:endParaRPr>
-            </a:p>
-          </p:txBody>
-        </p:sp>
-      </p:grpSp>
       <p:sp>
         <p:nvSpPr>
           <p:cNvPr id="16" name="Unvan 1"/>
@@ -5794,7 +4270,7 @@
           <a:lstStyle/>
           <a:p>
             <a:r>
-              <a:rPr lang="tr-TR" sz="4200" b="1" dirty="0" err="1" smtClean="0">
+              <a:rPr lang="tr-TR" sz="4200" b="1" dirty="0" err="1">
                 <a:solidFill>
                   <a:srgbClr val="CD1F26"/>
                 </a:solidFill>
@@ -5805,7 +4281,7 @@
               <a:t>Spark</a:t>
             </a:r>
             <a:r>
-              <a:rPr lang="tr-TR" sz="4200" b="1" dirty="0" smtClean="0">
+              <a:rPr lang="tr-TR" sz="4200" b="1" dirty="0">
                 <a:solidFill>
                   <a:srgbClr val="CD1F26"/>
                 </a:solidFill>
@@ -5855,7 +4331,7 @@
               <a:buChar char="ü"/>
             </a:pPr>
             <a:r>
-              <a:rPr lang="tr-TR" sz="2600" dirty="0" smtClean="0">
+              <a:rPr lang="tr-TR" sz="2600" dirty="0">
                 <a:solidFill>
                   <a:srgbClr val="404041"/>
                 </a:solidFill>
@@ -5873,7 +4349,7 @@
               <a:buChar char="ü"/>
             </a:pPr>
             <a:r>
-              <a:rPr lang="tr-TR" sz="2600" dirty="0" smtClean="0">
+              <a:rPr lang="tr-TR" sz="2600" dirty="0">
                 <a:solidFill>
                   <a:srgbClr val="404041"/>
                 </a:solidFill>
@@ -5881,12 +4357,6 @@
               </a:rPr>
               <a:t>Cluster Manager</a:t>
             </a:r>
-            <a:endParaRPr lang="tr-TR" sz="2600" dirty="0">
-              <a:solidFill>
-                <a:srgbClr val="404041"/>
-              </a:solidFill>
-              <a:latin typeface="Roboto"/>
-            </a:endParaRPr>
           </a:p>
           <a:p>
             <a:pPr marL="571500" indent="-571500">
@@ -5897,7 +4367,7 @@
               <a:buChar char="ü"/>
             </a:pPr>
             <a:r>
-              <a:rPr lang="tr-TR" sz="2600" dirty="0" err="1" smtClean="0">
+              <a:rPr lang="tr-TR" sz="2600" dirty="0" err="1">
                 <a:solidFill>
                   <a:srgbClr val="404041"/>
                 </a:solidFill>
@@ -5906,7 +4376,7 @@
               <a:t>Worker</a:t>
             </a:r>
             <a:r>
-              <a:rPr lang="tr-TR" sz="2600" dirty="0" smtClean="0">
+              <a:rPr lang="tr-TR" sz="2600" dirty="0">
                 <a:solidFill>
                   <a:srgbClr val="404041"/>
                 </a:solidFill>
@@ -5915,7 +4385,7 @@
               <a:t> sunucularda çalışan </a:t>
             </a:r>
             <a:r>
-              <a:rPr lang="tr-TR" sz="2600" dirty="0" err="1" smtClean="0">
+              <a:rPr lang="tr-TR" sz="2600" dirty="0" err="1">
                 <a:solidFill>
                   <a:srgbClr val="404041"/>
                 </a:solidFill>
@@ -5924,7 +4394,7 @@
               <a:t>worker</a:t>
             </a:r>
             <a:r>
-              <a:rPr lang="tr-TR" sz="2600" dirty="0" smtClean="0">
+              <a:rPr lang="tr-TR" sz="2600" dirty="0">
                 <a:solidFill>
                   <a:srgbClr val="404041"/>
                 </a:solidFill>
@@ -5933,7 +4403,7 @@
               <a:t> </a:t>
             </a:r>
             <a:r>
-              <a:rPr lang="tr-TR" sz="2600" dirty="0" err="1" smtClean="0">
+              <a:rPr lang="tr-TR" sz="2600" dirty="0" err="1">
                 <a:solidFill>
                   <a:srgbClr val="404041"/>
                 </a:solidFill>
@@ -5942,7 +4412,7 @@
               <a:t>process’ler</a:t>
             </a:r>
             <a:r>
-              <a:rPr lang="tr-TR" sz="2600" dirty="0" smtClean="0">
+              <a:rPr lang="tr-TR" sz="2600" dirty="0">
                 <a:solidFill>
                   <a:srgbClr val="404041"/>
                 </a:solidFill>
@@ -5960,7 +4430,7 @@
               <a:buChar char="ü"/>
             </a:pPr>
             <a:r>
-              <a:rPr lang="tr-TR" sz="1400" dirty="0" smtClean="0">
+              <a:rPr lang="tr-TR" sz="1400" dirty="0">
                 <a:solidFill>
                   <a:srgbClr val="404041"/>
                 </a:solidFill>
@@ -5969,34 +4439,16 @@
               <a:t>(</a:t>
             </a:r>
             <a:r>
-              <a:rPr lang="en-US" sz="1400" dirty="0" smtClean="0">
-                <a:solidFill>
-                  <a:srgbClr val="404041"/>
-                </a:solidFill>
-                <a:latin typeface="Roboto"/>
-              </a:rPr>
-              <a:t>CPU</a:t>
-            </a:r>
-            <a:r>
               <a:rPr lang="en-US" sz="1400" dirty="0">
                 <a:solidFill>
                   <a:srgbClr val="404041"/>
                 </a:solidFill>
                 <a:latin typeface="Roboto"/>
               </a:rPr>
-              <a:t>, memory and storage </a:t>
-            </a:r>
-            <a:r>
-              <a:rPr lang="en-US" sz="1400" dirty="0" smtClean="0">
-                <a:solidFill>
-                  <a:srgbClr val="404041"/>
-                </a:solidFill>
-                <a:latin typeface="Roboto"/>
-              </a:rPr>
-              <a:t>resources</a:t>
-            </a:r>
-            <a:r>
-              <a:rPr lang="tr-TR" sz="1400" dirty="0" smtClean="0">
+              <a:t>CPU, memory and storage resources</a:t>
+            </a:r>
+            <a:r>
+              <a:rPr lang="tr-TR" sz="1400" dirty="0">
                 <a:solidFill>
                   <a:srgbClr val="404041"/>
                 </a:solidFill>
@@ -6014,7 +4466,7 @@
               <a:buChar char="ü"/>
             </a:pPr>
             <a:r>
-              <a:rPr lang="tr-TR" sz="2600" dirty="0" err="1" smtClean="0">
+              <a:rPr lang="tr-TR" sz="2600" dirty="0" err="1">
                 <a:solidFill>
                   <a:srgbClr val="404041"/>
                 </a:solidFill>
@@ -6023,7 +4475,7 @@
               <a:t>Worker</a:t>
             </a:r>
             <a:r>
-              <a:rPr lang="tr-TR" sz="2600" dirty="0" smtClean="0">
+              <a:rPr lang="tr-TR" sz="2600" dirty="0">
                 <a:solidFill>
                   <a:srgbClr val="404041"/>
                 </a:solidFill>
@@ -6032,7 +4484,7 @@
               <a:t> sunucularda çalışan </a:t>
             </a:r>
             <a:r>
-              <a:rPr lang="tr-TR" sz="2600" dirty="0" err="1" smtClean="0">
+              <a:rPr lang="tr-TR" sz="2600" dirty="0" err="1">
                 <a:solidFill>
                   <a:srgbClr val="404041"/>
                 </a:solidFill>
@@ -6041,7 +4493,7 @@
               <a:t>executor’lar</a:t>
             </a:r>
             <a:r>
-              <a:rPr lang="tr-TR" sz="2600" dirty="0" smtClean="0">
+              <a:rPr lang="tr-TR" sz="2600" dirty="0">
                 <a:solidFill>
                   <a:srgbClr val="404041"/>
                 </a:solidFill>
@@ -6059,7 +4511,7 @@
               <a:buChar char="ü"/>
             </a:pPr>
             <a:r>
-              <a:rPr lang="tr-TR" sz="1400" dirty="0" smtClean="0">
+              <a:rPr lang="tr-TR" sz="1400" dirty="0">
                 <a:solidFill>
                   <a:srgbClr val="404041"/>
                 </a:solidFill>
@@ -6068,7 +4520,7 @@
               <a:t>(JVM, her uygulamanın </a:t>
             </a:r>
             <a:r>
-              <a:rPr lang="tr-TR" sz="1400" dirty="0" err="1" smtClean="0">
+              <a:rPr lang="tr-TR" sz="1400" dirty="0" err="1">
                 <a:solidFill>
                   <a:srgbClr val="404041"/>
                 </a:solidFill>
@@ -6077,7 +4529,7 @@
               <a:t>executor’ları</a:t>
             </a:r>
             <a:r>
-              <a:rPr lang="tr-TR" sz="1400" dirty="0" smtClean="0">
+              <a:rPr lang="tr-TR" sz="1400" dirty="0">
                 <a:solidFill>
                   <a:srgbClr val="404041"/>
                 </a:solidFill>
@@ -6086,7 +4538,7 @@
               <a:t> ayrı, tahsis edildiği kadar, </a:t>
             </a:r>
             <a:r>
-              <a:rPr lang="tr-TR" sz="1400" dirty="0" err="1" smtClean="0">
+              <a:rPr lang="tr-TR" sz="1400" dirty="0" err="1">
                 <a:solidFill>
                   <a:srgbClr val="404041"/>
                 </a:solidFill>
@@ -6095,7 +4547,7 @@
               <a:t>cache</a:t>
             </a:r>
             <a:r>
-              <a:rPr lang="tr-TR" sz="1400" dirty="0" smtClean="0">
+              <a:rPr lang="tr-TR" sz="1400" dirty="0">
                 <a:solidFill>
                   <a:srgbClr val="404041"/>
                 </a:solidFill>
@@ -6104,7 +4556,7 @@
               <a:t>, disk </a:t>
             </a:r>
             <a:r>
-              <a:rPr lang="tr-TR" sz="1400" dirty="0" err="1" smtClean="0">
+              <a:rPr lang="tr-TR" sz="1400" dirty="0" err="1">
                 <a:solidFill>
                   <a:srgbClr val="404041"/>
                 </a:solidFill>
@@ -6113,7 +4565,7 @@
               <a:t>storage</a:t>
             </a:r>
             <a:r>
-              <a:rPr lang="tr-TR" sz="1400" dirty="0" smtClean="0">
+              <a:rPr lang="tr-TR" sz="1400" dirty="0">
                 <a:solidFill>
                   <a:srgbClr val="404041"/>
                 </a:solidFill>
@@ -6131,7 +4583,7 @@
               <a:buChar char="ü"/>
             </a:pPr>
             <a:r>
-              <a:rPr lang="tr-TR" sz="2600" dirty="0" err="1" smtClean="0">
+              <a:rPr lang="tr-TR" sz="2600" dirty="0" err="1">
                 <a:solidFill>
                   <a:srgbClr val="404041"/>
                 </a:solidFill>
@@ -6140,7 +4592,7 @@
               <a:t>Worker</a:t>
             </a:r>
             <a:r>
-              <a:rPr lang="tr-TR" sz="2600" dirty="0" smtClean="0">
+              <a:rPr lang="tr-TR" sz="2600" dirty="0">
                 <a:solidFill>
                   <a:srgbClr val="404041"/>
                 </a:solidFill>
@@ -6149,7 +4601,7 @@
               <a:t> </a:t>
             </a:r>
             <a:r>
-              <a:rPr lang="tr-TR" sz="2600" dirty="0" err="1" smtClean="0">
+              <a:rPr lang="tr-TR" sz="2600" dirty="0" err="1">
                 <a:solidFill>
                   <a:srgbClr val="404041"/>
                 </a:solidFill>
@@ -6158,7 +4610,7 @@
               <a:t>sunuclarda</a:t>
             </a:r>
             <a:r>
-              <a:rPr lang="tr-TR" sz="2600" dirty="0" smtClean="0">
+              <a:rPr lang="tr-TR" sz="2600" dirty="0">
                 <a:solidFill>
                   <a:srgbClr val="404041"/>
                 </a:solidFill>
@@ -6167,7 +4619,7 @@
               <a:t> çalışan </a:t>
             </a:r>
             <a:r>
-              <a:rPr lang="tr-TR" sz="2600" dirty="0" err="1" smtClean="0">
+              <a:rPr lang="tr-TR" sz="2600" dirty="0" err="1">
                 <a:solidFill>
                   <a:srgbClr val="404041"/>
                 </a:solidFill>
@@ -6176,7 +4628,7 @@
               <a:t>task’lar</a:t>
             </a:r>
             <a:r>
-              <a:rPr lang="tr-TR" sz="2600" dirty="0" smtClean="0">
+              <a:rPr lang="tr-TR" sz="2600" dirty="0">
                 <a:solidFill>
                   <a:srgbClr val="404041"/>
                 </a:solidFill>
@@ -6194,7 +4646,7 @@
               <a:buChar char="ü"/>
             </a:pPr>
             <a:r>
-              <a:rPr lang="tr-TR" sz="1400" dirty="0" smtClean="0">
+              <a:rPr lang="tr-TR" sz="1400" dirty="0">
                 <a:solidFill>
                   <a:srgbClr val="404041"/>
                 </a:solidFill>
@@ -6203,7 +4655,7 @@
               <a:t>(Bir </a:t>
             </a:r>
             <a:r>
-              <a:rPr lang="tr-TR" sz="1400" dirty="0" err="1" smtClean="0">
+              <a:rPr lang="tr-TR" sz="1400" dirty="0" err="1">
                 <a:solidFill>
                   <a:srgbClr val="404041"/>
                 </a:solidFill>
@@ -6212,7 +4664,7 @@
               <a:t>executor’da</a:t>
             </a:r>
             <a:r>
-              <a:rPr lang="tr-TR" sz="1400" dirty="0" smtClean="0">
+              <a:rPr lang="tr-TR" sz="1400" dirty="0">
                 <a:solidFill>
                   <a:srgbClr val="404041"/>
                 </a:solidFill>
@@ -6221,7 +4673,7 @@
               <a:t> birden fazla </a:t>
             </a:r>
             <a:r>
-              <a:rPr lang="tr-TR" sz="1400" dirty="0" err="1" smtClean="0">
+              <a:rPr lang="tr-TR" sz="1400" dirty="0" err="1">
                 <a:solidFill>
                   <a:srgbClr val="404041"/>
                 </a:solidFill>
@@ -6230,7 +4682,7 @@
               <a:t>thread</a:t>
             </a:r>
             <a:r>
-              <a:rPr lang="tr-TR" sz="1400" dirty="0" smtClean="0">
+              <a:rPr lang="tr-TR" sz="1400" dirty="0">
                 <a:solidFill>
                   <a:srgbClr val="404041"/>
                 </a:solidFill>
@@ -6239,7 +4691,7 @@
               <a:t> olabilir, her </a:t>
             </a:r>
             <a:r>
-              <a:rPr lang="tr-TR" sz="1400" dirty="0" err="1" smtClean="0">
+              <a:rPr lang="tr-TR" sz="1400" dirty="0" err="1">
                 <a:solidFill>
                   <a:srgbClr val="404041"/>
                 </a:solidFill>
@@ -6248,7 +4700,7 @@
               <a:t>thread’de</a:t>
             </a:r>
             <a:r>
-              <a:rPr lang="tr-TR" sz="1400" dirty="0" smtClean="0">
+              <a:rPr lang="tr-TR" sz="1400" dirty="0">
                 <a:solidFill>
                   <a:srgbClr val="404041"/>
                 </a:solidFill>
@@ -6257,7 +4709,7 @@
               <a:t> bir </a:t>
             </a:r>
             <a:r>
-              <a:rPr lang="tr-TR" sz="1400" dirty="0" err="1" smtClean="0">
+              <a:rPr lang="tr-TR" sz="1400" dirty="0" err="1">
                 <a:solidFill>
                   <a:srgbClr val="404041"/>
                 </a:solidFill>
@@ -6266,7 +4718,7 @@
               <a:t>task</a:t>
             </a:r>
             <a:r>
-              <a:rPr lang="tr-TR" sz="1400" dirty="0" smtClean="0">
+              <a:rPr lang="tr-TR" sz="1400" dirty="0">
                 <a:solidFill>
                   <a:srgbClr val="404041"/>
                 </a:solidFill>
@@ -6284,7 +4736,7 @@
               <a:buChar char="ü"/>
             </a:pPr>
             <a:r>
-              <a:rPr lang="tr-TR" sz="1400" dirty="0" smtClean="0">
+              <a:rPr lang="tr-TR" sz="1400" dirty="0">
                 <a:solidFill>
                   <a:srgbClr val="404041"/>
                 </a:solidFill>
@@ -6293,7 +4745,7 @@
               <a:t>Bir </a:t>
             </a:r>
             <a:r>
-              <a:rPr lang="tr-TR" sz="1400" dirty="0" err="1" smtClean="0">
+              <a:rPr lang="tr-TR" sz="1400" dirty="0" err="1">
                 <a:solidFill>
                   <a:srgbClr val="404041"/>
                 </a:solidFill>
@@ -6302,7 +4754,7 @@
               <a:t>job</a:t>
             </a:r>
             <a:r>
-              <a:rPr lang="tr-TR" sz="1400" dirty="0" smtClean="0">
+              <a:rPr lang="tr-TR" sz="1400" dirty="0">
                 <a:solidFill>
                   <a:srgbClr val="404041"/>
                 </a:solidFill>
@@ -6311,7 +4763,7 @@
               <a:t> için çalışacak </a:t>
             </a:r>
             <a:r>
-              <a:rPr lang="tr-TR" sz="1400" dirty="0" err="1" smtClean="0">
+              <a:rPr lang="tr-TR" sz="1400" dirty="0" err="1">
                 <a:solidFill>
                   <a:srgbClr val="404041"/>
                 </a:solidFill>
@@ -6320,7 +4772,7 @@
               <a:t>task’ların</a:t>
             </a:r>
             <a:r>
-              <a:rPr lang="tr-TR" sz="1400" dirty="0" smtClean="0">
+              <a:rPr lang="tr-TR" sz="1400" dirty="0">
                 <a:solidFill>
                   <a:srgbClr val="404041"/>
                 </a:solidFill>
@@ -6329,7 +4781,7 @@
               <a:t> sayısı </a:t>
             </a:r>
             <a:r>
-              <a:rPr lang="tr-TR" sz="1400" dirty="0" err="1" smtClean="0">
+              <a:rPr lang="tr-TR" sz="1400" dirty="0" err="1">
                 <a:solidFill>
                   <a:srgbClr val="404041"/>
                 </a:solidFill>
@@ -6338,7 +4790,7 @@
               <a:t>partition</a:t>
             </a:r>
             <a:r>
-              <a:rPr lang="tr-TR" sz="1400" dirty="0" smtClean="0">
+              <a:rPr lang="tr-TR" sz="1400" dirty="0">
                 <a:solidFill>
                   <a:srgbClr val="404041"/>
                 </a:solidFill>
@@ -6347,7 +4799,7 @@
               <a:t> </a:t>
             </a:r>
             <a:r>
-              <a:rPr lang="tr-TR" sz="1400" dirty="0" err="1" smtClean="0">
+              <a:rPr lang="tr-TR" sz="1400" dirty="0" err="1">
                 <a:solidFill>
                   <a:srgbClr val="404041"/>
                 </a:solidFill>
@@ -6356,7 +4808,7 @@
               <a:t>sayısna</a:t>
             </a:r>
             <a:r>
-              <a:rPr lang="tr-TR" sz="1400" dirty="0" smtClean="0">
+              <a:rPr lang="tr-TR" sz="1400" dirty="0">
                 <a:solidFill>
                   <a:srgbClr val="404041"/>
                 </a:solidFill>
@@ -6377,13 +4829,6 @@
   <p:clrMapOvr>
     <a:masterClrMapping/>
   </p:clrMapOvr>
-  <p:timing>
-    <p:tnLst>
-      <p:par>
-        <p:cTn id="1" dur="indefinite" restart="never" nodeType="tmRoot"/>
-      </p:par>
-    </p:tnLst>
-  </p:timing>
 </p:sld>
 </file>
 
@@ -6441,369 +4886,6 @@
           </a:fontRef>
         </p:style>
       </p:cxnSp>
-      <p:grpSp>
-        <p:nvGrpSpPr>
-          <p:cNvPr id="15" name="Grup 14"/>
-          <p:cNvGrpSpPr/>
-          <p:nvPr/>
-        </p:nvGrpSpPr>
-        <p:grpSpPr>
-          <a:xfrm>
-            <a:off x="228596" y="6231467"/>
-            <a:ext cx="3041654" cy="492576"/>
-            <a:chOff x="228596" y="6231467"/>
-            <a:chExt cx="3041654" cy="492576"/>
-          </a:xfrm>
-        </p:grpSpPr>
-        <p:grpSp>
-          <p:nvGrpSpPr>
-            <p:cNvPr id="8" name="Grup 7"/>
-            <p:cNvGrpSpPr/>
-            <p:nvPr/>
-          </p:nvGrpSpPr>
-          <p:grpSpPr>
-            <a:xfrm>
-              <a:off x="228596" y="6231467"/>
-              <a:ext cx="2802471" cy="457084"/>
-              <a:chOff x="127000" y="5901146"/>
-              <a:chExt cx="5156200" cy="838200"/>
-            </a:xfrm>
-          </p:grpSpPr>
-          <p:sp>
-            <p:nvSpPr>
-              <p:cNvPr id="7" name="Dikdörtgen 6"/>
-              <p:cNvSpPr/>
-              <p:nvPr/>
-            </p:nvSpPr>
-            <p:spPr>
-              <a:xfrm>
-                <a:off x="127000" y="5901146"/>
-                <a:ext cx="5156200" cy="838200"/>
-              </a:xfrm>
-              <a:prstGeom prst="rect">
-                <a:avLst/>
-              </a:prstGeom>
-              <a:solidFill>
-                <a:schemeClr val="bg1">
-                  <a:lumMod val="95000"/>
-                </a:schemeClr>
-              </a:solidFill>
-              <a:ln>
-                <a:noFill/>
-              </a:ln>
-            </p:spPr>
-            <p:style>
-              <a:lnRef idx="2">
-                <a:schemeClr val="accent1">
-                  <a:shade val="50000"/>
-                </a:schemeClr>
-              </a:lnRef>
-              <a:fillRef idx="1">
-                <a:schemeClr val="accent1"/>
-              </a:fillRef>
-              <a:effectRef idx="0">
-                <a:schemeClr val="accent1"/>
-              </a:effectRef>
-              <a:fontRef idx="minor">
-                <a:schemeClr val="lt1"/>
-              </a:fontRef>
-            </p:style>
-            <p:txBody>
-              <a:bodyPr rtlCol="0" anchor="ctr"/>
-              <a:lstStyle/>
-              <a:p>
-                <a:pPr algn="ctr"/>
-                <a:endParaRPr lang="en-US" sz="2000"/>
-              </a:p>
-            </p:txBody>
-          </p:sp>
-          <p:grpSp>
-            <p:nvGrpSpPr>
-              <p:cNvPr id="6" name="Grup 5"/>
-              <p:cNvGrpSpPr/>
-              <p:nvPr/>
-            </p:nvGrpSpPr>
-            <p:grpSpPr>
-              <a:xfrm>
-                <a:off x="211667" y="6019800"/>
-                <a:ext cx="5012266" cy="605115"/>
-                <a:chOff x="211667" y="6019800"/>
-                <a:chExt cx="5012266" cy="605115"/>
-              </a:xfrm>
-            </p:grpSpPr>
-            <p:pic>
-              <p:nvPicPr>
-                <p:cNvPr id="4" name="Resim 3"/>
-                <p:cNvPicPr>
-                  <a:picLocks noChangeAspect="1"/>
-                </p:cNvPicPr>
-                <p:nvPr/>
-              </p:nvPicPr>
-              <p:blipFill rotWithShape="1">
-                <a:blip r:embed="rId2" cstate="print">
-                  <a:extLst>
-                    <a:ext uri="{28A0092B-C50C-407E-A947-70E740481C1C}">
-                      <a14:useLocalDpi xmlns:a14="http://schemas.microsoft.com/office/drawing/2010/main" val="0"/>
-                    </a:ext>
-                  </a:extLst>
-                </a:blip>
-                <a:srcRect l="24387" t="8319" r="18355" b="50150"/>
-                <a:stretch/>
-              </p:blipFill>
-              <p:spPr>
-                <a:xfrm>
-                  <a:off x="211667" y="6019800"/>
-                  <a:ext cx="1072095" cy="600892"/>
-                </a:xfrm>
-                <a:prstGeom prst="rect">
-                  <a:avLst/>
-                </a:prstGeom>
-              </p:spPr>
-            </p:pic>
-            <p:sp>
-              <p:nvSpPr>
-                <p:cNvPr id="5" name="Unvan 1"/>
-                <p:cNvSpPr txBox="1">
-                  <a:spLocks/>
-                </p:cNvSpPr>
-                <p:nvPr/>
-              </p:nvSpPr>
-              <p:spPr>
-                <a:xfrm>
-                  <a:off x="1283763" y="6024023"/>
-                  <a:ext cx="3940170" cy="600892"/>
-                </a:xfrm>
-                <a:prstGeom prst="rect">
-                  <a:avLst/>
-                </a:prstGeom>
-              </p:spPr>
-              <p:txBody>
-                <a:bodyPr vert="horz" lIns="91440" tIns="45720" rIns="91440" bIns="45720" rtlCol="0" anchor="b">
-                  <a:noAutofit/>
-                </a:bodyPr>
-                <a:lstStyle>
-                  <a:lvl1pPr algn="ctr" defTabSz="914400" rtl="0" eaLnBrk="1" latinLnBrk="0" hangingPunct="1">
-                    <a:lnSpc>
-                      <a:spcPct val="90000"/>
-                    </a:lnSpc>
-                    <a:spcBef>
-                      <a:spcPct val="0"/>
-                    </a:spcBef>
-                    <a:buNone/>
-                    <a:defRPr sz="6000" kern="1200">
-                      <a:solidFill>
-                        <a:schemeClr val="tx1"/>
-                      </a:solidFill>
-                      <a:latin typeface="+mj-lt"/>
-                      <a:ea typeface="+mj-ea"/>
-                      <a:cs typeface="+mj-cs"/>
-                    </a:defRPr>
-                  </a:lvl1pPr>
-                </a:lstStyle>
-                <a:p>
-                  <a:pPr algn="l"/>
-                  <a:r>
-                    <a:rPr lang="tr-TR" sz="2000" dirty="0" smtClean="0">
-                      <a:solidFill>
-                        <a:srgbClr val="CB171F"/>
-                      </a:solidFill>
-                      <a:latin typeface="Constantia" panose="02030602050306030303" pitchFamily="18" charset="0"/>
-                      <a:ea typeface="Verdana" panose="020B0604030504040204" pitchFamily="34" charset="0"/>
-                      <a:cs typeface="Arial" panose="020B0604020202020204" pitchFamily="34" charset="0"/>
-                    </a:rPr>
-                    <a:t>Veri Bilimi Okulu</a:t>
-                  </a:r>
-                  <a:endParaRPr lang="en-US" sz="2000" dirty="0">
-                    <a:solidFill>
-                      <a:srgbClr val="CB171F"/>
-                    </a:solidFill>
-                    <a:latin typeface="Constantia" panose="02030602050306030303" pitchFamily="18" charset="0"/>
-                    <a:ea typeface="Verdana" panose="020B0604030504040204" pitchFamily="34" charset="0"/>
-                    <a:cs typeface="Arial" panose="020B0604020202020204" pitchFamily="34" charset="0"/>
-                  </a:endParaRPr>
-                </a:p>
-              </p:txBody>
-            </p:sp>
-          </p:grpSp>
-        </p:grpSp>
-        <p:sp>
-          <p:nvSpPr>
-            <p:cNvPr id="12" name="Metin kutusu 11"/>
-            <p:cNvSpPr txBox="1"/>
-            <p:nvPr/>
-          </p:nvSpPr>
-          <p:spPr>
-            <a:xfrm>
-              <a:off x="1582782" y="6493211"/>
-              <a:ext cx="1687468" cy="230832"/>
-            </a:xfrm>
-            <a:prstGeom prst="rect">
-              <a:avLst/>
-            </a:prstGeom>
-            <a:noFill/>
-          </p:spPr>
-          <p:txBody>
-            <a:bodyPr wrap="square" rtlCol="0">
-              <a:spAutoFit/>
-            </a:bodyPr>
-            <a:lstStyle/>
-            <a:p>
-              <a:r>
-                <a:rPr lang="en-US" sz="900" dirty="0" smtClean="0">
-                  <a:solidFill>
-                    <a:srgbClr val="0B8043"/>
-                  </a:solidFill>
-                </a:rPr>
-                <a:t>https:</a:t>
-              </a:r>
-              <a:r>
-                <a:rPr lang="en-US" sz="900" dirty="0" smtClean="0">
-                  <a:solidFill>
-                    <a:schemeClr val="bg1">
-                      <a:lumMod val="50000"/>
-                    </a:schemeClr>
-                  </a:solidFill>
-                </a:rPr>
-                <a:t>//www.veribilimi.co</a:t>
-              </a:r>
-              <a:endParaRPr lang="en-US" sz="900" dirty="0">
-                <a:solidFill>
-                  <a:schemeClr val="bg1">
-                    <a:lumMod val="50000"/>
-                  </a:schemeClr>
-                </a:solidFill>
-              </a:endParaRPr>
-            </a:p>
-          </p:txBody>
-        </p:sp>
-      </p:grpSp>
-      <p:grpSp>
-        <p:nvGrpSpPr>
-          <p:cNvPr id="11" name="Grup 10"/>
-          <p:cNvGrpSpPr/>
-          <p:nvPr/>
-        </p:nvGrpSpPr>
-        <p:grpSpPr>
-          <a:xfrm>
-            <a:off x="9194796" y="6231467"/>
-            <a:ext cx="2802471" cy="457084"/>
-            <a:chOff x="184993" y="5905369"/>
-            <a:chExt cx="5156200" cy="838200"/>
-          </a:xfrm>
-        </p:grpSpPr>
-        <p:sp>
-          <p:nvSpPr>
-            <p:cNvPr id="13" name="Dikdörtgen 12"/>
-            <p:cNvSpPr/>
-            <p:nvPr/>
-          </p:nvSpPr>
-          <p:spPr>
-            <a:xfrm>
-              <a:off x="184993" y="5905369"/>
-              <a:ext cx="5156200" cy="838200"/>
-            </a:xfrm>
-            <a:prstGeom prst="rect">
-              <a:avLst/>
-            </a:prstGeom>
-            <a:solidFill>
-              <a:schemeClr val="bg1">
-                <a:lumMod val="95000"/>
-              </a:schemeClr>
-            </a:solidFill>
-            <a:ln>
-              <a:noFill/>
-            </a:ln>
-          </p:spPr>
-          <p:style>
-            <a:lnRef idx="2">
-              <a:schemeClr val="accent1">
-                <a:shade val="50000"/>
-              </a:schemeClr>
-            </a:lnRef>
-            <a:fillRef idx="1">
-              <a:schemeClr val="accent1"/>
-            </a:fillRef>
-            <a:effectRef idx="0">
-              <a:schemeClr val="accent1"/>
-            </a:effectRef>
-            <a:fontRef idx="minor">
-              <a:schemeClr val="lt1"/>
-            </a:fontRef>
-          </p:style>
-          <p:txBody>
-            <a:bodyPr rtlCol="0" anchor="ctr"/>
-            <a:lstStyle/>
-            <a:p>
-              <a:pPr algn="ctr"/>
-              <a:endParaRPr lang="en-US" sz="2000"/>
-            </a:p>
-          </p:txBody>
-        </p:sp>
-        <p:sp>
-          <p:nvSpPr>
-            <p:cNvPr id="14" name="Unvan 1"/>
-            <p:cNvSpPr txBox="1">
-              <a:spLocks/>
-            </p:cNvSpPr>
-            <p:nvPr/>
-          </p:nvSpPr>
-          <p:spPr>
-            <a:xfrm>
-              <a:off x="302252" y="6024023"/>
-              <a:ext cx="4921678" cy="600892"/>
-            </a:xfrm>
-            <a:prstGeom prst="rect">
-              <a:avLst/>
-            </a:prstGeom>
-          </p:spPr>
-          <p:txBody>
-            <a:bodyPr vert="horz" lIns="91440" tIns="45720" rIns="91440" bIns="45720" rtlCol="0" anchor="b">
-              <a:noAutofit/>
-            </a:bodyPr>
-            <a:lstStyle>
-              <a:lvl1pPr algn="ctr" defTabSz="914400" rtl="0" eaLnBrk="1" latinLnBrk="0" hangingPunct="1">
-                <a:lnSpc>
-                  <a:spcPct val="90000"/>
-                </a:lnSpc>
-                <a:spcBef>
-                  <a:spcPct val="0"/>
-                </a:spcBef>
-                <a:buNone/>
-                <a:defRPr sz="6000" kern="1200">
-                  <a:solidFill>
-                    <a:schemeClr val="tx1"/>
-                  </a:solidFill>
-                  <a:latin typeface="+mj-lt"/>
-                  <a:ea typeface="+mj-ea"/>
-                  <a:cs typeface="+mj-cs"/>
-                </a:defRPr>
-              </a:lvl1pPr>
-            </a:lstStyle>
-            <a:p>
-              <a:pPr algn="l"/>
-              <a:r>
-                <a:rPr lang="tr-TR" sz="2000" dirty="0">
-                  <a:solidFill>
-                    <a:srgbClr val="CB171F"/>
-                  </a:solidFill>
-                  <a:latin typeface="Constantia" panose="02030602050306030303" pitchFamily="18" charset="0"/>
-                  <a:ea typeface="Verdana" panose="020B0604030504040204" pitchFamily="34" charset="0"/>
-                  <a:cs typeface="Arial" panose="020B0604020202020204" pitchFamily="34" charset="0"/>
-                </a:rPr>
-                <a:t>A’dan Z’ye Büyük Veri</a:t>
-              </a:r>
-              <a:endParaRPr lang="en-US" sz="2000" dirty="0">
-                <a:solidFill>
-                  <a:srgbClr val="CB171F"/>
-                </a:solidFill>
-                <a:latin typeface="Constantia" panose="02030602050306030303" pitchFamily="18" charset="0"/>
-                <a:ea typeface="Verdana" panose="020B0604030504040204" pitchFamily="34" charset="0"/>
-                <a:cs typeface="Arial" panose="020B0604020202020204" pitchFamily="34" charset="0"/>
-              </a:endParaRPr>
-            </a:p>
-          </p:txBody>
-        </p:sp>
-      </p:grpSp>
       <p:sp>
         <p:nvSpPr>
           <p:cNvPr id="16" name="Unvan 1"/>
@@ -6827,7 +4909,7 @@
           <a:lstStyle/>
           <a:p>
             <a:r>
-              <a:rPr lang="tr-TR" sz="4200" b="1" dirty="0" smtClean="0">
+              <a:rPr lang="tr-TR" sz="4200" b="1" dirty="0">
                 <a:solidFill>
                   <a:srgbClr val="CD1F26"/>
                 </a:solidFill>
@@ -6985,7 +5067,7 @@
             <a:p>
               <a:pPr algn="ctr"/>
               <a:r>
-                <a:rPr lang="tr-TR" sz="2400" b="1" dirty="0" smtClean="0">
+                <a:rPr lang="tr-TR" sz="2400" b="1" dirty="0">
                   <a:solidFill>
                     <a:srgbClr val="CD1F26"/>
                   </a:solidFill>
@@ -6994,7 +5076,7 @@
                 </a:rPr>
                 <a:t>Cluster Manager</a:t>
               </a:r>
-              <a:endParaRPr lang="tr-TR" sz="2400" dirty="0" smtClean="0">
+              <a:endParaRPr lang="tr-TR" sz="2400" dirty="0">
                 <a:latin typeface="Arial" panose="020B0604020202020204" pitchFamily="34" charset="0"/>
                 <a:cs typeface="Arial" panose="020B0604020202020204" pitchFamily="34" charset="0"/>
               </a:endParaRPr>
@@ -7002,18 +5084,11 @@
             <a:p>
               <a:pPr algn="ctr"/>
               <a:r>
-                <a:rPr lang="tr-TR" b="1" dirty="0" smtClean="0">
+                <a:rPr lang="tr-TR" b="1" dirty="0">
                   <a:latin typeface="Arial" panose="020B0604020202020204" pitchFamily="34" charset="0"/>
                   <a:cs typeface="Arial" panose="020B0604020202020204" pitchFamily="34" charset="0"/>
                 </a:rPr>
-                <a:t>(</a:t>
-              </a:r>
-              <a:r>
-                <a:rPr lang="tr-TR" b="1" dirty="0" smtClean="0">
-                  <a:latin typeface="Arial" panose="020B0604020202020204" pitchFamily="34" charset="0"/>
-                  <a:cs typeface="Arial" panose="020B0604020202020204" pitchFamily="34" charset="0"/>
-                </a:rPr>
-                <a:t>YARN)</a:t>
+                <a:t>(YARN)</a:t>
               </a:r>
               <a:endParaRPr lang="en-US" dirty="0">
                 <a:latin typeface="Arial" panose="020B0604020202020204" pitchFamily="34" charset="0"/>
@@ -7175,7 +5250,7 @@
               <a:p>
                 <a:pPr algn="ctr"/>
                 <a:r>
-                  <a:rPr lang="tr-TR" sz="1400" b="1" dirty="0" err="1" smtClean="0">
+                  <a:rPr lang="tr-TR" sz="1400" b="1" dirty="0" err="1">
                     <a:solidFill>
                       <a:srgbClr val="CD1F26"/>
                     </a:solidFill>
@@ -7185,7 +5260,7 @@
                   <a:t>Spark</a:t>
                 </a:r>
                 <a:r>
-                  <a:rPr lang="tr-TR" sz="1400" b="1" dirty="0" smtClean="0">
+                  <a:rPr lang="tr-TR" sz="1400" b="1" dirty="0">
                     <a:solidFill>
                       <a:srgbClr val="CD1F26"/>
                     </a:solidFill>
@@ -7195,7 +5270,7 @@
                   <a:t> </a:t>
                 </a:r>
                 <a:r>
-                  <a:rPr lang="tr-TR" sz="1400" b="1" dirty="0" err="1" smtClean="0">
+                  <a:rPr lang="tr-TR" sz="1400" b="1" dirty="0" err="1">
                     <a:solidFill>
                       <a:srgbClr val="CD1F26"/>
                     </a:solidFill>
@@ -7282,7 +5357,7 @@
             <a:p>
               <a:pPr algn="ctr"/>
               <a:r>
-                <a:rPr lang="tr-TR" sz="1400" b="1" dirty="0" smtClean="0">
+                <a:rPr lang="tr-TR" sz="1400" b="1" dirty="0">
                   <a:solidFill>
                     <a:srgbClr val="CD1F26"/>
                   </a:solidFill>
@@ -7292,7 +5367,7 @@
                 <a:t>User </a:t>
               </a:r>
               <a:r>
-                <a:rPr lang="tr-TR" sz="1400" b="1" dirty="0" err="1" smtClean="0">
+                <a:rPr lang="tr-TR" sz="1400" b="1" dirty="0" err="1">
                   <a:solidFill>
                     <a:srgbClr val="CD1F26"/>
                   </a:solidFill>
@@ -7401,14 +5476,14 @@
             <a:p>
               <a:pPr algn="ctr"/>
               <a:r>
-                <a:rPr lang="tr-TR" sz="1400" b="1" dirty="0" smtClean="0">
+                <a:rPr lang="tr-TR" sz="1400" b="1" dirty="0">
                   <a:latin typeface="Arial" panose="020B0604020202020204" pitchFamily="34" charset="0"/>
                   <a:cs typeface="Arial" panose="020B0604020202020204" pitchFamily="34" charset="0"/>
                 </a:rPr>
                 <a:t>Driver </a:t>
               </a:r>
               <a:r>
-                <a:rPr lang="tr-TR" sz="1400" b="1" dirty="0" err="1" smtClean="0">
+                <a:rPr lang="tr-TR" sz="1400" b="1" dirty="0" err="1">
                   <a:latin typeface="Arial" panose="020B0604020202020204" pitchFamily="34" charset="0"/>
                   <a:cs typeface="Arial" panose="020B0604020202020204" pitchFamily="34" charset="0"/>
                 </a:rPr>
@@ -7431,7 +5506,7 @@
           <p:nvPr/>
         </p:nvPicPr>
         <p:blipFill>
-          <a:blip r:embed="rId3" cstate="print">
+          <a:blip r:embed="rId2" cstate="print">
             <a:extLst>
               <a:ext uri="{28A0092B-C50C-407E-A947-70E740481C1C}">
                 <a14:useLocalDpi xmlns:a14="http://schemas.microsoft.com/office/drawing/2010/main" val="0"/>
@@ -7580,7 +5655,7 @@
               <a:p>
                 <a:pPr algn="ctr"/>
                 <a:r>
-                  <a:rPr lang="tr-TR" sz="1200" b="1" dirty="0" smtClean="0">
+                  <a:rPr lang="tr-TR" sz="1200" b="1" dirty="0">
                     <a:solidFill>
                       <a:schemeClr val="bg1"/>
                     </a:solidFill>
@@ -7590,7 +5665,7 @@
                   <a:t>YARN </a:t>
                 </a:r>
                 <a:r>
-                  <a:rPr lang="tr-TR" sz="1200" b="1" dirty="0" err="1" smtClean="0">
+                  <a:rPr lang="tr-TR" sz="1200" b="1" dirty="0" err="1">
                     <a:solidFill>
                       <a:schemeClr val="bg1"/>
                     </a:solidFill>
@@ -7692,7 +5767,7 @@
               <a:p>
                 <a:pPr algn="ctr"/>
                 <a:r>
-                  <a:rPr lang="tr-TR" sz="1200" b="1" dirty="0" err="1" smtClean="0">
+                  <a:rPr lang="tr-TR" sz="1200" b="1" dirty="0" err="1">
                     <a:solidFill>
                       <a:schemeClr val="bg1"/>
                     </a:solidFill>
@@ -7702,7 +5777,7 @@
                   <a:t>Spark</a:t>
                 </a:r>
                 <a:r>
-                  <a:rPr lang="tr-TR" sz="1200" b="1" dirty="0" smtClean="0">
+                  <a:rPr lang="tr-TR" sz="1200" b="1" dirty="0">
                     <a:solidFill>
                       <a:schemeClr val="bg1"/>
                     </a:solidFill>
@@ -7712,7 +5787,7 @@
                   <a:t> </a:t>
                 </a:r>
                 <a:r>
-                  <a:rPr lang="tr-TR" sz="1200" b="1" dirty="0" err="1" smtClean="0">
+                  <a:rPr lang="tr-TR" sz="1200" b="1" dirty="0" err="1">
                     <a:solidFill>
                       <a:schemeClr val="bg1"/>
                     </a:solidFill>
@@ -7722,7 +5797,7 @@
                   <a:t>App</a:t>
                 </a:r>
                 <a:r>
-                  <a:rPr lang="tr-TR" sz="1200" b="1" dirty="0" smtClean="0">
+                  <a:rPr lang="tr-TR" sz="1200" b="1" dirty="0">
                     <a:solidFill>
                       <a:schemeClr val="bg1"/>
                     </a:solidFill>
@@ -7767,7 +5842,7 @@
               <a:p>
                 <a:pPr algn="ctr"/>
                 <a:r>
-                  <a:rPr lang="tr-TR" sz="1200" b="1" dirty="0" err="1" smtClean="0">
+                  <a:rPr lang="tr-TR" sz="1200" b="1" dirty="0" err="1">
                     <a:solidFill>
                       <a:schemeClr val="bg1"/>
                     </a:solidFill>
@@ -7777,7 +5852,7 @@
                   <a:t>Spark</a:t>
                 </a:r>
                 <a:r>
-                  <a:rPr lang="tr-TR" sz="1200" b="1" dirty="0" smtClean="0">
+                  <a:rPr lang="tr-TR" sz="1200" b="1" dirty="0">
                     <a:solidFill>
                       <a:schemeClr val="bg1"/>
                     </a:solidFill>
@@ -7914,7 +5989,7 @@
               <a:p>
                 <a:pPr algn="ctr"/>
                 <a:r>
-                  <a:rPr lang="tr-TR" b="1" dirty="0" err="1" smtClean="0">
+                  <a:rPr lang="tr-TR" b="1" dirty="0" err="1">
                     <a:solidFill>
                       <a:schemeClr val="tx1">
                         <a:lumMod val="75000"/>
@@ -7927,7 +6002,7 @@
                   <a:t>Yarn</a:t>
                 </a:r>
                 <a:r>
-                  <a:rPr lang="tr-TR" b="1" dirty="0" smtClean="0">
+                  <a:rPr lang="tr-TR" b="1" dirty="0">
                     <a:solidFill>
                       <a:schemeClr val="tx1">
                         <a:lumMod val="75000"/>
@@ -7940,7 +6015,7 @@
                   <a:t> </a:t>
                 </a:r>
                 <a:r>
-                  <a:rPr lang="tr-TR" b="1" dirty="0" err="1" smtClean="0">
+                  <a:rPr lang="tr-TR" b="1" dirty="0" err="1">
                     <a:solidFill>
                       <a:schemeClr val="tx1">
                         <a:lumMod val="75000"/>
@@ -7953,7 +6028,7 @@
                   <a:t>Node</a:t>
                 </a:r>
                 <a:r>
-                  <a:rPr lang="tr-TR" b="1" dirty="0" smtClean="0">
+                  <a:rPr lang="tr-TR" b="1" dirty="0">
                     <a:solidFill>
                       <a:schemeClr val="tx1">
                         <a:lumMod val="75000"/>
@@ -8085,7 +6160,7 @@
                   <a:p>
                     <a:pPr algn="ctr"/>
                     <a:r>
-                      <a:rPr lang="tr-TR" sz="1200" b="1" dirty="0" smtClean="0">
+                      <a:rPr lang="tr-TR" sz="1200" b="1" dirty="0">
                         <a:solidFill>
                           <a:schemeClr val="bg1"/>
                         </a:solidFill>
@@ -8095,7 +6170,7 @@
                       <a:t>YARN </a:t>
                     </a:r>
                     <a:r>
-                      <a:rPr lang="tr-TR" sz="1200" b="1" dirty="0" err="1" smtClean="0">
+                      <a:rPr lang="tr-TR" sz="1200" b="1" dirty="0" err="1">
                         <a:solidFill>
                           <a:schemeClr val="bg1"/>
                         </a:solidFill>
@@ -8197,7 +6272,7 @@
                   <a:p>
                     <a:pPr algn="ctr"/>
                     <a:r>
-                      <a:rPr lang="tr-TR" sz="1600" b="1" dirty="0" err="1" smtClean="0">
+                      <a:rPr lang="tr-TR" sz="1600" b="1" dirty="0" err="1">
                         <a:solidFill>
                           <a:schemeClr val="bg1"/>
                         </a:solidFill>
@@ -8246,7 +6321,7 @@
               <a:p>
                 <a:pPr algn="ctr"/>
                 <a:r>
-                  <a:rPr lang="tr-TR" sz="1200" b="1" dirty="0" err="1" smtClean="0">
+                  <a:rPr lang="tr-TR" sz="1200" b="1" dirty="0" err="1">
                     <a:solidFill>
                       <a:schemeClr val="bg1"/>
                     </a:solidFill>
@@ -8293,7 +6368,7 @@
               <a:p>
                 <a:pPr algn="ctr"/>
                 <a:r>
-                  <a:rPr lang="tr-TR" sz="1200" b="1" dirty="0" err="1" smtClean="0">
+                  <a:rPr lang="tr-TR" sz="1200" b="1" dirty="0" err="1">
                     <a:solidFill>
                       <a:schemeClr val="bg1"/>
                     </a:solidFill>
@@ -8340,7 +6415,7 @@
               <a:p>
                 <a:pPr algn="ctr"/>
                 <a:r>
-                  <a:rPr lang="tr-TR" sz="1200" b="1" dirty="0" err="1" smtClean="0">
+                  <a:rPr lang="tr-TR" sz="1200" b="1" dirty="0" err="1">
                     <a:solidFill>
                       <a:schemeClr val="bg1"/>
                     </a:solidFill>
@@ -8466,7 +6541,7 @@
                   <a:p>
                     <a:pPr algn="ctr"/>
                     <a:r>
-                      <a:rPr lang="tr-TR" sz="1200" b="1" dirty="0" smtClean="0">
+                      <a:rPr lang="tr-TR" sz="1200" b="1" dirty="0">
                         <a:solidFill>
                           <a:schemeClr val="bg1"/>
                         </a:solidFill>
@@ -8476,7 +6551,7 @@
                       <a:t>YARN </a:t>
                     </a:r>
                     <a:r>
-                      <a:rPr lang="tr-TR" sz="1200" b="1" dirty="0" err="1" smtClean="0">
+                      <a:rPr lang="tr-TR" sz="1200" b="1" dirty="0" err="1">
                         <a:solidFill>
                           <a:schemeClr val="bg1"/>
                         </a:solidFill>
@@ -8578,7 +6653,7 @@
                   <a:p>
                     <a:pPr algn="ctr"/>
                     <a:r>
-                      <a:rPr lang="tr-TR" sz="1600" b="1" dirty="0" err="1" smtClean="0">
+                      <a:rPr lang="tr-TR" sz="1600" b="1" dirty="0" err="1">
                         <a:solidFill>
                           <a:schemeClr val="bg1"/>
                         </a:solidFill>
@@ -8627,7 +6702,7 @@
               <a:p>
                 <a:pPr algn="ctr"/>
                 <a:r>
-                  <a:rPr lang="tr-TR" sz="1200" b="1" dirty="0" err="1" smtClean="0">
+                  <a:rPr lang="tr-TR" sz="1200" b="1" dirty="0" err="1">
                     <a:solidFill>
                       <a:schemeClr val="bg1"/>
                     </a:solidFill>
@@ -8674,7 +6749,7 @@
               <a:p>
                 <a:pPr algn="ctr"/>
                 <a:r>
-                  <a:rPr lang="tr-TR" sz="1200" b="1" dirty="0" err="1" smtClean="0">
+                  <a:rPr lang="tr-TR" sz="1200" b="1" dirty="0" err="1">
                     <a:solidFill>
                       <a:schemeClr val="bg1"/>
                     </a:solidFill>
@@ -8721,7 +6796,7 @@
               <a:p>
                 <a:pPr algn="ctr"/>
                 <a:r>
-                  <a:rPr lang="tr-TR" sz="1200" b="1" dirty="0" err="1" smtClean="0">
+                  <a:rPr lang="tr-TR" sz="1200" b="1" dirty="0" err="1">
                     <a:solidFill>
                       <a:schemeClr val="bg1"/>
                     </a:solidFill>
@@ -8858,7 +6933,7 @@
               <a:p>
                 <a:pPr algn="ctr"/>
                 <a:r>
-                  <a:rPr lang="tr-TR" b="1" dirty="0" err="1" smtClean="0">
+                  <a:rPr lang="tr-TR" b="1" dirty="0" err="1">
                     <a:solidFill>
                       <a:schemeClr val="tx1">
                         <a:lumMod val="75000"/>
@@ -8871,7 +6946,7 @@
                   <a:t>Yarn</a:t>
                 </a:r>
                 <a:r>
-                  <a:rPr lang="tr-TR" b="1" dirty="0" smtClean="0">
+                  <a:rPr lang="tr-TR" b="1" dirty="0">
                     <a:solidFill>
                       <a:schemeClr val="tx1">
                         <a:lumMod val="75000"/>
@@ -8884,7 +6959,7 @@
                   <a:t> </a:t>
                 </a:r>
                 <a:r>
-                  <a:rPr lang="tr-TR" b="1" dirty="0" err="1" smtClean="0">
+                  <a:rPr lang="tr-TR" b="1" dirty="0" err="1">
                     <a:solidFill>
                       <a:schemeClr val="tx1">
                         <a:lumMod val="75000"/>
@@ -8897,7 +6972,7 @@
                   <a:t>Node</a:t>
                 </a:r>
                 <a:r>
-                  <a:rPr lang="tr-TR" b="1" dirty="0" smtClean="0">
+                  <a:rPr lang="tr-TR" b="1" dirty="0">
                     <a:solidFill>
                       <a:schemeClr val="tx1">
                         <a:lumMod val="75000"/>
@@ -9029,7 +7104,7 @@
                   <a:p>
                     <a:pPr algn="ctr"/>
                     <a:r>
-                      <a:rPr lang="tr-TR" sz="1200" b="1" dirty="0" smtClean="0">
+                      <a:rPr lang="tr-TR" sz="1200" b="1" dirty="0">
                         <a:solidFill>
                           <a:schemeClr val="bg1"/>
                         </a:solidFill>
@@ -9039,7 +7114,7 @@
                       <a:t>YARN </a:t>
                     </a:r>
                     <a:r>
-                      <a:rPr lang="tr-TR" sz="1200" b="1" dirty="0" err="1" smtClean="0">
+                      <a:rPr lang="tr-TR" sz="1200" b="1" dirty="0" err="1">
                         <a:solidFill>
                           <a:schemeClr val="bg1"/>
                         </a:solidFill>
@@ -9141,7 +7216,7 @@
                   <a:p>
                     <a:pPr algn="ctr"/>
                     <a:r>
-                      <a:rPr lang="tr-TR" sz="1600" b="1" dirty="0" err="1" smtClean="0">
+                      <a:rPr lang="tr-TR" sz="1600" b="1" dirty="0" err="1">
                         <a:solidFill>
                           <a:schemeClr val="bg1"/>
                         </a:solidFill>
@@ -9190,7 +7265,7 @@
               <a:p>
                 <a:pPr algn="ctr"/>
                 <a:r>
-                  <a:rPr lang="tr-TR" sz="1200" b="1" dirty="0" err="1" smtClean="0">
+                  <a:rPr lang="tr-TR" sz="1200" b="1" dirty="0" err="1">
                     <a:solidFill>
                       <a:schemeClr val="bg1"/>
                     </a:solidFill>
@@ -9237,7 +7312,7 @@
               <a:p>
                 <a:pPr algn="ctr"/>
                 <a:r>
-                  <a:rPr lang="tr-TR" sz="1200" b="1" dirty="0" err="1" smtClean="0">
+                  <a:rPr lang="tr-TR" sz="1200" b="1" dirty="0" err="1">
                     <a:solidFill>
                       <a:schemeClr val="bg1"/>
                     </a:solidFill>
@@ -9284,7 +7359,7 @@
               <a:p>
                 <a:pPr algn="ctr"/>
                 <a:r>
-                  <a:rPr lang="tr-TR" sz="1200" b="1" dirty="0" err="1" smtClean="0">
+                  <a:rPr lang="tr-TR" sz="1200" b="1" dirty="0" err="1">
                     <a:solidFill>
                       <a:schemeClr val="bg1"/>
                     </a:solidFill>
@@ -9410,7 +7485,7 @@
                   <a:p>
                     <a:pPr algn="ctr"/>
                     <a:r>
-                      <a:rPr lang="tr-TR" sz="1200" b="1" dirty="0" smtClean="0">
+                      <a:rPr lang="tr-TR" sz="1200" b="1" dirty="0">
                         <a:solidFill>
                           <a:schemeClr val="bg1"/>
                         </a:solidFill>
@@ -9420,7 +7495,7 @@
                       <a:t>YARN </a:t>
                     </a:r>
                     <a:r>
-                      <a:rPr lang="tr-TR" sz="1200" b="1" dirty="0" err="1" smtClean="0">
+                      <a:rPr lang="tr-TR" sz="1200" b="1" dirty="0" err="1">
                         <a:solidFill>
                           <a:schemeClr val="bg1"/>
                         </a:solidFill>
@@ -9522,7 +7597,7 @@
                   <a:p>
                     <a:pPr algn="ctr"/>
                     <a:r>
-                      <a:rPr lang="tr-TR" sz="1600" b="1" dirty="0" err="1" smtClean="0">
+                      <a:rPr lang="tr-TR" sz="1600" b="1" dirty="0" err="1">
                         <a:solidFill>
                           <a:schemeClr val="bg1"/>
                         </a:solidFill>
@@ -9571,7 +7646,7 @@
               <a:p>
                 <a:pPr algn="ctr"/>
                 <a:r>
-                  <a:rPr lang="tr-TR" sz="1200" b="1" dirty="0" err="1" smtClean="0">
+                  <a:rPr lang="tr-TR" sz="1200" b="1" dirty="0" err="1">
                     <a:solidFill>
                       <a:schemeClr val="bg1"/>
                     </a:solidFill>
@@ -9618,7 +7693,7 @@
               <a:p>
                 <a:pPr algn="ctr"/>
                 <a:r>
-                  <a:rPr lang="tr-TR" sz="1200" b="1" dirty="0" err="1" smtClean="0">
+                  <a:rPr lang="tr-TR" sz="1200" b="1" dirty="0" err="1">
                     <a:solidFill>
                       <a:schemeClr val="bg1"/>
                     </a:solidFill>
@@ -9665,7 +7740,7 @@
               <a:p>
                 <a:pPr algn="ctr"/>
                 <a:r>
-                  <a:rPr lang="tr-TR" sz="1200" b="1" dirty="0" err="1" smtClean="0">
+                  <a:rPr lang="tr-TR" sz="1200" b="1" dirty="0" err="1">
                     <a:solidFill>
                       <a:schemeClr val="bg1"/>
                     </a:solidFill>
@@ -9809,13 +7884,6 @@
   <p:clrMapOvr>
     <a:masterClrMapping/>
   </p:clrMapOvr>
-  <p:timing>
-    <p:tnLst>
-      <p:par>
-        <p:cTn id="1" dur="indefinite" restart="never" nodeType="tmRoot"/>
-      </p:par>
-    </p:tnLst>
-  </p:timing>
 </p:sld>
 </file>
 
@@ -9873,369 +7941,6 @@
           </a:fontRef>
         </p:style>
       </p:cxnSp>
-      <p:grpSp>
-        <p:nvGrpSpPr>
-          <p:cNvPr id="15" name="Grup 14"/>
-          <p:cNvGrpSpPr/>
-          <p:nvPr/>
-        </p:nvGrpSpPr>
-        <p:grpSpPr>
-          <a:xfrm>
-            <a:off x="228596" y="6231467"/>
-            <a:ext cx="3041654" cy="492576"/>
-            <a:chOff x="228596" y="6231467"/>
-            <a:chExt cx="3041654" cy="492576"/>
-          </a:xfrm>
-        </p:grpSpPr>
-        <p:grpSp>
-          <p:nvGrpSpPr>
-            <p:cNvPr id="8" name="Grup 7"/>
-            <p:cNvGrpSpPr/>
-            <p:nvPr/>
-          </p:nvGrpSpPr>
-          <p:grpSpPr>
-            <a:xfrm>
-              <a:off x="228596" y="6231467"/>
-              <a:ext cx="2802471" cy="457084"/>
-              <a:chOff x="127000" y="5901146"/>
-              <a:chExt cx="5156200" cy="838200"/>
-            </a:xfrm>
-          </p:grpSpPr>
-          <p:sp>
-            <p:nvSpPr>
-              <p:cNvPr id="7" name="Dikdörtgen 6"/>
-              <p:cNvSpPr/>
-              <p:nvPr/>
-            </p:nvSpPr>
-            <p:spPr>
-              <a:xfrm>
-                <a:off x="127000" y="5901146"/>
-                <a:ext cx="5156200" cy="838200"/>
-              </a:xfrm>
-              <a:prstGeom prst="rect">
-                <a:avLst/>
-              </a:prstGeom>
-              <a:solidFill>
-                <a:schemeClr val="bg1">
-                  <a:lumMod val="95000"/>
-                </a:schemeClr>
-              </a:solidFill>
-              <a:ln>
-                <a:noFill/>
-              </a:ln>
-            </p:spPr>
-            <p:style>
-              <a:lnRef idx="2">
-                <a:schemeClr val="accent1">
-                  <a:shade val="50000"/>
-                </a:schemeClr>
-              </a:lnRef>
-              <a:fillRef idx="1">
-                <a:schemeClr val="accent1"/>
-              </a:fillRef>
-              <a:effectRef idx="0">
-                <a:schemeClr val="accent1"/>
-              </a:effectRef>
-              <a:fontRef idx="minor">
-                <a:schemeClr val="lt1"/>
-              </a:fontRef>
-            </p:style>
-            <p:txBody>
-              <a:bodyPr rtlCol="0" anchor="ctr"/>
-              <a:lstStyle/>
-              <a:p>
-                <a:pPr algn="ctr"/>
-                <a:endParaRPr lang="en-US" sz="2000"/>
-              </a:p>
-            </p:txBody>
-          </p:sp>
-          <p:grpSp>
-            <p:nvGrpSpPr>
-              <p:cNvPr id="6" name="Grup 5"/>
-              <p:cNvGrpSpPr/>
-              <p:nvPr/>
-            </p:nvGrpSpPr>
-            <p:grpSpPr>
-              <a:xfrm>
-                <a:off x="211667" y="6019800"/>
-                <a:ext cx="5012266" cy="605115"/>
-                <a:chOff x="211667" y="6019800"/>
-                <a:chExt cx="5012266" cy="605115"/>
-              </a:xfrm>
-            </p:grpSpPr>
-            <p:pic>
-              <p:nvPicPr>
-                <p:cNvPr id="4" name="Resim 3"/>
-                <p:cNvPicPr>
-                  <a:picLocks noChangeAspect="1"/>
-                </p:cNvPicPr>
-                <p:nvPr/>
-              </p:nvPicPr>
-              <p:blipFill rotWithShape="1">
-                <a:blip r:embed="rId2" cstate="print">
-                  <a:extLst>
-                    <a:ext uri="{28A0092B-C50C-407E-A947-70E740481C1C}">
-                      <a14:useLocalDpi xmlns:a14="http://schemas.microsoft.com/office/drawing/2010/main" val="0"/>
-                    </a:ext>
-                  </a:extLst>
-                </a:blip>
-                <a:srcRect l="24387" t="8319" r="18355" b="50150"/>
-                <a:stretch/>
-              </p:blipFill>
-              <p:spPr>
-                <a:xfrm>
-                  <a:off x="211667" y="6019800"/>
-                  <a:ext cx="1072095" cy="600892"/>
-                </a:xfrm>
-                <a:prstGeom prst="rect">
-                  <a:avLst/>
-                </a:prstGeom>
-              </p:spPr>
-            </p:pic>
-            <p:sp>
-              <p:nvSpPr>
-                <p:cNvPr id="5" name="Unvan 1"/>
-                <p:cNvSpPr txBox="1">
-                  <a:spLocks/>
-                </p:cNvSpPr>
-                <p:nvPr/>
-              </p:nvSpPr>
-              <p:spPr>
-                <a:xfrm>
-                  <a:off x="1283763" y="6024023"/>
-                  <a:ext cx="3940170" cy="600892"/>
-                </a:xfrm>
-                <a:prstGeom prst="rect">
-                  <a:avLst/>
-                </a:prstGeom>
-              </p:spPr>
-              <p:txBody>
-                <a:bodyPr vert="horz" lIns="91440" tIns="45720" rIns="91440" bIns="45720" rtlCol="0" anchor="b">
-                  <a:noAutofit/>
-                </a:bodyPr>
-                <a:lstStyle>
-                  <a:lvl1pPr algn="ctr" defTabSz="914400" rtl="0" eaLnBrk="1" latinLnBrk="0" hangingPunct="1">
-                    <a:lnSpc>
-                      <a:spcPct val="90000"/>
-                    </a:lnSpc>
-                    <a:spcBef>
-                      <a:spcPct val="0"/>
-                    </a:spcBef>
-                    <a:buNone/>
-                    <a:defRPr sz="6000" kern="1200">
-                      <a:solidFill>
-                        <a:schemeClr val="tx1"/>
-                      </a:solidFill>
-                      <a:latin typeface="+mj-lt"/>
-                      <a:ea typeface="+mj-ea"/>
-                      <a:cs typeface="+mj-cs"/>
-                    </a:defRPr>
-                  </a:lvl1pPr>
-                </a:lstStyle>
-                <a:p>
-                  <a:pPr algn="l"/>
-                  <a:r>
-                    <a:rPr lang="tr-TR" sz="2000" dirty="0" smtClean="0">
-                      <a:solidFill>
-                        <a:srgbClr val="CB171F"/>
-                      </a:solidFill>
-                      <a:latin typeface="Constantia" panose="02030602050306030303" pitchFamily="18" charset="0"/>
-                      <a:ea typeface="Verdana" panose="020B0604030504040204" pitchFamily="34" charset="0"/>
-                      <a:cs typeface="Arial" panose="020B0604020202020204" pitchFamily="34" charset="0"/>
-                    </a:rPr>
-                    <a:t>Veri Bilimi Okulu</a:t>
-                  </a:r>
-                  <a:endParaRPr lang="en-US" sz="2000" dirty="0">
-                    <a:solidFill>
-                      <a:srgbClr val="CB171F"/>
-                    </a:solidFill>
-                    <a:latin typeface="Constantia" panose="02030602050306030303" pitchFamily="18" charset="0"/>
-                    <a:ea typeface="Verdana" panose="020B0604030504040204" pitchFamily="34" charset="0"/>
-                    <a:cs typeface="Arial" panose="020B0604020202020204" pitchFamily="34" charset="0"/>
-                  </a:endParaRPr>
-                </a:p>
-              </p:txBody>
-            </p:sp>
-          </p:grpSp>
-        </p:grpSp>
-        <p:sp>
-          <p:nvSpPr>
-            <p:cNvPr id="12" name="Metin kutusu 11"/>
-            <p:cNvSpPr txBox="1"/>
-            <p:nvPr/>
-          </p:nvSpPr>
-          <p:spPr>
-            <a:xfrm>
-              <a:off x="1582782" y="6493211"/>
-              <a:ext cx="1687468" cy="230832"/>
-            </a:xfrm>
-            <a:prstGeom prst="rect">
-              <a:avLst/>
-            </a:prstGeom>
-            <a:noFill/>
-          </p:spPr>
-          <p:txBody>
-            <a:bodyPr wrap="square" rtlCol="0">
-              <a:spAutoFit/>
-            </a:bodyPr>
-            <a:lstStyle/>
-            <a:p>
-              <a:r>
-                <a:rPr lang="en-US" sz="900" dirty="0" smtClean="0">
-                  <a:solidFill>
-                    <a:srgbClr val="0B8043"/>
-                  </a:solidFill>
-                </a:rPr>
-                <a:t>https:</a:t>
-              </a:r>
-              <a:r>
-                <a:rPr lang="en-US" sz="900" dirty="0" smtClean="0">
-                  <a:solidFill>
-                    <a:schemeClr val="bg1">
-                      <a:lumMod val="50000"/>
-                    </a:schemeClr>
-                  </a:solidFill>
-                </a:rPr>
-                <a:t>//www.veribilimi.co</a:t>
-              </a:r>
-              <a:endParaRPr lang="en-US" sz="900" dirty="0">
-                <a:solidFill>
-                  <a:schemeClr val="bg1">
-                    <a:lumMod val="50000"/>
-                  </a:schemeClr>
-                </a:solidFill>
-              </a:endParaRPr>
-            </a:p>
-          </p:txBody>
-        </p:sp>
-      </p:grpSp>
-      <p:grpSp>
-        <p:nvGrpSpPr>
-          <p:cNvPr id="11" name="Grup 10"/>
-          <p:cNvGrpSpPr/>
-          <p:nvPr/>
-        </p:nvGrpSpPr>
-        <p:grpSpPr>
-          <a:xfrm>
-            <a:off x="9194796" y="6231467"/>
-            <a:ext cx="2802471" cy="457084"/>
-            <a:chOff x="184993" y="5905369"/>
-            <a:chExt cx="5156200" cy="838200"/>
-          </a:xfrm>
-        </p:grpSpPr>
-        <p:sp>
-          <p:nvSpPr>
-            <p:cNvPr id="13" name="Dikdörtgen 12"/>
-            <p:cNvSpPr/>
-            <p:nvPr/>
-          </p:nvSpPr>
-          <p:spPr>
-            <a:xfrm>
-              <a:off x="184993" y="5905369"/>
-              <a:ext cx="5156200" cy="838200"/>
-            </a:xfrm>
-            <a:prstGeom prst="rect">
-              <a:avLst/>
-            </a:prstGeom>
-            <a:solidFill>
-              <a:schemeClr val="bg1">
-                <a:lumMod val="95000"/>
-              </a:schemeClr>
-            </a:solidFill>
-            <a:ln>
-              <a:noFill/>
-            </a:ln>
-          </p:spPr>
-          <p:style>
-            <a:lnRef idx="2">
-              <a:schemeClr val="accent1">
-                <a:shade val="50000"/>
-              </a:schemeClr>
-            </a:lnRef>
-            <a:fillRef idx="1">
-              <a:schemeClr val="accent1"/>
-            </a:fillRef>
-            <a:effectRef idx="0">
-              <a:schemeClr val="accent1"/>
-            </a:effectRef>
-            <a:fontRef idx="minor">
-              <a:schemeClr val="lt1"/>
-            </a:fontRef>
-          </p:style>
-          <p:txBody>
-            <a:bodyPr rtlCol="0" anchor="ctr"/>
-            <a:lstStyle/>
-            <a:p>
-              <a:pPr algn="ctr"/>
-              <a:endParaRPr lang="en-US" sz="2000"/>
-            </a:p>
-          </p:txBody>
-        </p:sp>
-        <p:sp>
-          <p:nvSpPr>
-            <p:cNvPr id="14" name="Unvan 1"/>
-            <p:cNvSpPr txBox="1">
-              <a:spLocks/>
-            </p:cNvSpPr>
-            <p:nvPr/>
-          </p:nvSpPr>
-          <p:spPr>
-            <a:xfrm>
-              <a:off x="302252" y="6024023"/>
-              <a:ext cx="4921678" cy="600892"/>
-            </a:xfrm>
-            <a:prstGeom prst="rect">
-              <a:avLst/>
-            </a:prstGeom>
-          </p:spPr>
-          <p:txBody>
-            <a:bodyPr vert="horz" lIns="91440" tIns="45720" rIns="91440" bIns="45720" rtlCol="0" anchor="b">
-              <a:noAutofit/>
-            </a:bodyPr>
-            <a:lstStyle>
-              <a:lvl1pPr algn="ctr" defTabSz="914400" rtl="0" eaLnBrk="1" latinLnBrk="0" hangingPunct="1">
-                <a:lnSpc>
-                  <a:spcPct val="90000"/>
-                </a:lnSpc>
-                <a:spcBef>
-                  <a:spcPct val="0"/>
-                </a:spcBef>
-                <a:buNone/>
-                <a:defRPr sz="6000" kern="1200">
-                  <a:solidFill>
-                    <a:schemeClr val="tx1"/>
-                  </a:solidFill>
-                  <a:latin typeface="+mj-lt"/>
-                  <a:ea typeface="+mj-ea"/>
-                  <a:cs typeface="+mj-cs"/>
-                </a:defRPr>
-              </a:lvl1pPr>
-            </a:lstStyle>
-            <a:p>
-              <a:pPr algn="l"/>
-              <a:r>
-                <a:rPr lang="tr-TR" sz="2000" dirty="0">
-                  <a:solidFill>
-                    <a:srgbClr val="CB171F"/>
-                  </a:solidFill>
-                  <a:latin typeface="Constantia" panose="02030602050306030303" pitchFamily="18" charset="0"/>
-                  <a:ea typeface="Verdana" panose="020B0604030504040204" pitchFamily="34" charset="0"/>
-                  <a:cs typeface="Arial" panose="020B0604020202020204" pitchFamily="34" charset="0"/>
-                </a:rPr>
-                <a:t>A’dan Z’ye Büyük Veri</a:t>
-              </a:r>
-              <a:endParaRPr lang="en-US" sz="2000" dirty="0">
-                <a:solidFill>
-                  <a:srgbClr val="CB171F"/>
-                </a:solidFill>
-                <a:latin typeface="Constantia" panose="02030602050306030303" pitchFamily="18" charset="0"/>
-                <a:ea typeface="Verdana" panose="020B0604030504040204" pitchFamily="34" charset="0"/>
-                <a:cs typeface="Arial" panose="020B0604020202020204" pitchFamily="34" charset="0"/>
-              </a:endParaRPr>
-            </a:p>
-          </p:txBody>
-        </p:sp>
-      </p:grpSp>
       <p:sp>
         <p:nvSpPr>
           <p:cNvPr id="16" name="Unvan 1"/>
@@ -10259,7 +7964,7 @@
           <a:lstStyle/>
           <a:p>
             <a:r>
-              <a:rPr lang="tr-TR" sz="4200" b="1" dirty="0" err="1" smtClean="0">
+              <a:rPr lang="tr-TR" sz="4200" b="1" dirty="0" err="1">
                 <a:solidFill>
                   <a:srgbClr val="CD1F26"/>
                 </a:solidFill>
@@ -10270,7 +7975,7 @@
               <a:t>Spark</a:t>
             </a:r>
             <a:r>
-              <a:rPr lang="tr-TR" sz="4200" b="1" dirty="0" smtClean="0">
+              <a:rPr lang="tr-TR" sz="4200" b="1" dirty="0">
                 <a:solidFill>
                   <a:srgbClr val="CD1F26"/>
                 </a:solidFill>
@@ -10382,7 +8087,7 @@
             <a:p>
               <a:pPr algn="ctr"/>
               <a:r>
-                <a:rPr lang="tr-TR" dirty="0" err="1" smtClean="0"/>
+                <a:rPr lang="tr-TR" dirty="0" err="1"/>
                 <a:t>Task</a:t>
               </a:r>
               <a:endParaRPr lang="en-US" dirty="0"/>
@@ -10426,7 +8131,7 @@
             <a:p>
               <a:pPr algn="ctr"/>
               <a:r>
-                <a:rPr lang="tr-TR" dirty="0" err="1" smtClean="0"/>
+                <a:rPr lang="tr-TR" dirty="0" err="1"/>
                 <a:t>Task</a:t>
               </a:r>
               <a:endParaRPr lang="en-US" dirty="0"/>
@@ -10470,7 +8175,7 @@
             <a:p>
               <a:pPr algn="ctr"/>
               <a:r>
-                <a:rPr lang="tr-TR" dirty="0" err="1" smtClean="0"/>
+                <a:rPr lang="tr-TR" dirty="0" err="1"/>
                 <a:t>Task</a:t>
               </a:r>
               <a:endParaRPr lang="en-US" dirty="0"/>
@@ -10514,7 +8219,7 @@
             <a:p>
               <a:pPr algn="ctr"/>
               <a:r>
-                <a:rPr lang="tr-TR" dirty="0" err="1" smtClean="0"/>
+                <a:rPr lang="tr-TR" dirty="0" err="1"/>
                 <a:t>Task</a:t>
               </a:r>
               <a:endParaRPr lang="en-US" dirty="0"/>
@@ -10544,7 +8249,7 @@
             <a:lstStyle/>
             <a:p>
               <a:r>
-                <a:rPr lang="tr-TR" dirty="0" smtClean="0">
+                <a:rPr lang="tr-TR" dirty="0">
                   <a:latin typeface="Roboto"/>
                 </a:rPr>
                 <a:t>Stage-1</a:t>
@@ -10647,7 +8352,7 @@
             <a:p>
               <a:pPr algn="ctr"/>
               <a:r>
-                <a:rPr lang="tr-TR" dirty="0" err="1" smtClean="0"/>
+                <a:rPr lang="tr-TR" dirty="0" err="1"/>
                 <a:t>Task</a:t>
               </a:r>
               <a:endParaRPr lang="en-US" dirty="0"/>
@@ -10691,7 +8396,7 @@
             <a:p>
               <a:pPr algn="ctr"/>
               <a:r>
-                <a:rPr lang="tr-TR" dirty="0" err="1" smtClean="0"/>
+                <a:rPr lang="tr-TR" dirty="0" err="1"/>
                 <a:t>Task</a:t>
               </a:r>
               <a:endParaRPr lang="en-US" dirty="0"/>
@@ -10721,7 +8426,7 @@
             <a:lstStyle/>
             <a:p>
               <a:r>
-                <a:rPr lang="tr-TR" dirty="0" smtClean="0">
+                <a:rPr lang="tr-TR" dirty="0">
                   <a:latin typeface="Roboto"/>
                 </a:rPr>
                 <a:t>Stage-2</a:t>
@@ -10770,7 +8475,7 @@
           <a:p>
             <a:pPr algn="ctr"/>
             <a:r>
-              <a:rPr lang="tr-TR" dirty="0" smtClean="0"/>
+              <a:rPr lang="tr-TR" dirty="0"/>
               <a:t>Application</a:t>
             </a:r>
             <a:endParaRPr lang="en-US" dirty="0"/>
@@ -10828,7 +8533,7 @@
             <a:p>
               <a:pPr algn="ctr"/>
               <a:r>
-                <a:rPr lang="tr-TR" dirty="0" err="1" smtClean="0"/>
+                <a:rPr lang="tr-TR" dirty="0" err="1"/>
                 <a:t>Job</a:t>
               </a:r>
               <a:endParaRPr lang="en-US" dirty="0"/>
@@ -10872,7 +8577,7 @@
             <a:p>
               <a:pPr algn="ctr"/>
               <a:r>
-                <a:rPr lang="tr-TR" dirty="0" err="1" smtClean="0"/>
+                <a:rPr lang="tr-TR" dirty="0" err="1"/>
                 <a:t>Job</a:t>
               </a:r>
               <a:endParaRPr lang="en-US" dirty="0"/>
@@ -10916,7 +8621,7 @@
             <a:p>
               <a:pPr algn="ctr"/>
               <a:r>
-                <a:rPr lang="tr-TR" dirty="0" err="1" smtClean="0"/>
+                <a:rPr lang="tr-TR" dirty="0" err="1"/>
                 <a:t>Job</a:t>
               </a:r>
               <a:endParaRPr lang="en-US" dirty="0"/>
@@ -10934,13 +8639,6 @@
   <p:clrMapOvr>
     <a:masterClrMapping/>
   </p:clrMapOvr>
-  <p:timing>
-    <p:tnLst>
-      <p:par>
-        <p:cTn id="1" dur="indefinite" restart="never" nodeType="tmRoot"/>
-      </p:par>
-    </p:tnLst>
-  </p:timing>
 </p:sld>
 </file>
 
@@ -10998,369 +8696,6 @@
           </a:fontRef>
         </p:style>
       </p:cxnSp>
-      <p:grpSp>
-        <p:nvGrpSpPr>
-          <p:cNvPr id="15" name="Grup 14"/>
-          <p:cNvGrpSpPr/>
-          <p:nvPr/>
-        </p:nvGrpSpPr>
-        <p:grpSpPr>
-          <a:xfrm>
-            <a:off x="228596" y="6231467"/>
-            <a:ext cx="3041654" cy="492576"/>
-            <a:chOff x="228596" y="6231467"/>
-            <a:chExt cx="3041654" cy="492576"/>
-          </a:xfrm>
-        </p:grpSpPr>
-        <p:grpSp>
-          <p:nvGrpSpPr>
-            <p:cNvPr id="8" name="Grup 7"/>
-            <p:cNvGrpSpPr/>
-            <p:nvPr/>
-          </p:nvGrpSpPr>
-          <p:grpSpPr>
-            <a:xfrm>
-              <a:off x="228596" y="6231467"/>
-              <a:ext cx="2802471" cy="457084"/>
-              <a:chOff x="127000" y="5901146"/>
-              <a:chExt cx="5156200" cy="838200"/>
-            </a:xfrm>
-          </p:grpSpPr>
-          <p:sp>
-            <p:nvSpPr>
-              <p:cNvPr id="7" name="Dikdörtgen 6"/>
-              <p:cNvSpPr/>
-              <p:nvPr/>
-            </p:nvSpPr>
-            <p:spPr>
-              <a:xfrm>
-                <a:off x="127000" y="5901146"/>
-                <a:ext cx="5156200" cy="838200"/>
-              </a:xfrm>
-              <a:prstGeom prst="rect">
-                <a:avLst/>
-              </a:prstGeom>
-              <a:solidFill>
-                <a:schemeClr val="bg1">
-                  <a:lumMod val="95000"/>
-                </a:schemeClr>
-              </a:solidFill>
-              <a:ln>
-                <a:noFill/>
-              </a:ln>
-            </p:spPr>
-            <p:style>
-              <a:lnRef idx="2">
-                <a:schemeClr val="accent1">
-                  <a:shade val="50000"/>
-                </a:schemeClr>
-              </a:lnRef>
-              <a:fillRef idx="1">
-                <a:schemeClr val="accent1"/>
-              </a:fillRef>
-              <a:effectRef idx="0">
-                <a:schemeClr val="accent1"/>
-              </a:effectRef>
-              <a:fontRef idx="minor">
-                <a:schemeClr val="lt1"/>
-              </a:fontRef>
-            </p:style>
-            <p:txBody>
-              <a:bodyPr rtlCol="0" anchor="ctr"/>
-              <a:lstStyle/>
-              <a:p>
-                <a:pPr algn="ctr"/>
-                <a:endParaRPr lang="en-US" sz="2000"/>
-              </a:p>
-            </p:txBody>
-          </p:sp>
-          <p:grpSp>
-            <p:nvGrpSpPr>
-              <p:cNvPr id="6" name="Grup 5"/>
-              <p:cNvGrpSpPr/>
-              <p:nvPr/>
-            </p:nvGrpSpPr>
-            <p:grpSpPr>
-              <a:xfrm>
-                <a:off x="211667" y="6019800"/>
-                <a:ext cx="5012266" cy="605115"/>
-                <a:chOff x="211667" y="6019800"/>
-                <a:chExt cx="5012266" cy="605115"/>
-              </a:xfrm>
-            </p:grpSpPr>
-            <p:pic>
-              <p:nvPicPr>
-                <p:cNvPr id="4" name="Resim 3"/>
-                <p:cNvPicPr>
-                  <a:picLocks noChangeAspect="1"/>
-                </p:cNvPicPr>
-                <p:nvPr/>
-              </p:nvPicPr>
-              <p:blipFill rotWithShape="1">
-                <a:blip r:embed="rId2" cstate="print">
-                  <a:extLst>
-                    <a:ext uri="{28A0092B-C50C-407E-A947-70E740481C1C}">
-                      <a14:useLocalDpi xmlns:a14="http://schemas.microsoft.com/office/drawing/2010/main" val="0"/>
-                    </a:ext>
-                  </a:extLst>
-                </a:blip>
-                <a:srcRect l="24387" t="8319" r="18355" b="50150"/>
-                <a:stretch/>
-              </p:blipFill>
-              <p:spPr>
-                <a:xfrm>
-                  <a:off x="211667" y="6019800"/>
-                  <a:ext cx="1072095" cy="600892"/>
-                </a:xfrm>
-                <a:prstGeom prst="rect">
-                  <a:avLst/>
-                </a:prstGeom>
-              </p:spPr>
-            </p:pic>
-            <p:sp>
-              <p:nvSpPr>
-                <p:cNvPr id="5" name="Unvan 1"/>
-                <p:cNvSpPr txBox="1">
-                  <a:spLocks/>
-                </p:cNvSpPr>
-                <p:nvPr/>
-              </p:nvSpPr>
-              <p:spPr>
-                <a:xfrm>
-                  <a:off x="1283763" y="6024023"/>
-                  <a:ext cx="3940170" cy="600892"/>
-                </a:xfrm>
-                <a:prstGeom prst="rect">
-                  <a:avLst/>
-                </a:prstGeom>
-              </p:spPr>
-              <p:txBody>
-                <a:bodyPr vert="horz" lIns="91440" tIns="45720" rIns="91440" bIns="45720" rtlCol="0" anchor="b">
-                  <a:noAutofit/>
-                </a:bodyPr>
-                <a:lstStyle>
-                  <a:lvl1pPr algn="ctr" defTabSz="914400" rtl="0" eaLnBrk="1" latinLnBrk="0" hangingPunct="1">
-                    <a:lnSpc>
-                      <a:spcPct val="90000"/>
-                    </a:lnSpc>
-                    <a:spcBef>
-                      <a:spcPct val="0"/>
-                    </a:spcBef>
-                    <a:buNone/>
-                    <a:defRPr sz="6000" kern="1200">
-                      <a:solidFill>
-                        <a:schemeClr val="tx1"/>
-                      </a:solidFill>
-                      <a:latin typeface="+mj-lt"/>
-                      <a:ea typeface="+mj-ea"/>
-                      <a:cs typeface="+mj-cs"/>
-                    </a:defRPr>
-                  </a:lvl1pPr>
-                </a:lstStyle>
-                <a:p>
-                  <a:pPr algn="l"/>
-                  <a:r>
-                    <a:rPr lang="tr-TR" sz="2000" dirty="0" smtClean="0">
-                      <a:solidFill>
-                        <a:srgbClr val="CB171F"/>
-                      </a:solidFill>
-                      <a:latin typeface="Constantia" panose="02030602050306030303" pitchFamily="18" charset="0"/>
-                      <a:ea typeface="Verdana" panose="020B0604030504040204" pitchFamily="34" charset="0"/>
-                      <a:cs typeface="Arial" panose="020B0604020202020204" pitchFamily="34" charset="0"/>
-                    </a:rPr>
-                    <a:t>Veri Bilimi Okulu</a:t>
-                  </a:r>
-                  <a:endParaRPr lang="en-US" sz="2000" dirty="0">
-                    <a:solidFill>
-                      <a:srgbClr val="CB171F"/>
-                    </a:solidFill>
-                    <a:latin typeface="Constantia" panose="02030602050306030303" pitchFamily="18" charset="0"/>
-                    <a:ea typeface="Verdana" panose="020B0604030504040204" pitchFamily="34" charset="0"/>
-                    <a:cs typeface="Arial" panose="020B0604020202020204" pitchFamily="34" charset="0"/>
-                  </a:endParaRPr>
-                </a:p>
-              </p:txBody>
-            </p:sp>
-          </p:grpSp>
-        </p:grpSp>
-        <p:sp>
-          <p:nvSpPr>
-            <p:cNvPr id="12" name="Metin kutusu 11"/>
-            <p:cNvSpPr txBox="1"/>
-            <p:nvPr/>
-          </p:nvSpPr>
-          <p:spPr>
-            <a:xfrm>
-              <a:off x="1582782" y="6493211"/>
-              <a:ext cx="1687468" cy="230832"/>
-            </a:xfrm>
-            <a:prstGeom prst="rect">
-              <a:avLst/>
-            </a:prstGeom>
-            <a:noFill/>
-          </p:spPr>
-          <p:txBody>
-            <a:bodyPr wrap="square" rtlCol="0">
-              <a:spAutoFit/>
-            </a:bodyPr>
-            <a:lstStyle/>
-            <a:p>
-              <a:r>
-                <a:rPr lang="en-US" sz="900" dirty="0" smtClean="0">
-                  <a:solidFill>
-                    <a:srgbClr val="0B8043"/>
-                  </a:solidFill>
-                </a:rPr>
-                <a:t>https:</a:t>
-              </a:r>
-              <a:r>
-                <a:rPr lang="en-US" sz="900" dirty="0" smtClean="0">
-                  <a:solidFill>
-                    <a:schemeClr val="bg1">
-                      <a:lumMod val="50000"/>
-                    </a:schemeClr>
-                  </a:solidFill>
-                </a:rPr>
-                <a:t>//www.veribilimi.co</a:t>
-              </a:r>
-              <a:endParaRPr lang="en-US" sz="900" dirty="0">
-                <a:solidFill>
-                  <a:schemeClr val="bg1">
-                    <a:lumMod val="50000"/>
-                  </a:schemeClr>
-                </a:solidFill>
-              </a:endParaRPr>
-            </a:p>
-          </p:txBody>
-        </p:sp>
-      </p:grpSp>
-      <p:grpSp>
-        <p:nvGrpSpPr>
-          <p:cNvPr id="11" name="Grup 10"/>
-          <p:cNvGrpSpPr/>
-          <p:nvPr/>
-        </p:nvGrpSpPr>
-        <p:grpSpPr>
-          <a:xfrm>
-            <a:off x="9194796" y="6231467"/>
-            <a:ext cx="2802471" cy="457084"/>
-            <a:chOff x="184993" y="5905369"/>
-            <a:chExt cx="5156200" cy="838200"/>
-          </a:xfrm>
-        </p:grpSpPr>
-        <p:sp>
-          <p:nvSpPr>
-            <p:cNvPr id="13" name="Dikdörtgen 12"/>
-            <p:cNvSpPr/>
-            <p:nvPr/>
-          </p:nvSpPr>
-          <p:spPr>
-            <a:xfrm>
-              <a:off x="184993" y="5905369"/>
-              <a:ext cx="5156200" cy="838200"/>
-            </a:xfrm>
-            <a:prstGeom prst="rect">
-              <a:avLst/>
-            </a:prstGeom>
-            <a:solidFill>
-              <a:schemeClr val="bg1">
-                <a:lumMod val="95000"/>
-              </a:schemeClr>
-            </a:solidFill>
-            <a:ln>
-              <a:noFill/>
-            </a:ln>
-          </p:spPr>
-          <p:style>
-            <a:lnRef idx="2">
-              <a:schemeClr val="accent1">
-                <a:shade val="50000"/>
-              </a:schemeClr>
-            </a:lnRef>
-            <a:fillRef idx="1">
-              <a:schemeClr val="accent1"/>
-            </a:fillRef>
-            <a:effectRef idx="0">
-              <a:schemeClr val="accent1"/>
-            </a:effectRef>
-            <a:fontRef idx="minor">
-              <a:schemeClr val="lt1"/>
-            </a:fontRef>
-          </p:style>
-          <p:txBody>
-            <a:bodyPr rtlCol="0" anchor="ctr"/>
-            <a:lstStyle/>
-            <a:p>
-              <a:pPr algn="ctr"/>
-              <a:endParaRPr lang="en-US" sz="2000"/>
-            </a:p>
-          </p:txBody>
-        </p:sp>
-        <p:sp>
-          <p:nvSpPr>
-            <p:cNvPr id="14" name="Unvan 1"/>
-            <p:cNvSpPr txBox="1">
-              <a:spLocks/>
-            </p:cNvSpPr>
-            <p:nvPr/>
-          </p:nvSpPr>
-          <p:spPr>
-            <a:xfrm>
-              <a:off x="302252" y="6024023"/>
-              <a:ext cx="4921678" cy="600892"/>
-            </a:xfrm>
-            <a:prstGeom prst="rect">
-              <a:avLst/>
-            </a:prstGeom>
-          </p:spPr>
-          <p:txBody>
-            <a:bodyPr vert="horz" lIns="91440" tIns="45720" rIns="91440" bIns="45720" rtlCol="0" anchor="b">
-              <a:noAutofit/>
-            </a:bodyPr>
-            <a:lstStyle>
-              <a:lvl1pPr algn="ctr" defTabSz="914400" rtl="0" eaLnBrk="1" latinLnBrk="0" hangingPunct="1">
-                <a:lnSpc>
-                  <a:spcPct val="90000"/>
-                </a:lnSpc>
-                <a:spcBef>
-                  <a:spcPct val="0"/>
-                </a:spcBef>
-                <a:buNone/>
-                <a:defRPr sz="6000" kern="1200">
-                  <a:solidFill>
-                    <a:schemeClr val="tx1"/>
-                  </a:solidFill>
-                  <a:latin typeface="+mj-lt"/>
-                  <a:ea typeface="+mj-ea"/>
-                  <a:cs typeface="+mj-cs"/>
-                </a:defRPr>
-              </a:lvl1pPr>
-            </a:lstStyle>
-            <a:p>
-              <a:pPr algn="l"/>
-              <a:r>
-                <a:rPr lang="tr-TR" sz="2000" dirty="0">
-                  <a:solidFill>
-                    <a:srgbClr val="CB171F"/>
-                  </a:solidFill>
-                  <a:latin typeface="Constantia" panose="02030602050306030303" pitchFamily="18" charset="0"/>
-                  <a:ea typeface="Verdana" panose="020B0604030504040204" pitchFamily="34" charset="0"/>
-                  <a:cs typeface="Arial" panose="020B0604020202020204" pitchFamily="34" charset="0"/>
-                </a:rPr>
-                <a:t>A’dan Z’ye Büyük Veri</a:t>
-              </a:r>
-              <a:endParaRPr lang="en-US" sz="2000" dirty="0">
-                <a:solidFill>
-                  <a:srgbClr val="CB171F"/>
-                </a:solidFill>
-                <a:latin typeface="Constantia" panose="02030602050306030303" pitchFamily="18" charset="0"/>
-                <a:ea typeface="Verdana" panose="020B0604030504040204" pitchFamily="34" charset="0"/>
-                <a:cs typeface="Arial" panose="020B0604020202020204" pitchFamily="34" charset="0"/>
-              </a:endParaRPr>
-            </a:p>
-          </p:txBody>
-        </p:sp>
-      </p:grpSp>
       <p:sp>
         <p:nvSpPr>
           <p:cNvPr id="16" name="Unvan 1"/>
@@ -11384,7 +8719,7 @@
           <a:lstStyle/>
           <a:p>
             <a:r>
-              <a:rPr lang="tr-TR" sz="4200" b="1" dirty="0" err="1" smtClean="0">
+              <a:rPr lang="tr-TR" sz="4200" b="1" dirty="0" err="1">
                 <a:solidFill>
                   <a:srgbClr val="CD1F26"/>
                 </a:solidFill>
@@ -11395,7 +8730,7 @@
               <a:t>Spark</a:t>
             </a:r>
             <a:r>
-              <a:rPr lang="tr-TR" sz="4200" b="1" dirty="0" smtClean="0">
+              <a:rPr lang="tr-TR" sz="4200" b="1" dirty="0">
                 <a:solidFill>
                   <a:srgbClr val="CD1F26"/>
                 </a:solidFill>
@@ -11406,7 +8741,7 @@
               <a:t> </a:t>
             </a:r>
             <a:r>
-              <a:rPr lang="tr-TR" sz="4200" b="1" dirty="0" err="1" smtClean="0">
+              <a:rPr lang="tr-TR" sz="4200" b="1" dirty="0" err="1">
                 <a:solidFill>
                   <a:srgbClr val="CD1F26"/>
                 </a:solidFill>
@@ -11456,7 +8791,7 @@
               <a:buChar char="ü"/>
             </a:pPr>
             <a:r>
-              <a:rPr lang="tr-TR" sz="3600" dirty="0" smtClean="0">
+              <a:rPr lang="tr-TR" sz="3600" dirty="0">
                 <a:solidFill>
                   <a:srgbClr val="404041"/>
                 </a:solidFill>
@@ -11465,7 +8800,7 @@
               <a:t>Driver </a:t>
             </a:r>
             <a:r>
-              <a:rPr lang="tr-TR" sz="3600" dirty="0" err="1" smtClean="0">
+              <a:rPr lang="tr-TR" sz="3600" dirty="0" err="1">
                 <a:solidFill>
                   <a:srgbClr val="404041"/>
                 </a:solidFill>
@@ -11473,7 +8808,7 @@
               </a:rPr>
               <a:t>process</a:t>
             </a:r>
-            <a:endParaRPr lang="tr-TR" sz="3600" dirty="0" smtClean="0">
+            <a:endParaRPr lang="tr-TR" sz="3600" dirty="0">
               <a:solidFill>
                 <a:srgbClr val="404041"/>
               </a:solidFill>
@@ -11498,7 +8833,7 @@
               <a:t> </a:t>
             </a:r>
             <a:r>
-              <a:rPr lang="tr-TR" sz="3600" dirty="0" err="1" smtClean="0">
+              <a:rPr lang="tr-TR" sz="3600" dirty="0" err="1">
                 <a:solidFill>
                   <a:srgbClr val="404041"/>
                 </a:solidFill>
@@ -11507,7 +8842,7 @@
               <a:t>Spark</a:t>
             </a:r>
             <a:r>
-              <a:rPr lang="tr-TR" sz="3600" dirty="0" smtClean="0">
+              <a:rPr lang="tr-TR" sz="3600" dirty="0">
                 <a:solidFill>
                   <a:srgbClr val="404041"/>
                 </a:solidFill>
@@ -11525,7 +8860,7 @@
               <a:buChar char="ü"/>
             </a:pPr>
             <a:r>
-              <a:rPr lang="tr-TR" sz="3600" dirty="0" err="1" smtClean="0">
+              <a:rPr lang="tr-TR" sz="3600" dirty="0" err="1">
                 <a:solidFill>
                   <a:srgbClr val="404041"/>
                 </a:solidFill>
@@ -11534,7 +8869,7 @@
               <a:t>Scala</a:t>
             </a:r>
             <a:r>
-              <a:rPr lang="tr-TR" sz="3600" dirty="0" smtClean="0">
+              <a:rPr lang="tr-TR" sz="3600" dirty="0">
                 <a:solidFill>
                   <a:srgbClr val="404041"/>
                 </a:solidFill>
@@ -11543,7 +8878,7 @@
               <a:t> ve </a:t>
             </a:r>
             <a:r>
-              <a:rPr lang="tr-TR" sz="3600" dirty="0" err="1" smtClean="0">
+              <a:rPr lang="tr-TR" sz="3600" dirty="0" err="1">
                 <a:solidFill>
                   <a:srgbClr val="404041"/>
                 </a:solidFill>
@@ -11552,7 +8887,7 @@
               <a:t>Python’da</a:t>
             </a:r>
             <a:r>
-              <a:rPr lang="tr-TR" sz="3600" dirty="0" smtClean="0">
+              <a:rPr lang="tr-TR" sz="3600" dirty="0">
                 <a:solidFill>
                   <a:srgbClr val="404041"/>
                 </a:solidFill>
@@ -11561,7 +8896,7 @@
               <a:t> «</a:t>
             </a:r>
             <a:r>
-              <a:rPr lang="tr-TR" sz="3600" dirty="0" err="1" smtClean="0">
+              <a:rPr lang="tr-TR" sz="3600" dirty="0" err="1">
                 <a:solidFill>
                   <a:srgbClr val="404041"/>
                 </a:solidFill>
@@ -11570,7 +8905,7 @@
               <a:t>spark</a:t>
             </a:r>
             <a:r>
-              <a:rPr lang="tr-TR" sz="3600" dirty="0" smtClean="0">
+              <a:rPr lang="tr-TR" sz="3600" dirty="0">
                 <a:solidFill>
                   <a:srgbClr val="404041"/>
                 </a:solidFill>
@@ -11588,7 +8923,7 @@
               <a:buChar char="ü"/>
             </a:pPr>
             <a:r>
-              <a:rPr lang="tr-TR" sz="3600" dirty="0" smtClean="0">
+              <a:rPr lang="tr-TR" sz="3600" dirty="0">
                 <a:solidFill>
                   <a:srgbClr val="404041"/>
                 </a:solidFill>
@@ -11605,7 +8940,7 @@
               <a:buFont typeface="Wingdings" panose="05000000000000000000" pitchFamily="2" charset="2"/>
               <a:buChar char="ü"/>
             </a:pPr>
-            <a:endParaRPr lang="tr-TR" sz="3600" dirty="0" smtClean="0">
+            <a:endParaRPr lang="tr-TR" sz="3600" dirty="0">
               <a:solidFill>
                 <a:srgbClr val="404041"/>
               </a:solidFill>
@@ -11624,13 +8959,6 @@
   <p:clrMapOvr>
     <a:masterClrMapping/>
   </p:clrMapOvr>
-  <p:timing>
-    <p:tnLst>
-      <p:par>
-        <p:cTn id="1" dur="indefinite" restart="never" nodeType="tmRoot"/>
-      </p:par>
-    </p:tnLst>
-  </p:timing>
 </p:sld>
 </file>
 
@@ -11688,369 +9016,6 @@
           </a:fontRef>
         </p:style>
       </p:cxnSp>
-      <p:grpSp>
-        <p:nvGrpSpPr>
-          <p:cNvPr id="15" name="Grup 14"/>
-          <p:cNvGrpSpPr/>
-          <p:nvPr/>
-        </p:nvGrpSpPr>
-        <p:grpSpPr>
-          <a:xfrm>
-            <a:off x="228596" y="6231467"/>
-            <a:ext cx="3041654" cy="492576"/>
-            <a:chOff x="228596" y="6231467"/>
-            <a:chExt cx="3041654" cy="492576"/>
-          </a:xfrm>
-        </p:grpSpPr>
-        <p:grpSp>
-          <p:nvGrpSpPr>
-            <p:cNvPr id="8" name="Grup 7"/>
-            <p:cNvGrpSpPr/>
-            <p:nvPr/>
-          </p:nvGrpSpPr>
-          <p:grpSpPr>
-            <a:xfrm>
-              <a:off x="228596" y="6231467"/>
-              <a:ext cx="2802471" cy="457084"/>
-              <a:chOff x="127000" y="5901146"/>
-              <a:chExt cx="5156200" cy="838200"/>
-            </a:xfrm>
-          </p:grpSpPr>
-          <p:sp>
-            <p:nvSpPr>
-              <p:cNvPr id="7" name="Dikdörtgen 6"/>
-              <p:cNvSpPr/>
-              <p:nvPr/>
-            </p:nvSpPr>
-            <p:spPr>
-              <a:xfrm>
-                <a:off x="127000" y="5901146"/>
-                <a:ext cx="5156200" cy="838200"/>
-              </a:xfrm>
-              <a:prstGeom prst="rect">
-                <a:avLst/>
-              </a:prstGeom>
-              <a:solidFill>
-                <a:schemeClr val="bg1">
-                  <a:lumMod val="95000"/>
-                </a:schemeClr>
-              </a:solidFill>
-              <a:ln>
-                <a:noFill/>
-              </a:ln>
-            </p:spPr>
-            <p:style>
-              <a:lnRef idx="2">
-                <a:schemeClr val="accent1">
-                  <a:shade val="50000"/>
-                </a:schemeClr>
-              </a:lnRef>
-              <a:fillRef idx="1">
-                <a:schemeClr val="accent1"/>
-              </a:fillRef>
-              <a:effectRef idx="0">
-                <a:schemeClr val="accent1"/>
-              </a:effectRef>
-              <a:fontRef idx="minor">
-                <a:schemeClr val="lt1"/>
-              </a:fontRef>
-            </p:style>
-            <p:txBody>
-              <a:bodyPr rtlCol="0" anchor="ctr"/>
-              <a:lstStyle/>
-              <a:p>
-                <a:pPr algn="ctr"/>
-                <a:endParaRPr lang="en-US" sz="2000"/>
-              </a:p>
-            </p:txBody>
-          </p:sp>
-          <p:grpSp>
-            <p:nvGrpSpPr>
-              <p:cNvPr id="6" name="Grup 5"/>
-              <p:cNvGrpSpPr/>
-              <p:nvPr/>
-            </p:nvGrpSpPr>
-            <p:grpSpPr>
-              <a:xfrm>
-                <a:off x="211667" y="6019800"/>
-                <a:ext cx="5012266" cy="605115"/>
-                <a:chOff x="211667" y="6019800"/>
-                <a:chExt cx="5012266" cy="605115"/>
-              </a:xfrm>
-            </p:grpSpPr>
-            <p:pic>
-              <p:nvPicPr>
-                <p:cNvPr id="4" name="Resim 3"/>
-                <p:cNvPicPr>
-                  <a:picLocks noChangeAspect="1"/>
-                </p:cNvPicPr>
-                <p:nvPr/>
-              </p:nvPicPr>
-              <p:blipFill rotWithShape="1">
-                <a:blip r:embed="rId2" cstate="print">
-                  <a:extLst>
-                    <a:ext uri="{28A0092B-C50C-407E-A947-70E740481C1C}">
-                      <a14:useLocalDpi xmlns:a14="http://schemas.microsoft.com/office/drawing/2010/main" val="0"/>
-                    </a:ext>
-                  </a:extLst>
-                </a:blip>
-                <a:srcRect l="24387" t="8319" r="18355" b="50150"/>
-                <a:stretch/>
-              </p:blipFill>
-              <p:spPr>
-                <a:xfrm>
-                  <a:off x="211667" y="6019800"/>
-                  <a:ext cx="1072095" cy="600892"/>
-                </a:xfrm>
-                <a:prstGeom prst="rect">
-                  <a:avLst/>
-                </a:prstGeom>
-              </p:spPr>
-            </p:pic>
-            <p:sp>
-              <p:nvSpPr>
-                <p:cNvPr id="5" name="Unvan 1"/>
-                <p:cNvSpPr txBox="1">
-                  <a:spLocks/>
-                </p:cNvSpPr>
-                <p:nvPr/>
-              </p:nvSpPr>
-              <p:spPr>
-                <a:xfrm>
-                  <a:off x="1283763" y="6024023"/>
-                  <a:ext cx="3940170" cy="600892"/>
-                </a:xfrm>
-                <a:prstGeom prst="rect">
-                  <a:avLst/>
-                </a:prstGeom>
-              </p:spPr>
-              <p:txBody>
-                <a:bodyPr vert="horz" lIns="91440" tIns="45720" rIns="91440" bIns="45720" rtlCol="0" anchor="b">
-                  <a:noAutofit/>
-                </a:bodyPr>
-                <a:lstStyle>
-                  <a:lvl1pPr algn="ctr" defTabSz="914400" rtl="0" eaLnBrk="1" latinLnBrk="0" hangingPunct="1">
-                    <a:lnSpc>
-                      <a:spcPct val="90000"/>
-                    </a:lnSpc>
-                    <a:spcBef>
-                      <a:spcPct val="0"/>
-                    </a:spcBef>
-                    <a:buNone/>
-                    <a:defRPr sz="6000" kern="1200">
-                      <a:solidFill>
-                        <a:schemeClr val="tx1"/>
-                      </a:solidFill>
-                      <a:latin typeface="+mj-lt"/>
-                      <a:ea typeface="+mj-ea"/>
-                      <a:cs typeface="+mj-cs"/>
-                    </a:defRPr>
-                  </a:lvl1pPr>
-                </a:lstStyle>
-                <a:p>
-                  <a:pPr algn="l"/>
-                  <a:r>
-                    <a:rPr lang="tr-TR" sz="2000" dirty="0" smtClean="0">
-                      <a:solidFill>
-                        <a:srgbClr val="CB171F"/>
-                      </a:solidFill>
-                      <a:latin typeface="Constantia" panose="02030602050306030303" pitchFamily="18" charset="0"/>
-                      <a:ea typeface="Verdana" panose="020B0604030504040204" pitchFamily="34" charset="0"/>
-                      <a:cs typeface="Arial" panose="020B0604020202020204" pitchFamily="34" charset="0"/>
-                    </a:rPr>
-                    <a:t>Veri Bilimi Okulu</a:t>
-                  </a:r>
-                  <a:endParaRPr lang="en-US" sz="2000" dirty="0">
-                    <a:solidFill>
-                      <a:srgbClr val="CB171F"/>
-                    </a:solidFill>
-                    <a:latin typeface="Constantia" panose="02030602050306030303" pitchFamily="18" charset="0"/>
-                    <a:ea typeface="Verdana" panose="020B0604030504040204" pitchFamily="34" charset="0"/>
-                    <a:cs typeface="Arial" panose="020B0604020202020204" pitchFamily="34" charset="0"/>
-                  </a:endParaRPr>
-                </a:p>
-              </p:txBody>
-            </p:sp>
-          </p:grpSp>
-        </p:grpSp>
-        <p:sp>
-          <p:nvSpPr>
-            <p:cNvPr id="12" name="Metin kutusu 11"/>
-            <p:cNvSpPr txBox="1"/>
-            <p:nvPr/>
-          </p:nvSpPr>
-          <p:spPr>
-            <a:xfrm>
-              <a:off x="1582782" y="6493211"/>
-              <a:ext cx="1687468" cy="230832"/>
-            </a:xfrm>
-            <a:prstGeom prst="rect">
-              <a:avLst/>
-            </a:prstGeom>
-            <a:noFill/>
-          </p:spPr>
-          <p:txBody>
-            <a:bodyPr wrap="square" rtlCol="0">
-              <a:spAutoFit/>
-            </a:bodyPr>
-            <a:lstStyle/>
-            <a:p>
-              <a:r>
-                <a:rPr lang="en-US" sz="900" dirty="0" smtClean="0">
-                  <a:solidFill>
-                    <a:srgbClr val="0B8043"/>
-                  </a:solidFill>
-                </a:rPr>
-                <a:t>https:</a:t>
-              </a:r>
-              <a:r>
-                <a:rPr lang="en-US" sz="900" dirty="0" smtClean="0">
-                  <a:solidFill>
-                    <a:schemeClr val="bg1">
-                      <a:lumMod val="50000"/>
-                    </a:schemeClr>
-                  </a:solidFill>
-                </a:rPr>
-                <a:t>//www.veribilimi.co</a:t>
-              </a:r>
-              <a:endParaRPr lang="en-US" sz="900" dirty="0">
-                <a:solidFill>
-                  <a:schemeClr val="bg1">
-                    <a:lumMod val="50000"/>
-                  </a:schemeClr>
-                </a:solidFill>
-              </a:endParaRPr>
-            </a:p>
-          </p:txBody>
-        </p:sp>
-      </p:grpSp>
-      <p:grpSp>
-        <p:nvGrpSpPr>
-          <p:cNvPr id="11" name="Grup 10"/>
-          <p:cNvGrpSpPr/>
-          <p:nvPr/>
-        </p:nvGrpSpPr>
-        <p:grpSpPr>
-          <a:xfrm>
-            <a:off x="9194796" y="6231467"/>
-            <a:ext cx="2802471" cy="457084"/>
-            <a:chOff x="184993" y="5905369"/>
-            <a:chExt cx="5156200" cy="838200"/>
-          </a:xfrm>
-        </p:grpSpPr>
-        <p:sp>
-          <p:nvSpPr>
-            <p:cNvPr id="13" name="Dikdörtgen 12"/>
-            <p:cNvSpPr/>
-            <p:nvPr/>
-          </p:nvSpPr>
-          <p:spPr>
-            <a:xfrm>
-              <a:off x="184993" y="5905369"/>
-              <a:ext cx="5156200" cy="838200"/>
-            </a:xfrm>
-            <a:prstGeom prst="rect">
-              <a:avLst/>
-            </a:prstGeom>
-            <a:solidFill>
-              <a:schemeClr val="bg1">
-                <a:lumMod val="95000"/>
-              </a:schemeClr>
-            </a:solidFill>
-            <a:ln>
-              <a:noFill/>
-            </a:ln>
-          </p:spPr>
-          <p:style>
-            <a:lnRef idx="2">
-              <a:schemeClr val="accent1">
-                <a:shade val="50000"/>
-              </a:schemeClr>
-            </a:lnRef>
-            <a:fillRef idx="1">
-              <a:schemeClr val="accent1"/>
-            </a:fillRef>
-            <a:effectRef idx="0">
-              <a:schemeClr val="accent1"/>
-            </a:effectRef>
-            <a:fontRef idx="minor">
-              <a:schemeClr val="lt1"/>
-            </a:fontRef>
-          </p:style>
-          <p:txBody>
-            <a:bodyPr rtlCol="0" anchor="ctr"/>
-            <a:lstStyle/>
-            <a:p>
-              <a:pPr algn="ctr"/>
-              <a:endParaRPr lang="en-US" sz="2000"/>
-            </a:p>
-          </p:txBody>
-        </p:sp>
-        <p:sp>
-          <p:nvSpPr>
-            <p:cNvPr id="14" name="Unvan 1"/>
-            <p:cNvSpPr txBox="1">
-              <a:spLocks/>
-            </p:cNvSpPr>
-            <p:nvPr/>
-          </p:nvSpPr>
-          <p:spPr>
-            <a:xfrm>
-              <a:off x="302252" y="6024023"/>
-              <a:ext cx="4921678" cy="600892"/>
-            </a:xfrm>
-            <a:prstGeom prst="rect">
-              <a:avLst/>
-            </a:prstGeom>
-          </p:spPr>
-          <p:txBody>
-            <a:bodyPr vert="horz" lIns="91440" tIns="45720" rIns="91440" bIns="45720" rtlCol="0" anchor="b">
-              <a:noAutofit/>
-            </a:bodyPr>
-            <a:lstStyle>
-              <a:lvl1pPr algn="ctr" defTabSz="914400" rtl="0" eaLnBrk="1" latinLnBrk="0" hangingPunct="1">
-                <a:lnSpc>
-                  <a:spcPct val="90000"/>
-                </a:lnSpc>
-                <a:spcBef>
-                  <a:spcPct val="0"/>
-                </a:spcBef>
-                <a:buNone/>
-                <a:defRPr sz="6000" kern="1200">
-                  <a:solidFill>
-                    <a:schemeClr val="tx1"/>
-                  </a:solidFill>
-                  <a:latin typeface="+mj-lt"/>
-                  <a:ea typeface="+mj-ea"/>
-                  <a:cs typeface="+mj-cs"/>
-                </a:defRPr>
-              </a:lvl1pPr>
-            </a:lstStyle>
-            <a:p>
-              <a:pPr algn="l"/>
-              <a:r>
-                <a:rPr lang="tr-TR" sz="2000" dirty="0">
-                  <a:solidFill>
-                    <a:srgbClr val="CB171F"/>
-                  </a:solidFill>
-                  <a:latin typeface="Constantia" panose="02030602050306030303" pitchFamily="18" charset="0"/>
-                  <a:ea typeface="Verdana" panose="020B0604030504040204" pitchFamily="34" charset="0"/>
-                  <a:cs typeface="Arial" panose="020B0604020202020204" pitchFamily="34" charset="0"/>
-                </a:rPr>
-                <a:t>A’dan Z’ye Büyük Veri</a:t>
-              </a:r>
-              <a:endParaRPr lang="en-US" sz="2000" dirty="0">
-                <a:solidFill>
-                  <a:srgbClr val="CB171F"/>
-                </a:solidFill>
-                <a:latin typeface="Constantia" panose="02030602050306030303" pitchFamily="18" charset="0"/>
-                <a:ea typeface="Verdana" panose="020B0604030504040204" pitchFamily="34" charset="0"/>
-                <a:cs typeface="Arial" panose="020B0604020202020204" pitchFamily="34" charset="0"/>
-              </a:endParaRPr>
-            </a:p>
-          </p:txBody>
-        </p:sp>
-      </p:grpSp>
       <p:sp>
         <p:nvSpPr>
           <p:cNvPr id="16" name="Unvan 1"/>
@@ -12074,7 +9039,7 @@
           <a:lstStyle/>
           <a:p>
             <a:r>
-              <a:rPr lang="tr-TR" sz="4200" b="1" dirty="0" err="1" smtClean="0">
+              <a:rPr lang="tr-TR" sz="4200" b="1" dirty="0" err="1">
                 <a:solidFill>
                   <a:srgbClr val="CD1F26"/>
                 </a:solidFill>
@@ -12085,7 +9050,7 @@
               <a:t>Apache</a:t>
             </a:r>
             <a:r>
-              <a:rPr lang="tr-TR" sz="4200" b="1" dirty="0" smtClean="0">
+              <a:rPr lang="tr-TR" sz="4200" b="1" dirty="0">
                 <a:solidFill>
                   <a:srgbClr val="CD1F26"/>
                 </a:solidFill>
@@ -12096,7 +9061,7 @@
               <a:t> </a:t>
             </a:r>
             <a:r>
-              <a:rPr lang="tr-TR" sz="4200" b="1" dirty="0" err="1" smtClean="0">
+              <a:rPr lang="tr-TR" sz="4200" b="1" dirty="0" err="1">
                 <a:solidFill>
                   <a:srgbClr val="CD1F26"/>
                 </a:solidFill>
@@ -12146,7 +9111,7 @@
               <a:buChar char="ü"/>
             </a:pPr>
             <a:r>
-              <a:rPr lang="tr-TR" sz="2400" dirty="0" smtClean="0">
+              <a:rPr lang="tr-TR" sz="2400" dirty="0">
                 <a:solidFill>
                   <a:srgbClr val="404041"/>
                 </a:solidFill>
@@ -12162,22 +9127,13 @@
               </a:lnSpc>
             </a:pPr>
             <a:r>
-              <a:rPr lang="tr-TR" sz="2400" dirty="0" smtClean="0">
-                <a:solidFill>
-                  <a:srgbClr val="404041"/>
-                </a:solidFill>
-                <a:latin typeface="Roboto"/>
-              </a:rPr>
-              <a:t>    Binlerce </a:t>
-            </a:r>
-            <a:r>
               <a:rPr lang="tr-TR" sz="2400" dirty="0">
                 <a:solidFill>
                   <a:srgbClr val="404041"/>
                 </a:solidFill>
                 <a:latin typeface="Roboto"/>
               </a:rPr>
-              <a:t>sunucu üzerinde </a:t>
+              <a:t>    Binlerce sunucu üzerinde </a:t>
             </a:r>
             <a:r>
               <a:rPr lang="tr-TR" sz="2400" dirty="0" err="1">
@@ -12195,16 +9151,7 @@
                 </a:solidFill>
                 <a:latin typeface="Roboto"/>
               </a:rPr>
-              <a:t> </a:t>
-            </a:r>
-            <a:r>
-              <a:rPr lang="tr-TR" sz="2400" dirty="0" smtClean="0">
-                <a:solidFill>
-                  <a:srgbClr val="404041"/>
-                </a:solidFill>
-                <a:latin typeface="Roboto"/>
-              </a:rPr>
-              <a:t>ölçeğinde</a:t>
+              <a:t> ölçeğinde</a:t>
             </a:r>
           </a:p>
           <a:p>
@@ -12216,7 +9163,7 @@
               <a:buChar char="ü"/>
             </a:pPr>
             <a:r>
-              <a:rPr lang="tr-TR" sz="2400" dirty="0" err="1" smtClean="0">
+              <a:rPr lang="tr-TR" sz="2400" dirty="0" err="1">
                 <a:solidFill>
                   <a:srgbClr val="404041"/>
                 </a:solidFill>
@@ -12225,7 +9172,7 @@
               <a:t>MapReduce’un</a:t>
             </a:r>
             <a:r>
-              <a:rPr lang="tr-TR" sz="2400" dirty="0" smtClean="0">
+              <a:rPr lang="tr-TR" sz="2400" dirty="0">
                 <a:solidFill>
                   <a:srgbClr val="404041"/>
                 </a:solidFill>
@@ -12234,7 +9181,7 @@
               <a:t> alternatifi, </a:t>
             </a:r>
             <a:r>
-              <a:rPr lang="tr-TR" sz="2400" dirty="0" err="1" smtClean="0">
+              <a:rPr lang="tr-TR" sz="2400" dirty="0" err="1">
                 <a:solidFill>
                   <a:srgbClr val="404041"/>
                 </a:solidFill>
@@ -12243,7 +9190,7 @@
               <a:t>Hadoop’un</a:t>
             </a:r>
             <a:r>
-              <a:rPr lang="tr-TR" sz="2400" dirty="0" smtClean="0">
+              <a:rPr lang="tr-TR" sz="2400" dirty="0">
                 <a:solidFill>
                   <a:srgbClr val="404041"/>
                 </a:solidFill>
@@ -12261,7 +9208,7 @@
               <a:buChar char="ü"/>
             </a:pPr>
             <a:r>
-              <a:rPr lang="tr-TR" sz="2400" dirty="0" smtClean="0">
+              <a:rPr lang="tr-TR" sz="2400" dirty="0">
                 <a:solidFill>
                   <a:srgbClr val="404041"/>
                 </a:solidFill>
@@ -12283,19 +9230,10 @@
                 </a:solidFill>
                 <a:latin typeface="Roboto"/>
               </a:rPr>
-              <a:t> </a:t>
-            </a:r>
-            <a:r>
-              <a:rPr lang="tr-TR" sz="2400" dirty="0" smtClean="0">
-                <a:solidFill>
-                  <a:srgbClr val="404041"/>
-                </a:solidFill>
-                <a:latin typeface="Roboto"/>
-              </a:rPr>
-              <a:t>   Güçlü bir topluluk, </a:t>
-            </a:r>
-            <a:r>
-              <a:rPr lang="tr-TR" sz="2400" dirty="0" err="1" smtClean="0">
+              <a:t>    Güçlü bir topluluk, </a:t>
+            </a:r>
+            <a:r>
+              <a:rPr lang="tr-TR" sz="2400" dirty="0" err="1">
                 <a:solidFill>
                   <a:srgbClr val="404041"/>
                 </a:solidFill>
@@ -12304,7 +9242,7 @@
               <a:t>Databricks</a:t>
             </a:r>
             <a:r>
-              <a:rPr lang="tr-TR" sz="2400" dirty="0" smtClean="0">
+              <a:rPr lang="tr-TR" sz="2400" dirty="0">
                 <a:solidFill>
                   <a:srgbClr val="404041"/>
                 </a:solidFill>
@@ -12322,7 +9260,7 @@
               <a:t>UC Berkeley, Hortonworks </a:t>
             </a:r>
             <a:r>
-              <a:rPr lang="tr-TR" sz="2400" dirty="0" smtClean="0">
+              <a:rPr lang="tr-TR" sz="2400" dirty="0">
                 <a:solidFill>
                   <a:srgbClr val="404041"/>
                 </a:solidFill>
@@ -12331,7 +9269,7 @@
               <a:t>ve </a:t>
             </a:r>
             <a:r>
-              <a:rPr lang="en-US" sz="2400" dirty="0" smtClean="0">
+              <a:rPr lang="en-US" sz="2400" dirty="0">
                 <a:solidFill>
                   <a:srgbClr val="404041"/>
                 </a:solidFill>
@@ -12339,7 +9277,7 @@
               </a:rPr>
               <a:t>Cloudera</a:t>
             </a:r>
-            <a:endParaRPr lang="tr-TR" sz="2400" dirty="0" smtClean="0">
+            <a:endParaRPr lang="tr-TR" sz="2400" dirty="0">
               <a:solidFill>
                 <a:srgbClr val="404041"/>
               </a:solidFill>
@@ -12355,7 +9293,7 @@
               <a:buChar char="ü"/>
             </a:pPr>
             <a:r>
-              <a:rPr lang="tr-TR" sz="2400" dirty="0" smtClean="0">
+              <a:rPr lang="tr-TR" sz="2400" dirty="0">
                 <a:solidFill>
                   <a:srgbClr val="404041"/>
                 </a:solidFill>
@@ -12373,7 +9311,7 @@
               <a:buChar char="ü"/>
             </a:pPr>
             <a:r>
-              <a:rPr lang="tr-TR" sz="2400" dirty="0" smtClean="0">
+              <a:rPr lang="tr-TR" sz="2400" dirty="0">
                 <a:solidFill>
                   <a:srgbClr val="404041"/>
                 </a:solidFill>
@@ -12382,7 +9320,7 @@
               <a:t>Hadoop YARN üzerinde hem MapReduce hem de </a:t>
             </a:r>
             <a:r>
-              <a:rPr lang="tr-TR" sz="2400" dirty="0" err="1" smtClean="0">
+              <a:rPr lang="tr-TR" sz="2400" dirty="0" err="1">
                 <a:solidFill>
                   <a:srgbClr val="404041"/>
                 </a:solidFill>
@@ -12391,7 +9329,7 @@
               <a:t>Spark</a:t>
             </a:r>
             <a:r>
-              <a:rPr lang="tr-TR" sz="2400" dirty="0" smtClean="0">
+              <a:rPr lang="tr-TR" sz="2400" dirty="0">
                 <a:solidFill>
                   <a:srgbClr val="404041"/>
                 </a:solidFill>
@@ -12408,7 +9346,7 @@
               <a:buFont typeface="Wingdings" panose="05000000000000000000" pitchFamily="2" charset="2"/>
               <a:buChar char="ü"/>
             </a:pPr>
-            <a:endParaRPr lang="tr-TR" sz="2400" dirty="0" smtClean="0">
+            <a:endParaRPr lang="tr-TR" sz="2400" dirty="0">
               <a:solidFill>
                 <a:srgbClr val="404041"/>
               </a:solidFill>
@@ -12427,13 +9365,6 @@
   <p:clrMapOvr>
     <a:masterClrMapping/>
   </p:clrMapOvr>
-  <p:timing>
-    <p:tnLst>
-      <p:par>
-        <p:cTn id="1" dur="indefinite" restart="never" nodeType="tmRoot"/>
-      </p:par>
-    </p:tnLst>
-  </p:timing>
 </p:sld>
 </file>
 
@@ -12491,369 +9422,6 @@
           </a:fontRef>
         </p:style>
       </p:cxnSp>
-      <p:grpSp>
-        <p:nvGrpSpPr>
-          <p:cNvPr id="15" name="Grup 14"/>
-          <p:cNvGrpSpPr/>
-          <p:nvPr/>
-        </p:nvGrpSpPr>
-        <p:grpSpPr>
-          <a:xfrm>
-            <a:off x="228596" y="6231467"/>
-            <a:ext cx="3041654" cy="492576"/>
-            <a:chOff x="228596" y="6231467"/>
-            <a:chExt cx="3041654" cy="492576"/>
-          </a:xfrm>
-        </p:grpSpPr>
-        <p:grpSp>
-          <p:nvGrpSpPr>
-            <p:cNvPr id="8" name="Grup 7"/>
-            <p:cNvGrpSpPr/>
-            <p:nvPr/>
-          </p:nvGrpSpPr>
-          <p:grpSpPr>
-            <a:xfrm>
-              <a:off x="228596" y="6231467"/>
-              <a:ext cx="2802471" cy="457084"/>
-              <a:chOff x="127000" y="5901146"/>
-              <a:chExt cx="5156200" cy="838200"/>
-            </a:xfrm>
-          </p:grpSpPr>
-          <p:sp>
-            <p:nvSpPr>
-              <p:cNvPr id="7" name="Dikdörtgen 6"/>
-              <p:cNvSpPr/>
-              <p:nvPr/>
-            </p:nvSpPr>
-            <p:spPr>
-              <a:xfrm>
-                <a:off x="127000" y="5901146"/>
-                <a:ext cx="5156200" cy="838200"/>
-              </a:xfrm>
-              <a:prstGeom prst="rect">
-                <a:avLst/>
-              </a:prstGeom>
-              <a:solidFill>
-                <a:schemeClr val="bg1">
-                  <a:lumMod val="95000"/>
-                </a:schemeClr>
-              </a:solidFill>
-              <a:ln>
-                <a:noFill/>
-              </a:ln>
-            </p:spPr>
-            <p:style>
-              <a:lnRef idx="2">
-                <a:schemeClr val="accent1">
-                  <a:shade val="50000"/>
-                </a:schemeClr>
-              </a:lnRef>
-              <a:fillRef idx="1">
-                <a:schemeClr val="accent1"/>
-              </a:fillRef>
-              <a:effectRef idx="0">
-                <a:schemeClr val="accent1"/>
-              </a:effectRef>
-              <a:fontRef idx="minor">
-                <a:schemeClr val="lt1"/>
-              </a:fontRef>
-            </p:style>
-            <p:txBody>
-              <a:bodyPr rtlCol="0" anchor="ctr"/>
-              <a:lstStyle/>
-              <a:p>
-                <a:pPr algn="ctr"/>
-                <a:endParaRPr lang="en-US" sz="2000"/>
-              </a:p>
-            </p:txBody>
-          </p:sp>
-          <p:grpSp>
-            <p:nvGrpSpPr>
-              <p:cNvPr id="6" name="Grup 5"/>
-              <p:cNvGrpSpPr/>
-              <p:nvPr/>
-            </p:nvGrpSpPr>
-            <p:grpSpPr>
-              <a:xfrm>
-                <a:off x="211667" y="6019800"/>
-                <a:ext cx="5012266" cy="605115"/>
-                <a:chOff x="211667" y="6019800"/>
-                <a:chExt cx="5012266" cy="605115"/>
-              </a:xfrm>
-            </p:grpSpPr>
-            <p:pic>
-              <p:nvPicPr>
-                <p:cNvPr id="4" name="Resim 3"/>
-                <p:cNvPicPr>
-                  <a:picLocks noChangeAspect="1"/>
-                </p:cNvPicPr>
-                <p:nvPr/>
-              </p:nvPicPr>
-              <p:blipFill rotWithShape="1">
-                <a:blip r:embed="rId2" cstate="print">
-                  <a:extLst>
-                    <a:ext uri="{28A0092B-C50C-407E-A947-70E740481C1C}">
-                      <a14:useLocalDpi xmlns:a14="http://schemas.microsoft.com/office/drawing/2010/main" val="0"/>
-                    </a:ext>
-                  </a:extLst>
-                </a:blip>
-                <a:srcRect l="24387" t="8319" r="18355" b="50150"/>
-                <a:stretch/>
-              </p:blipFill>
-              <p:spPr>
-                <a:xfrm>
-                  <a:off x="211667" y="6019800"/>
-                  <a:ext cx="1072095" cy="600892"/>
-                </a:xfrm>
-                <a:prstGeom prst="rect">
-                  <a:avLst/>
-                </a:prstGeom>
-              </p:spPr>
-            </p:pic>
-            <p:sp>
-              <p:nvSpPr>
-                <p:cNvPr id="5" name="Unvan 1"/>
-                <p:cNvSpPr txBox="1">
-                  <a:spLocks/>
-                </p:cNvSpPr>
-                <p:nvPr/>
-              </p:nvSpPr>
-              <p:spPr>
-                <a:xfrm>
-                  <a:off x="1283763" y="6024023"/>
-                  <a:ext cx="3940170" cy="600892"/>
-                </a:xfrm>
-                <a:prstGeom prst="rect">
-                  <a:avLst/>
-                </a:prstGeom>
-              </p:spPr>
-              <p:txBody>
-                <a:bodyPr vert="horz" lIns="91440" tIns="45720" rIns="91440" bIns="45720" rtlCol="0" anchor="b">
-                  <a:noAutofit/>
-                </a:bodyPr>
-                <a:lstStyle>
-                  <a:lvl1pPr algn="ctr" defTabSz="914400" rtl="0" eaLnBrk="1" latinLnBrk="0" hangingPunct="1">
-                    <a:lnSpc>
-                      <a:spcPct val="90000"/>
-                    </a:lnSpc>
-                    <a:spcBef>
-                      <a:spcPct val="0"/>
-                    </a:spcBef>
-                    <a:buNone/>
-                    <a:defRPr sz="6000" kern="1200">
-                      <a:solidFill>
-                        <a:schemeClr val="tx1"/>
-                      </a:solidFill>
-                      <a:latin typeface="+mj-lt"/>
-                      <a:ea typeface="+mj-ea"/>
-                      <a:cs typeface="+mj-cs"/>
-                    </a:defRPr>
-                  </a:lvl1pPr>
-                </a:lstStyle>
-                <a:p>
-                  <a:pPr algn="l"/>
-                  <a:r>
-                    <a:rPr lang="tr-TR" sz="2000" dirty="0" smtClean="0">
-                      <a:solidFill>
-                        <a:srgbClr val="CB171F"/>
-                      </a:solidFill>
-                      <a:latin typeface="Constantia" panose="02030602050306030303" pitchFamily="18" charset="0"/>
-                      <a:ea typeface="Verdana" panose="020B0604030504040204" pitchFamily="34" charset="0"/>
-                      <a:cs typeface="Arial" panose="020B0604020202020204" pitchFamily="34" charset="0"/>
-                    </a:rPr>
-                    <a:t>Veri Bilimi Okulu</a:t>
-                  </a:r>
-                  <a:endParaRPr lang="en-US" sz="2000" dirty="0">
-                    <a:solidFill>
-                      <a:srgbClr val="CB171F"/>
-                    </a:solidFill>
-                    <a:latin typeface="Constantia" panose="02030602050306030303" pitchFamily="18" charset="0"/>
-                    <a:ea typeface="Verdana" panose="020B0604030504040204" pitchFamily="34" charset="0"/>
-                    <a:cs typeface="Arial" panose="020B0604020202020204" pitchFamily="34" charset="0"/>
-                  </a:endParaRPr>
-                </a:p>
-              </p:txBody>
-            </p:sp>
-          </p:grpSp>
-        </p:grpSp>
-        <p:sp>
-          <p:nvSpPr>
-            <p:cNvPr id="12" name="Metin kutusu 11"/>
-            <p:cNvSpPr txBox="1"/>
-            <p:nvPr/>
-          </p:nvSpPr>
-          <p:spPr>
-            <a:xfrm>
-              <a:off x="1582782" y="6493211"/>
-              <a:ext cx="1687468" cy="230832"/>
-            </a:xfrm>
-            <a:prstGeom prst="rect">
-              <a:avLst/>
-            </a:prstGeom>
-            <a:noFill/>
-          </p:spPr>
-          <p:txBody>
-            <a:bodyPr wrap="square" rtlCol="0">
-              <a:spAutoFit/>
-            </a:bodyPr>
-            <a:lstStyle/>
-            <a:p>
-              <a:r>
-                <a:rPr lang="en-US" sz="900" dirty="0" smtClean="0">
-                  <a:solidFill>
-                    <a:srgbClr val="0B8043"/>
-                  </a:solidFill>
-                </a:rPr>
-                <a:t>https:</a:t>
-              </a:r>
-              <a:r>
-                <a:rPr lang="en-US" sz="900" dirty="0" smtClean="0">
-                  <a:solidFill>
-                    <a:schemeClr val="bg1">
-                      <a:lumMod val="50000"/>
-                    </a:schemeClr>
-                  </a:solidFill>
-                </a:rPr>
-                <a:t>//www.veribilimi.co</a:t>
-              </a:r>
-              <a:endParaRPr lang="en-US" sz="900" dirty="0">
-                <a:solidFill>
-                  <a:schemeClr val="bg1">
-                    <a:lumMod val="50000"/>
-                  </a:schemeClr>
-                </a:solidFill>
-              </a:endParaRPr>
-            </a:p>
-          </p:txBody>
-        </p:sp>
-      </p:grpSp>
-      <p:grpSp>
-        <p:nvGrpSpPr>
-          <p:cNvPr id="11" name="Grup 10"/>
-          <p:cNvGrpSpPr/>
-          <p:nvPr/>
-        </p:nvGrpSpPr>
-        <p:grpSpPr>
-          <a:xfrm>
-            <a:off x="9194796" y="6231467"/>
-            <a:ext cx="2802471" cy="457084"/>
-            <a:chOff x="184993" y="5905369"/>
-            <a:chExt cx="5156200" cy="838200"/>
-          </a:xfrm>
-        </p:grpSpPr>
-        <p:sp>
-          <p:nvSpPr>
-            <p:cNvPr id="13" name="Dikdörtgen 12"/>
-            <p:cNvSpPr/>
-            <p:nvPr/>
-          </p:nvSpPr>
-          <p:spPr>
-            <a:xfrm>
-              <a:off x="184993" y="5905369"/>
-              <a:ext cx="5156200" cy="838200"/>
-            </a:xfrm>
-            <a:prstGeom prst="rect">
-              <a:avLst/>
-            </a:prstGeom>
-            <a:solidFill>
-              <a:schemeClr val="bg1">
-                <a:lumMod val="95000"/>
-              </a:schemeClr>
-            </a:solidFill>
-            <a:ln>
-              <a:noFill/>
-            </a:ln>
-          </p:spPr>
-          <p:style>
-            <a:lnRef idx="2">
-              <a:schemeClr val="accent1">
-                <a:shade val="50000"/>
-              </a:schemeClr>
-            </a:lnRef>
-            <a:fillRef idx="1">
-              <a:schemeClr val="accent1"/>
-            </a:fillRef>
-            <a:effectRef idx="0">
-              <a:schemeClr val="accent1"/>
-            </a:effectRef>
-            <a:fontRef idx="minor">
-              <a:schemeClr val="lt1"/>
-            </a:fontRef>
-          </p:style>
-          <p:txBody>
-            <a:bodyPr rtlCol="0" anchor="ctr"/>
-            <a:lstStyle/>
-            <a:p>
-              <a:pPr algn="ctr"/>
-              <a:endParaRPr lang="en-US" sz="2000"/>
-            </a:p>
-          </p:txBody>
-        </p:sp>
-        <p:sp>
-          <p:nvSpPr>
-            <p:cNvPr id="14" name="Unvan 1"/>
-            <p:cNvSpPr txBox="1">
-              <a:spLocks/>
-            </p:cNvSpPr>
-            <p:nvPr/>
-          </p:nvSpPr>
-          <p:spPr>
-            <a:xfrm>
-              <a:off x="302252" y="6024023"/>
-              <a:ext cx="4921678" cy="600892"/>
-            </a:xfrm>
-            <a:prstGeom prst="rect">
-              <a:avLst/>
-            </a:prstGeom>
-          </p:spPr>
-          <p:txBody>
-            <a:bodyPr vert="horz" lIns="91440" tIns="45720" rIns="91440" bIns="45720" rtlCol="0" anchor="b">
-              <a:noAutofit/>
-            </a:bodyPr>
-            <a:lstStyle>
-              <a:lvl1pPr algn="ctr" defTabSz="914400" rtl="0" eaLnBrk="1" latinLnBrk="0" hangingPunct="1">
-                <a:lnSpc>
-                  <a:spcPct val="90000"/>
-                </a:lnSpc>
-                <a:spcBef>
-                  <a:spcPct val="0"/>
-                </a:spcBef>
-                <a:buNone/>
-                <a:defRPr sz="6000" kern="1200">
-                  <a:solidFill>
-                    <a:schemeClr val="tx1"/>
-                  </a:solidFill>
-                  <a:latin typeface="+mj-lt"/>
-                  <a:ea typeface="+mj-ea"/>
-                  <a:cs typeface="+mj-cs"/>
-                </a:defRPr>
-              </a:lvl1pPr>
-            </a:lstStyle>
-            <a:p>
-              <a:pPr algn="l"/>
-              <a:r>
-                <a:rPr lang="tr-TR" sz="2000" dirty="0">
-                  <a:solidFill>
-                    <a:srgbClr val="CB171F"/>
-                  </a:solidFill>
-                  <a:latin typeface="Constantia" panose="02030602050306030303" pitchFamily="18" charset="0"/>
-                  <a:ea typeface="Verdana" panose="020B0604030504040204" pitchFamily="34" charset="0"/>
-                  <a:cs typeface="Arial" panose="020B0604020202020204" pitchFamily="34" charset="0"/>
-                </a:rPr>
-                <a:t>A’dan Z’ye Büyük Veri</a:t>
-              </a:r>
-              <a:endParaRPr lang="en-US" sz="2000" dirty="0">
-                <a:solidFill>
-                  <a:srgbClr val="CB171F"/>
-                </a:solidFill>
-                <a:latin typeface="Constantia" panose="02030602050306030303" pitchFamily="18" charset="0"/>
-                <a:ea typeface="Verdana" panose="020B0604030504040204" pitchFamily="34" charset="0"/>
-                <a:cs typeface="Arial" panose="020B0604020202020204" pitchFamily="34" charset="0"/>
-              </a:endParaRPr>
-            </a:p>
-          </p:txBody>
-        </p:sp>
-      </p:grpSp>
       <p:sp>
         <p:nvSpPr>
           <p:cNvPr id="16" name="Unvan 1"/>
@@ -12877,7 +9445,7 @@
           <a:lstStyle/>
           <a:p>
             <a:r>
-              <a:rPr lang="tr-TR" sz="4200" b="1" dirty="0" smtClean="0">
+              <a:rPr lang="tr-TR" sz="4200" b="1" dirty="0">
                 <a:solidFill>
                   <a:srgbClr val="CD1F26"/>
                 </a:solidFill>
@@ -12927,7 +9495,7 @@
               <a:buChar char="ü"/>
             </a:pPr>
             <a:r>
-              <a:rPr lang="tr-TR" sz="2800" dirty="0" smtClean="0">
+              <a:rPr lang="tr-TR" sz="2800" dirty="0">
                 <a:solidFill>
                   <a:srgbClr val="404041"/>
                 </a:solidFill>
@@ -12951,7 +9519,7 @@
               <a:buChar char="ü"/>
             </a:pPr>
             <a:r>
-              <a:rPr lang="tr-TR" sz="2800" dirty="0" err="1" smtClean="0">
+              <a:rPr lang="tr-TR" sz="2800" dirty="0" err="1">
                 <a:solidFill>
                   <a:srgbClr val="404041"/>
                 </a:solidFill>
@@ -12960,7 +9528,7 @@
               <a:t>Hadoop’a</a:t>
             </a:r>
             <a:r>
-              <a:rPr lang="tr-TR" sz="2800" dirty="0" smtClean="0">
+              <a:rPr lang="tr-TR" sz="2800" dirty="0">
                 <a:solidFill>
                   <a:srgbClr val="404041"/>
                 </a:solidFill>
@@ -12968,7 +9536,7 @@
               </a:rPr>
               <a:t> bağımlı değil</a:t>
             </a:r>
-            <a:endParaRPr lang="en-US" sz="2800" dirty="0" smtClean="0">
+            <a:endParaRPr lang="en-US" sz="2800" dirty="0">
               <a:solidFill>
                 <a:srgbClr val="404041"/>
               </a:solidFill>
@@ -12984,22 +9552,13 @@
               <a:buChar char="ü"/>
             </a:pPr>
             <a:r>
-              <a:rPr lang="tr-TR" sz="2800" dirty="0" smtClean="0">
-                <a:solidFill>
-                  <a:srgbClr val="404041"/>
-                </a:solidFill>
-                <a:latin typeface="Roboto"/>
-              </a:rPr>
-              <a:t>Belleği </a:t>
-            </a:r>
-            <a:r>
-              <a:rPr lang="tr-TR" sz="2800" dirty="0" smtClean="0">
-                <a:solidFill>
-                  <a:srgbClr val="404041"/>
-                </a:solidFill>
-                <a:latin typeface="Roboto"/>
-              </a:rPr>
-              <a:t>kullanma gücü, MapReduce diski kullanır.</a:t>
+              <a:rPr lang="tr-TR" sz="2800" dirty="0">
+                <a:solidFill>
+                  <a:srgbClr val="404041"/>
+                </a:solidFill>
+                <a:latin typeface="Roboto"/>
+              </a:rPr>
+              <a:t>Belleği kullanma gücü, MapReduce diski kullanır.</a:t>
             </a:r>
           </a:p>
           <a:p>
@@ -13009,7 +9568,7 @@
               </a:lnSpc>
             </a:pPr>
             <a:r>
-              <a:rPr lang="tr-TR" sz="2800" dirty="0" smtClean="0">
+              <a:rPr lang="tr-TR" sz="2800" dirty="0">
                 <a:solidFill>
                   <a:srgbClr val="404041"/>
                 </a:solidFill>
@@ -13018,7 +9577,7 @@
               <a:t>Özellikle makine öğrenmesinde (</a:t>
             </a:r>
             <a:r>
-              <a:rPr lang="tr-TR" sz="2800" dirty="0" err="1" smtClean="0">
+              <a:rPr lang="tr-TR" sz="2800" dirty="0" err="1">
                 <a:solidFill>
                   <a:srgbClr val="404041"/>
                 </a:solidFill>
@@ -13027,7 +9586,7 @@
               <a:t>iterative</a:t>
             </a:r>
             <a:r>
-              <a:rPr lang="tr-TR" sz="2800" dirty="0" smtClean="0">
+              <a:rPr lang="tr-TR" sz="2800" dirty="0">
                 <a:solidFill>
                   <a:srgbClr val="404041"/>
                 </a:solidFill>
@@ -13051,7 +9610,7 @@
               <a:buChar char="ü"/>
             </a:pPr>
             <a:r>
-              <a:rPr lang="tr-TR" sz="2800" dirty="0" err="1" smtClean="0">
+              <a:rPr lang="tr-TR" sz="2800" dirty="0" err="1">
                 <a:solidFill>
                   <a:srgbClr val="404041"/>
                 </a:solidFill>
@@ -13060,7 +9619,7 @@
               <a:t>Shuffle</a:t>
             </a:r>
             <a:r>
-              <a:rPr lang="tr-TR" sz="2800" dirty="0" smtClean="0">
+              <a:rPr lang="tr-TR" sz="2800" dirty="0">
                 <a:solidFill>
                   <a:srgbClr val="404041"/>
                 </a:solidFill>
@@ -13084,7 +9643,7 @@
               <a:buChar char="ü"/>
             </a:pPr>
             <a:r>
-              <a:rPr lang="tr-TR" sz="2800" dirty="0" smtClean="0">
+              <a:rPr lang="tr-TR" sz="2800" dirty="0">
                 <a:solidFill>
                   <a:srgbClr val="404041"/>
                 </a:solidFill>
@@ -13102,7 +9661,7 @@
               <a:buChar char="ü"/>
             </a:pPr>
             <a:r>
-              <a:rPr lang="tr-TR" sz="2800" dirty="0" err="1" smtClean="0">
+              <a:rPr lang="tr-TR" sz="2800" dirty="0" err="1">
                 <a:solidFill>
                   <a:srgbClr val="404041"/>
                 </a:solidFill>
@@ -13111,7 +9670,7 @@
               <a:t>Spark</a:t>
             </a:r>
             <a:r>
-              <a:rPr lang="tr-TR" sz="2800" dirty="0" smtClean="0">
+              <a:rPr lang="tr-TR" sz="2800" dirty="0">
                 <a:solidFill>
                   <a:srgbClr val="404041"/>
                 </a:solidFill>
@@ -13132,13 +9691,6 @@
   <p:clrMapOvr>
     <a:masterClrMapping/>
   </p:clrMapOvr>
-  <p:timing>
-    <p:tnLst>
-      <p:par>
-        <p:cTn id="1" dur="indefinite" restart="never" nodeType="tmRoot"/>
-      </p:par>
-    </p:tnLst>
-  </p:timing>
 </p:sld>
 </file>
 
@@ -13196,369 +9748,6 @@
           </a:fontRef>
         </p:style>
       </p:cxnSp>
-      <p:grpSp>
-        <p:nvGrpSpPr>
-          <p:cNvPr id="15" name="Grup 14"/>
-          <p:cNvGrpSpPr/>
-          <p:nvPr/>
-        </p:nvGrpSpPr>
-        <p:grpSpPr>
-          <a:xfrm>
-            <a:off x="228596" y="6231467"/>
-            <a:ext cx="3041654" cy="492576"/>
-            <a:chOff x="228596" y="6231467"/>
-            <a:chExt cx="3041654" cy="492576"/>
-          </a:xfrm>
-        </p:grpSpPr>
-        <p:grpSp>
-          <p:nvGrpSpPr>
-            <p:cNvPr id="8" name="Grup 7"/>
-            <p:cNvGrpSpPr/>
-            <p:nvPr/>
-          </p:nvGrpSpPr>
-          <p:grpSpPr>
-            <a:xfrm>
-              <a:off x="228596" y="6231467"/>
-              <a:ext cx="2802471" cy="457084"/>
-              <a:chOff x="127000" y="5901146"/>
-              <a:chExt cx="5156200" cy="838200"/>
-            </a:xfrm>
-          </p:grpSpPr>
-          <p:sp>
-            <p:nvSpPr>
-              <p:cNvPr id="7" name="Dikdörtgen 6"/>
-              <p:cNvSpPr/>
-              <p:nvPr/>
-            </p:nvSpPr>
-            <p:spPr>
-              <a:xfrm>
-                <a:off x="127000" y="5901146"/>
-                <a:ext cx="5156200" cy="838200"/>
-              </a:xfrm>
-              <a:prstGeom prst="rect">
-                <a:avLst/>
-              </a:prstGeom>
-              <a:solidFill>
-                <a:schemeClr val="bg1">
-                  <a:lumMod val="95000"/>
-                </a:schemeClr>
-              </a:solidFill>
-              <a:ln>
-                <a:noFill/>
-              </a:ln>
-            </p:spPr>
-            <p:style>
-              <a:lnRef idx="2">
-                <a:schemeClr val="accent1">
-                  <a:shade val="50000"/>
-                </a:schemeClr>
-              </a:lnRef>
-              <a:fillRef idx="1">
-                <a:schemeClr val="accent1"/>
-              </a:fillRef>
-              <a:effectRef idx="0">
-                <a:schemeClr val="accent1"/>
-              </a:effectRef>
-              <a:fontRef idx="minor">
-                <a:schemeClr val="lt1"/>
-              </a:fontRef>
-            </p:style>
-            <p:txBody>
-              <a:bodyPr rtlCol="0" anchor="ctr"/>
-              <a:lstStyle/>
-              <a:p>
-                <a:pPr algn="ctr"/>
-                <a:endParaRPr lang="en-US" sz="2000"/>
-              </a:p>
-            </p:txBody>
-          </p:sp>
-          <p:grpSp>
-            <p:nvGrpSpPr>
-              <p:cNvPr id="6" name="Grup 5"/>
-              <p:cNvGrpSpPr/>
-              <p:nvPr/>
-            </p:nvGrpSpPr>
-            <p:grpSpPr>
-              <a:xfrm>
-                <a:off x="211667" y="6019800"/>
-                <a:ext cx="5012266" cy="605115"/>
-                <a:chOff x="211667" y="6019800"/>
-                <a:chExt cx="5012266" cy="605115"/>
-              </a:xfrm>
-            </p:grpSpPr>
-            <p:pic>
-              <p:nvPicPr>
-                <p:cNvPr id="4" name="Resim 3"/>
-                <p:cNvPicPr>
-                  <a:picLocks noChangeAspect="1"/>
-                </p:cNvPicPr>
-                <p:nvPr/>
-              </p:nvPicPr>
-              <p:blipFill rotWithShape="1">
-                <a:blip r:embed="rId2" cstate="print">
-                  <a:extLst>
-                    <a:ext uri="{28A0092B-C50C-407E-A947-70E740481C1C}">
-                      <a14:useLocalDpi xmlns:a14="http://schemas.microsoft.com/office/drawing/2010/main" val="0"/>
-                    </a:ext>
-                  </a:extLst>
-                </a:blip>
-                <a:srcRect l="24387" t="8319" r="18355" b="50150"/>
-                <a:stretch/>
-              </p:blipFill>
-              <p:spPr>
-                <a:xfrm>
-                  <a:off x="211667" y="6019800"/>
-                  <a:ext cx="1072095" cy="600892"/>
-                </a:xfrm>
-                <a:prstGeom prst="rect">
-                  <a:avLst/>
-                </a:prstGeom>
-              </p:spPr>
-            </p:pic>
-            <p:sp>
-              <p:nvSpPr>
-                <p:cNvPr id="5" name="Unvan 1"/>
-                <p:cNvSpPr txBox="1">
-                  <a:spLocks/>
-                </p:cNvSpPr>
-                <p:nvPr/>
-              </p:nvSpPr>
-              <p:spPr>
-                <a:xfrm>
-                  <a:off x="1283763" y="6024023"/>
-                  <a:ext cx="3940170" cy="600892"/>
-                </a:xfrm>
-                <a:prstGeom prst="rect">
-                  <a:avLst/>
-                </a:prstGeom>
-              </p:spPr>
-              <p:txBody>
-                <a:bodyPr vert="horz" lIns="91440" tIns="45720" rIns="91440" bIns="45720" rtlCol="0" anchor="b">
-                  <a:noAutofit/>
-                </a:bodyPr>
-                <a:lstStyle>
-                  <a:lvl1pPr algn="ctr" defTabSz="914400" rtl="0" eaLnBrk="1" latinLnBrk="0" hangingPunct="1">
-                    <a:lnSpc>
-                      <a:spcPct val="90000"/>
-                    </a:lnSpc>
-                    <a:spcBef>
-                      <a:spcPct val="0"/>
-                    </a:spcBef>
-                    <a:buNone/>
-                    <a:defRPr sz="6000" kern="1200">
-                      <a:solidFill>
-                        <a:schemeClr val="tx1"/>
-                      </a:solidFill>
-                      <a:latin typeface="+mj-lt"/>
-                      <a:ea typeface="+mj-ea"/>
-                      <a:cs typeface="+mj-cs"/>
-                    </a:defRPr>
-                  </a:lvl1pPr>
-                </a:lstStyle>
-                <a:p>
-                  <a:pPr algn="l"/>
-                  <a:r>
-                    <a:rPr lang="tr-TR" sz="2000" dirty="0" smtClean="0">
-                      <a:solidFill>
-                        <a:srgbClr val="CB171F"/>
-                      </a:solidFill>
-                      <a:latin typeface="Constantia" panose="02030602050306030303" pitchFamily="18" charset="0"/>
-                      <a:ea typeface="Verdana" panose="020B0604030504040204" pitchFamily="34" charset="0"/>
-                      <a:cs typeface="Arial" panose="020B0604020202020204" pitchFamily="34" charset="0"/>
-                    </a:rPr>
-                    <a:t>Veri Bilimi Okulu</a:t>
-                  </a:r>
-                  <a:endParaRPr lang="en-US" sz="2000" dirty="0">
-                    <a:solidFill>
-                      <a:srgbClr val="CB171F"/>
-                    </a:solidFill>
-                    <a:latin typeface="Constantia" panose="02030602050306030303" pitchFamily="18" charset="0"/>
-                    <a:ea typeface="Verdana" panose="020B0604030504040204" pitchFamily="34" charset="0"/>
-                    <a:cs typeface="Arial" panose="020B0604020202020204" pitchFamily="34" charset="0"/>
-                  </a:endParaRPr>
-                </a:p>
-              </p:txBody>
-            </p:sp>
-          </p:grpSp>
-        </p:grpSp>
-        <p:sp>
-          <p:nvSpPr>
-            <p:cNvPr id="12" name="Metin kutusu 11"/>
-            <p:cNvSpPr txBox="1"/>
-            <p:nvPr/>
-          </p:nvSpPr>
-          <p:spPr>
-            <a:xfrm>
-              <a:off x="1582782" y="6493211"/>
-              <a:ext cx="1687468" cy="230832"/>
-            </a:xfrm>
-            <a:prstGeom prst="rect">
-              <a:avLst/>
-            </a:prstGeom>
-            <a:noFill/>
-          </p:spPr>
-          <p:txBody>
-            <a:bodyPr wrap="square" rtlCol="0">
-              <a:spAutoFit/>
-            </a:bodyPr>
-            <a:lstStyle/>
-            <a:p>
-              <a:r>
-                <a:rPr lang="en-US" sz="900" dirty="0" smtClean="0">
-                  <a:solidFill>
-                    <a:srgbClr val="0B8043"/>
-                  </a:solidFill>
-                </a:rPr>
-                <a:t>https:</a:t>
-              </a:r>
-              <a:r>
-                <a:rPr lang="en-US" sz="900" dirty="0" smtClean="0">
-                  <a:solidFill>
-                    <a:schemeClr val="bg1">
-                      <a:lumMod val="50000"/>
-                    </a:schemeClr>
-                  </a:solidFill>
-                </a:rPr>
-                <a:t>//www.veribilimi.co</a:t>
-              </a:r>
-              <a:endParaRPr lang="en-US" sz="900" dirty="0">
-                <a:solidFill>
-                  <a:schemeClr val="bg1">
-                    <a:lumMod val="50000"/>
-                  </a:schemeClr>
-                </a:solidFill>
-              </a:endParaRPr>
-            </a:p>
-          </p:txBody>
-        </p:sp>
-      </p:grpSp>
-      <p:grpSp>
-        <p:nvGrpSpPr>
-          <p:cNvPr id="11" name="Grup 10"/>
-          <p:cNvGrpSpPr/>
-          <p:nvPr/>
-        </p:nvGrpSpPr>
-        <p:grpSpPr>
-          <a:xfrm>
-            <a:off x="9194796" y="6231467"/>
-            <a:ext cx="2802471" cy="457084"/>
-            <a:chOff x="184993" y="5905369"/>
-            <a:chExt cx="5156200" cy="838200"/>
-          </a:xfrm>
-        </p:grpSpPr>
-        <p:sp>
-          <p:nvSpPr>
-            <p:cNvPr id="13" name="Dikdörtgen 12"/>
-            <p:cNvSpPr/>
-            <p:nvPr/>
-          </p:nvSpPr>
-          <p:spPr>
-            <a:xfrm>
-              <a:off x="184993" y="5905369"/>
-              <a:ext cx="5156200" cy="838200"/>
-            </a:xfrm>
-            <a:prstGeom prst="rect">
-              <a:avLst/>
-            </a:prstGeom>
-            <a:solidFill>
-              <a:schemeClr val="bg1">
-                <a:lumMod val="95000"/>
-              </a:schemeClr>
-            </a:solidFill>
-            <a:ln>
-              <a:noFill/>
-            </a:ln>
-          </p:spPr>
-          <p:style>
-            <a:lnRef idx="2">
-              <a:schemeClr val="accent1">
-                <a:shade val="50000"/>
-              </a:schemeClr>
-            </a:lnRef>
-            <a:fillRef idx="1">
-              <a:schemeClr val="accent1"/>
-            </a:fillRef>
-            <a:effectRef idx="0">
-              <a:schemeClr val="accent1"/>
-            </a:effectRef>
-            <a:fontRef idx="minor">
-              <a:schemeClr val="lt1"/>
-            </a:fontRef>
-          </p:style>
-          <p:txBody>
-            <a:bodyPr rtlCol="0" anchor="ctr"/>
-            <a:lstStyle/>
-            <a:p>
-              <a:pPr algn="ctr"/>
-              <a:endParaRPr lang="en-US" sz="2000"/>
-            </a:p>
-          </p:txBody>
-        </p:sp>
-        <p:sp>
-          <p:nvSpPr>
-            <p:cNvPr id="14" name="Unvan 1"/>
-            <p:cNvSpPr txBox="1">
-              <a:spLocks/>
-            </p:cNvSpPr>
-            <p:nvPr/>
-          </p:nvSpPr>
-          <p:spPr>
-            <a:xfrm>
-              <a:off x="302252" y="6024023"/>
-              <a:ext cx="4921678" cy="600892"/>
-            </a:xfrm>
-            <a:prstGeom prst="rect">
-              <a:avLst/>
-            </a:prstGeom>
-          </p:spPr>
-          <p:txBody>
-            <a:bodyPr vert="horz" lIns="91440" tIns="45720" rIns="91440" bIns="45720" rtlCol="0" anchor="b">
-              <a:noAutofit/>
-            </a:bodyPr>
-            <a:lstStyle>
-              <a:lvl1pPr algn="ctr" defTabSz="914400" rtl="0" eaLnBrk="1" latinLnBrk="0" hangingPunct="1">
-                <a:lnSpc>
-                  <a:spcPct val="90000"/>
-                </a:lnSpc>
-                <a:spcBef>
-                  <a:spcPct val="0"/>
-                </a:spcBef>
-                <a:buNone/>
-                <a:defRPr sz="6000" kern="1200">
-                  <a:solidFill>
-                    <a:schemeClr val="tx1"/>
-                  </a:solidFill>
-                  <a:latin typeface="+mj-lt"/>
-                  <a:ea typeface="+mj-ea"/>
-                  <a:cs typeface="+mj-cs"/>
-                </a:defRPr>
-              </a:lvl1pPr>
-            </a:lstStyle>
-            <a:p>
-              <a:pPr algn="l"/>
-              <a:r>
-                <a:rPr lang="tr-TR" sz="2000" dirty="0">
-                  <a:solidFill>
-                    <a:srgbClr val="CB171F"/>
-                  </a:solidFill>
-                  <a:latin typeface="Constantia" panose="02030602050306030303" pitchFamily="18" charset="0"/>
-                  <a:ea typeface="Verdana" panose="020B0604030504040204" pitchFamily="34" charset="0"/>
-                  <a:cs typeface="Arial" panose="020B0604020202020204" pitchFamily="34" charset="0"/>
-                </a:rPr>
-                <a:t>A’dan Z’ye Büyük Veri</a:t>
-              </a:r>
-              <a:endParaRPr lang="en-US" sz="2000" dirty="0">
-                <a:solidFill>
-                  <a:srgbClr val="CB171F"/>
-                </a:solidFill>
-                <a:latin typeface="Constantia" panose="02030602050306030303" pitchFamily="18" charset="0"/>
-                <a:ea typeface="Verdana" panose="020B0604030504040204" pitchFamily="34" charset="0"/>
-                <a:cs typeface="Arial" panose="020B0604020202020204" pitchFamily="34" charset="0"/>
-              </a:endParaRPr>
-            </a:p>
-          </p:txBody>
-        </p:sp>
-      </p:grpSp>
       <p:sp>
         <p:nvSpPr>
           <p:cNvPr id="16" name="Unvan 1"/>
@@ -13582,7 +9771,7 @@
           <a:lstStyle/>
           <a:p>
             <a:r>
-              <a:rPr lang="tr-TR" sz="4200" b="1" dirty="0" smtClean="0">
+              <a:rPr lang="tr-TR" sz="4200" b="1" dirty="0">
                 <a:solidFill>
                   <a:srgbClr val="CD1F26"/>
                 </a:solidFill>
@@ -13632,7 +9821,7 @@
               <a:buChar char="ü"/>
             </a:pPr>
             <a:r>
-              <a:rPr lang="tr-TR" sz="2800" dirty="0" smtClean="0">
+              <a:rPr lang="tr-TR" sz="2800" dirty="0">
                 <a:solidFill>
                   <a:srgbClr val="404041"/>
                 </a:solidFill>
@@ -13650,7 +9839,7 @@
               <a:buChar char="ü"/>
             </a:pPr>
             <a:r>
-              <a:rPr lang="tr-TR" sz="2800" dirty="0" err="1" smtClean="0">
+              <a:rPr lang="tr-TR" sz="2800" dirty="0" err="1">
                 <a:solidFill>
                   <a:srgbClr val="404041"/>
                 </a:solidFill>
@@ -13659,7 +9848,7 @@
               <a:t>Erilşilebilirliği</a:t>
             </a:r>
             <a:r>
-              <a:rPr lang="tr-TR" sz="2800" dirty="0" smtClean="0">
+              <a:rPr lang="tr-TR" sz="2800" dirty="0">
                 <a:solidFill>
                   <a:srgbClr val="404041"/>
                 </a:solidFill>
@@ -13668,7 +9857,7 @@
               <a:t> daha yüksek: </a:t>
             </a:r>
             <a:r>
-              <a:rPr lang="tr-TR" sz="2800" dirty="0" err="1" smtClean="0">
+              <a:rPr lang="tr-TR" sz="2800" dirty="0" err="1">
                 <a:solidFill>
                   <a:srgbClr val="404041"/>
                 </a:solidFill>
@@ -13677,7 +9866,7 @@
               <a:t>Scala</a:t>
             </a:r>
             <a:r>
-              <a:rPr lang="tr-TR" sz="2800" dirty="0" smtClean="0">
+              <a:rPr lang="tr-TR" sz="2800" dirty="0">
                 <a:solidFill>
                   <a:srgbClr val="404041"/>
                 </a:solidFill>
@@ -13686,7 +9875,7 @@
               <a:t>, Java, </a:t>
             </a:r>
             <a:r>
-              <a:rPr lang="tr-TR" sz="2800" dirty="0" err="1" smtClean="0">
+              <a:rPr lang="tr-TR" sz="2800" dirty="0" err="1">
                 <a:solidFill>
                   <a:srgbClr val="404041"/>
                 </a:solidFill>
@@ -13695,7 +9884,7 @@
               <a:t>Python</a:t>
             </a:r>
             <a:r>
-              <a:rPr lang="tr-TR" sz="2800" dirty="0" smtClean="0">
+              <a:rPr lang="tr-TR" sz="2800" dirty="0">
                 <a:solidFill>
                   <a:srgbClr val="404041"/>
                 </a:solidFill>
@@ -13713,7 +9902,7 @@
               <a:buChar char="ü"/>
             </a:pPr>
             <a:r>
-              <a:rPr lang="tr-TR" sz="2800" dirty="0" smtClean="0">
+              <a:rPr lang="tr-TR" sz="2800" dirty="0">
                 <a:solidFill>
                   <a:srgbClr val="404041"/>
                 </a:solidFill>
@@ -13734,13 +9923,6 @@
   <p:clrMapOvr>
     <a:masterClrMapping/>
   </p:clrMapOvr>
-  <p:timing>
-    <p:tnLst>
-      <p:par>
-        <p:cTn id="1" dur="indefinite" restart="never" nodeType="tmRoot"/>
-      </p:par>
-    </p:tnLst>
-  </p:timing>
 </p:sld>
 </file>
 
@@ -13798,369 +9980,6 @@
           </a:fontRef>
         </p:style>
       </p:cxnSp>
-      <p:grpSp>
-        <p:nvGrpSpPr>
-          <p:cNvPr id="15" name="Grup 14"/>
-          <p:cNvGrpSpPr/>
-          <p:nvPr/>
-        </p:nvGrpSpPr>
-        <p:grpSpPr>
-          <a:xfrm>
-            <a:off x="228596" y="6231467"/>
-            <a:ext cx="3041654" cy="492576"/>
-            <a:chOff x="228596" y="6231467"/>
-            <a:chExt cx="3041654" cy="492576"/>
-          </a:xfrm>
-        </p:grpSpPr>
-        <p:grpSp>
-          <p:nvGrpSpPr>
-            <p:cNvPr id="8" name="Grup 7"/>
-            <p:cNvGrpSpPr/>
-            <p:nvPr/>
-          </p:nvGrpSpPr>
-          <p:grpSpPr>
-            <a:xfrm>
-              <a:off x="228596" y="6231467"/>
-              <a:ext cx="2802471" cy="457084"/>
-              <a:chOff x="127000" y="5901146"/>
-              <a:chExt cx="5156200" cy="838200"/>
-            </a:xfrm>
-          </p:grpSpPr>
-          <p:sp>
-            <p:nvSpPr>
-              <p:cNvPr id="7" name="Dikdörtgen 6"/>
-              <p:cNvSpPr/>
-              <p:nvPr/>
-            </p:nvSpPr>
-            <p:spPr>
-              <a:xfrm>
-                <a:off x="127000" y="5901146"/>
-                <a:ext cx="5156200" cy="838200"/>
-              </a:xfrm>
-              <a:prstGeom prst="rect">
-                <a:avLst/>
-              </a:prstGeom>
-              <a:solidFill>
-                <a:schemeClr val="bg1">
-                  <a:lumMod val="95000"/>
-                </a:schemeClr>
-              </a:solidFill>
-              <a:ln>
-                <a:noFill/>
-              </a:ln>
-            </p:spPr>
-            <p:style>
-              <a:lnRef idx="2">
-                <a:schemeClr val="accent1">
-                  <a:shade val="50000"/>
-                </a:schemeClr>
-              </a:lnRef>
-              <a:fillRef idx="1">
-                <a:schemeClr val="accent1"/>
-              </a:fillRef>
-              <a:effectRef idx="0">
-                <a:schemeClr val="accent1"/>
-              </a:effectRef>
-              <a:fontRef idx="minor">
-                <a:schemeClr val="lt1"/>
-              </a:fontRef>
-            </p:style>
-            <p:txBody>
-              <a:bodyPr rtlCol="0" anchor="ctr"/>
-              <a:lstStyle/>
-              <a:p>
-                <a:pPr algn="ctr"/>
-                <a:endParaRPr lang="en-US" sz="2000"/>
-              </a:p>
-            </p:txBody>
-          </p:sp>
-          <p:grpSp>
-            <p:nvGrpSpPr>
-              <p:cNvPr id="6" name="Grup 5"/>
-              <p:cNvGrpSpPr/>
-              <p:nvPr/>
-            </p:nvGrpSpPr>
-            <p:grpSpPr>
-              <a:xfrm>
-                <a:off x="211667" y="6019800"/>
-                <a:ext cx="5012266" cy="605115"/>
-                <a:chOff x="211667" y="6019800"/>
-                <a:chExt cx="5012266" cy="605115"/>
-              </a:xfrm>
-            </p:grpSpPr>
-            <p:pic>
-              <p:nvPicPr>
-                <p:cNvPr id="4" name="Resim 3"/>
-                <p:cNvPicPr>
-                  <a:picLocks noChangeAspect="1"/>
-                </p:cNvPicPr>
-                <p:nvPr/>
-              </p:nvPicPr>
-              <p:blipFill rotWithShape="1">
-                <a:blip r:embed="rId2" cstate="print">
-                  <a:extLst>
-                    <a:ext uri="{28A0092B-C50C-407E-A947-70E740481C1C}">
-                      <a14:useLocalDpi xmlns:a14="http://schemas.microsoft.com/office/drawing/2010/main" val="0"/>
-                    </a:ext>
-                  </a:extLst>
-                </a:blip>
-                <a:srcRect l="24387" t="8319" r="18355" b="50150"/>
-                <a:stretch/>
-              </p:blipFill>
-              <p:spPr>
-                <a:xfrm>
-                  <a:off x="211667" y="6019800"/>
-                  <a:ext cx="1072095" cy="600892"/>
-                </a:xfrm>
-                <a:prstGeom prst="rect">
-                  <a:avLst/>
-                </a:prstGeom>
-              </p:spPr>
-            </p:pic>
-            <p:sp>
-              <p:nvSpPr>
-                <p:cNvPr id="5" name="Unvan 1"/>
-                <p:cNvSpPr txBox="1">
-                  <a:spLocks/>
-                </p:cNvSpPr>
-                <p:nvPr/>
-              </p:nvSpPr>
-              <p:spPr>
-                <a:xfrm>
-                  <a:off x="1283763" y="6024023"/>
-                  <a:ext cx="3940170" cy="600892"/>
-                </a:xfrm>
-                <a:prstGeom prst="rect">
-                  <a:avLst/>
-                </a:prstGeom>
-              </p:spPr>
-              <p:txBody>
-                <a:bodyPr vert="horz" lIns="91440" tIns="45720" rIns="91440" bIns="45720" rtlCol="0" anchor="b">
-                  <a:noAutofit/>
-                </a:bodyPr>
-                <a:lstStyle>
-                  <a:lvl1pPr algn="ctr" defTabSz="914400" rtl="0" eaLnBrk="1" latinLnBrk="0" hangingPunct="1">
-                    <a:lnSpc>
-                      <a:spcPct val="90000"/>
-                    </a:lnSpc>
-                    <a:spcBef>
-                      <a:spcPct val="0"/>
-                    </a:spcBef>
-                    <a:buNone/>
-                    <a:defRPr sz="6000" kern="1200">
-                      <a:solidFill>
-                        <a:schemeClr val="tx1"/>
-                      </a:solidFill>
-                      <a:latin typeface="+mj-lt"/>
-                      <a:ea typeface="+mj-ea"/>
-                      <a:cs typeface="+mj-cs"/>
-                    </a:defRPr>
-                  </a:lvl1pPr>
-                </a:lstStyle>
-                <a:p>
-                  <a:pPr algn="l"/>
-                  <a:r>
-                    <a:rPr lang="tr-TR" sz="2000" dirty="0" smtClean="0">
-                      <a:solidFill>
-                        <a:srgbClr val="CB171F"/>
-                      </a:solidFill>
-                      <a:latin typeface="Constantia" panose="02030602050306030303" pitchFamily="18" charset="0"/>
-                      <a:ea typeface="Verdana" panose="020B0604030504040204" pitchFamily="34" charset="0"/>
-                      <a:cs typeface="Arial" panose="020B0604020202020204" pitchFamily="34" charset="0"/>
-                    </a:rPr>
-                    <a:t>Veri Bilimi Okulu</a:t>
-                  </a:r>
-                  <a:endParaRPr lang="en-US" sz="2000" dirty="0">
-                    <a:solidFill>
-                      <a:srgbClr val="CB171F"/>
-                    </a:solidFill>
-                    <a:latin typeface="Constantia" panose="02030602050306030303" pitchFamily="18" charset="0"/>
-                    <a:ea typeface="Verdana" panose="020B0604030504040204" pitchFamily="34" charset="0"/>
-                    <a:cs typeface="Arial" panose="020B0604020202020204" pitchFamily="34" charset="0"/>
-                  </a:endParaRPr>
-                </a:p>
-              </p:txBody>
-            </p:sp>
-          </p:grpSp>
-        </p:grpSp>
-        <p:sp>
-          <p:nvSpPr>
-            <p:cNvPr id="12" name="Metin kutusu 11"/>
-            <p:cNvSpPr txBox="1"/>
-            <p:nvPr/>
-          </p:nvSpPr>
-          <p:spPr>
-            <a:xfrm>
-              <a:off x="1582782" y="6493211"/>
-              <a:ext cx="1687468" cy="230832"/>
-            </a:xfrm>
-            <a:prstGeom prst="rect">
-              <a:avLst/>
-            </a:prstGeom>
-            <a:noFill/>
-          </p:spPr>
-          <p:txBody>
-            <a:bodyPr wrap="square" rtlCol="0">
-              <a:spAutoFit/>
-            </a:bodyPr>
-            <a:lstStyle/>
-            <a:p>
-              <a:r>
-                <a:rPr lang="en-US" sz="900" dirty="0" smtClean="0">
-                  <a:solidFill>
-                    <a:srgbClr val="0B8043"/>
-                  </a:solidFill>
-                </a:rPr>
-                <a:t>https:</a:t>
-              </a:r>
-              <a:r>
-                <a:rPr lang="en-US" sz="900" dirty="0" smtClean="0">
-                  <a:solidFill>
-                    <a:schemeClr val="bg1">
-                      <a:lumMod val="50000"/>
-                    </a:schemeClr>
-                  </a:solidFill>
-                </a:rPr>
-                <a:t>//www.veribilimi.co</a:t>
-              </a:r>
-              <a:endParaRPr lang="en-US" sz="900" dirty="0">
-                <a:solidFill>
-                  <a:schemeClr val="bg1">
-                    <a:lumMod val="50000"/>
-                  </a:schemeClr>
-                </a:solidFill>
-              </a:endParaRPr>
-            </a:p>
-          </p:txBody>
-        </p:sp>
-      </p:grpSp>
-      <p:grpSp>
-        <p:nvGrpSpPr>
-          <p:cNvPr id="11" name="Grup 10"/>
-          <p:cNvGrpSpPr/>
-          <p:nvPr/>
-        </p:nvGrpSpPr>
-        <p:grpSpPr>
-          <a:xfrm>
-            <a:off x="9194796" y="6231467"/>
-            <a:ext cx="2802471" cy="457084"/>
-            <a:chOff x="184993" y="5905369"/>
-            <a:chExt cx="5156200" cy="838200"/>
-          </a:xfrm>
-        </p:grpSpPr>
-        <p:sp>
-          <p:nvSpPr>
-            <p:cNvPr id="13" name="Dikdörtgen 12"/>
-            <p:cNvSpPr/>
-            <p:nvPr/>
-          </p:nvSpPr>
-          <p:spPr>
-            <a:xfrm>
-              <a:off x="184993" y="5905369"/>
-              <a:ext cx="5156200" cy="838200"/>
-            </a:xfrm>
-            <a:prstGeom prst="rect">
-              <a:avLst/>
-            </a:prstGeom>
-            <a:solidFill>
-              <a:schemeClr val="bg1">
-                <a:lumMod val="95000"/>
-              </a:schemeClr>
-            </a:solidFill>
-            <a:ln>
-              <a:noFill/>
-            </a:ln>
-          </p:spPr>
-          <p:style>
-            <a:lnRef idx="2">
-              <a:schemeClr val="accent1">
-                <a:shade val="50000"/>
-              </a:schemeClr>
-            </a:lnRef>
-            <a:fillRef idx="1">
-              <a:schemeClr val="accent1"/>
-            </a:fillRef>
-            <a:effectRef idx="0">
-              <a:schemeClr val="accent1"/>
-            </a:effectRef>
-            <a:fontRef idx="minor">
-              <a:schemeClr val="lt1"/>
-            </a:fontRef>
-          </p:style>
-          <p:txBody>
-            <a:bodyPr rtlCol="0" anchor="ctr"/>
-            <a:lstStyle/>
-            <a:p>
-              <a:pPr algn="ctr"/>
-              <a:endParaRPr lang="en-US" sz="2000"/>
-            </a:p>
-          </p:txBody>
-        </p:sp>
-        <p:sp>
-          <p:nvSpPr>
-            <p:cNvPr id="14" name="Unvan 1"/>
-            <p:cNvSpPr txBox="1">
-              <a:spLocks/>
-            </p:cNvSpPr>
-            <p:nvPr/>
-          </p:nvSpPr>
-          <p:spPr>
-            <a:xfrm>
-              <a:off x="302252" y="6024023"/>
-              <a:ext cx="4921678" cy="600892"/>
-            </a:xfrm>
-            <a:prstGeom prst="rect">
-              <a:avLst/>
-            </a:prstGeom>
-          </p:spPr>
-          <p:txBody>
-            <a:bodyPr vert="horz" lIns="91440" tIns="45720" rIns="91440" bIns="45720" rtlCol="0" anchor="b">
-              <a:noAutofit/>
-            </a:bodyPr>
-            <a:lstStyle>
-              <a:lvl1pPr algn="ctr" defTabSz="914400" rtl="0" eaLnBrk="1" latinLnBrk="0" hangingPunct="1">
-                <a:lnSpc>
-                  <a:spcPct val="90000"/>
-                </a:lnSpc>
-                <a:spcBef>
-                  <a:spcPct val="0"/>
-                </a:spcBef>
-                <a:buNone/>
-                <a:defRPr sz="6000" kern="1200">
-                  <a:solidFill>
-                    <a:schemeClr val="tx1"/>
-                  </a:solidFill>
-                  <a:latin typeface="+mj-lt"/>
-                  <a:ea typeface="+mj-ea"/>
-                  <a:cs typeface="+mj-cs"/>
-                </a:defRPr>
-              </a:lvl1pPr>
-            </a:lstStyle>
-            <a:p>
-              <a:pPr algn="l"/>
-              <a:r>
-                <a:rPr lang="tr-TR" sz="2000" dirty="0">
-                  <a:solidFill>
-                    <a:srgbClr val="CB171F"/>
-                  </a:solidFill>
-                  <a:latin typeface="Constantia" panose="02030602050306030303" pitchFamily="18" charset="0"/>
-                  <a:ea typeface="Verdana" panose="020B0604030504040204" pitchFamily="34" charset="0"/>
-                  <a:cs typeface="Arial" panose="020B0604020202020204" pitchFamily="34" charset="0"/>
-                </a:rPr>
-                <a:t>A’dan Z’ye Büyük Veri</a:t>
-              </a:r>
-              <a:endParaRPr lang="en-US" sz="2000" dirty="0">
-                <a:solidFill>
-                  <a:srgbClr val="CB171F"/>
-                </a:solidFill>
-                <a:latin typeface="Constantia" panose="02030602050306030303" pitchFamily="18" charset="0"/>
-                <a:ea typeface="Verdana" panose="020B0604030504040204" pitchFamily="34" charset="0"/>
-                <a:cs typeface="Arial" panose="020B0604020202020204" pitchFamily="34" charset="0"/>
-              </a:endParaRPr>
-            </a:p>
-          </p:txBody>
-        </p:sp>
-      </p:grpSp>
       <p:sp>
         <p:nvSpPr>
           <p:cNvPr id="16" name="Unvan 1"/>
@@ -14184,7 +10003,7 @@
           <a:lstStyle/>
           <a:p>
             <a:r>
-              <a:rPr lang="tr-TR" sz="4200" b="1" dirty="0" smtClean="0">
+              <a:rPr lang="tr-TR" sz="4200" b="1" dirty="0">
                 <a:solidFill>
                   <a:srgbClr val="CD1F26"/>
                 </a:solidFill>
@@ -14195,7 +10014,7 @@
               <a:t>Genel Maksat Veri İşleme Motoru &amp;</a:t>
             </a:r>
             <a:br>
-              <a:rPr lang="tr-TR" sz="4200" b="1" dirty="0" smtClean="0">
+              <a:rPr lang="tr-TR" sz="4200" b="1" dirty="0">
                 <a:solidFill>
                   <a:srgbClr val="CD1F26"/>
                 </a:solidFill>
@@ -14205,7 +10024,7 @@
               </a:rPr>
             </a:br>
             <a:r>
-              <a:rPr lang="tr-TR" sz="4200" b="1" dirty="0" smtClean="0">
+              <a:rPr lang="tr-TR" sz="4200" b="1" dirty="0">
                 <a:solidFill>
                   <a:srgbClr val="CD1F26"/>
                 </a:solidFill>
@@ -14273,22 +10092,13 @@
               <a:buChar char="ü"/>
             </a:pPr>
             <a:r>
-              <a:rPr lang="en-US" sz="2800" dirty="0" smtClean="0">
-                <a:solidFill>
-                  <a:srgbClr val="404041"/>
-                </a:solidFill>
-                <a:latin typeface="Roboto"/>
-              </a:rPr>
-              <a:t>Interactive </a:t>
-            </a:r>
-            <a:r>
               <a:rPr lang="en-US" sz="2800" dirty="0">
                 <a:solidFill>
                   <a:srgbClr val="404041"/>
                 </a:solidFill>
                 <a:latin typeface="Roboto"/>
               </a:rPr>
-              <a:t>analysis</a:t>
+              <a:t>Interactive analysis</a:t>
             </a:r>
           </a:p>
           <a:p>
@@ -14300,22 +10110,13 @@
               <a:buChar char="ü"/>
             </a:pPr>
             <a:r>
-              <a:rPr lang="en-US" sz="2800" dirty="0" smtClean="0">
-                <a:solidFill>
-                  <a:srgbClr val="404041"/>
-                </a:solidFill>
-                <a:latin typeface="Roboto"/>
-              </a:rPr>
-              <a:t>Stream </a:t>
-            </a:r>
-            <a:r>
               <a:rPr lang="en-US" sz="2800" dirty="0">
                 <a:solidFill>
                   <a:srgbClr val="404041"/>
                 </a:solidFill>
                 <a:latin typeface="Roboto"/>
               </a:rPr>
-              <a:t>processing</a:t>
+              <a:t>Stream processing</a:t>
             </a:r>
           </a:p>
           <a:p>
@@ -14327,22 +10128,13 @@
               <a:buChar char="ü"/>
             </a:pPr>
             <a:r>
-              <a:rPr lang="en-US" sz="2800" dirty="0" smtClean="0">
-                <a:solidFill>
-                  <a:srgbClr val="404041"/>
-                </a:solidFill>
-                <a:latin typeface="Roboto"/>
-              </a:rPr>
-              <a:t>Machine </a:t>
-            </a:r>
-            <a:r>
               <a:rPr lang="en-US" sz="2800" dirty="0">
                 <a:solidFill>
                   <a:srgbClr val="404041"/>
                 </a:solidFill>
                 <a:latin typeface="Roboto"/>
               </a:rPr>
-              <a:t>learning</a:t>
+              <a:t>Machine learning</a:t>
             </a:r>
           </a:p>
           <a:p>
@@ -14354,7 +10146,7 @@
               <a:buChar char="ü"/>
             </a:pPr>
             <a:r>
-              <a:rPr lang="en-US" sz="2800" dirty="0" smtClean="0">
+              <a:rPr lang="en-US" sz="2800" dirty="0">
                 <a:solidFill>
                   <a:srgbClr val="404041"/>
                 </a:solidFill>
@@ -14362,7 +10154,7 @@
               </a:rPr>
               <a:t>Graph computing</a:t>
             </a:r>
-            <a:endParaRPr lang="tr-TR" sz="2800" dirty="0" smtClean="0">
+            <a:endParaRPr lang="tr-TR" sz="2800" dirty="0">
               <a:solidFill>
                 <a:srgbClr val="404041"/>
               </a:solidFill>
@@ -14381,13 +10173,6 @@
   <p:clrMapOvr>
     <a:masterClrMapping/>
   </p:clrMapOvr>
-  <p:timing>
-    <p:tnLst>
-      <p:par>
-        <p:cTn id="1" dur="indefinite" restart="never" nodeType="tmRoot"/>
-      </p:par>
-    </p:tnLst>
-  </p:timing>
 </p:sld>
 </file>
 
@@ -14445,369 +10230,6 @@
           </a:fontRef>
         </p:style>
       </p:cxnSp>
-      <p:grpSp>
-        <p:nvGrpSpPr>
-          <p:cNvPr id="15" name="Grup 14"/>
-          <p:cNvGrpSpPr/>
-          <p:nvPr/>
-        </p:nvGrpSpPr>
-        <p:grpSpPr>
-          <a:xfrm>
-            <a:off x="228596" y="6231467"/>
-            <a:ext cx="3041654" cy="492576"/>
-            <a:chOff x="228596" y="6231467"/>
-            <a:chExt cx="3041654" cy="492576"/>
-          </a:xfrm>
-        </p:grpSpPr>
-        <p:grpSp>
-          <p:nvGrpSpPr>
-            <p:cNvPr id="8" name="Grup 7"/>
-            <p:cNvGrpSpPr/>
-            <p:nvPr/>
-          </p:nvGrpSpPr>
-          <p:grpSpPr>
-            <a:xfrm>
-              <a:off x="228596" y="6231467"/>
-              <a:ext cx="2802471" cy="457084"/>
-              <a:chOff x="127000" y="5901146"/>
-              <a:chExt cx="5156200" cy="838200"/>
-            </a:xfrm>
-          </p:grpSpPr>
-          <p:sp>
-            <p:nvSpPr>
-              <p:cNvPr id="7" name="Dikdörtgen 6"/>
-              <p:cNvSpPr/>
-              <p:nvPr/>
-            </p:nvSpPr>
-            <p:spPr>
-              <a:xfrm>
-                <a:off x="127000" y="5901146"/>
-                <a:ext cx="5156200" cy="838200"/>
-              </a:xfrm>
-              <a:prstGeom prst="rect">
-                <a:avLst/>
-              </a:prstGeom>
-              <a:solidFill>
-                <a:schemeClr val="bg1">
-                  <a:lumMod val="95000"/>
-                </a:schemeClr>
-              </a:solidFill>
-              <a:ln>
-                <a:noFill/>
-              </a:ln>
-            </p:spPr>
-            <p:style>
-              <a:lnRef idx="2">
-                <a:schemeClr val="accent1">
-                  <a:shade val="50000"/>
-                </a:schemeClr>
-              </a:lnRef>
-              <a:fillRef idx="1">
-                <a:schemeClr val="accent1"/>
-              </a:fillRef>
-              <a:effectRef idx="0">
-                <a:schemeClr val="accent1"/>
-              </a:effectRef>
-              <a:fontRef idx="minor">
-                <a:schemeClr val="lt1"/>
-              </a:fontRef>
-            </p:style>
-            <p:txBody>
-              <a:bodyPr rtlCol="0" anchor="ctr"/>
-              <a:lstStyle/>
-              <a:p>
-                <a:pPr algn="ctr"/>
-                <a:endParaRPr lang="en-US" sz="2000"/>
-              </a:p>
-            </p:txBody>
-          </p:sp>
-          <p:grpSp>
-            <p:nvGrpSpPr>
-              <p:cNvPr id="6" name="Grup 5"/>
-              <p:cNvGrpSpPr/>
-              <p:nvPr/>
-            </p:nvGrpSpPr>
-            <p:grpSpPr>
-              <a:xfrm>
-                <a:off x="211667" y="6019800"/>
-                <a:ext cx="5012266" cy="605115"/>
-                <a:chOff x="211667" y="6019800"/>
-                <a:chExt cx="5012266" cy="605115"/>
-              </a:xfrm>
-            </p:grpSpPr>
-            <p:pic>
-              <p:nvPicPr>
-                <p:cNvPr id="4" name="Resim 3"/>
-                <p:cNvPicPr>
-                  <a:picLocks noChangeAspect="1"/>
-                </p:cNvPicPr>
-                <p:nvPr/>
-              </p:nvPicPr>
-              <p:blipFill rotWithShape="1">
-                <a:blip r:embed="rId2" cstate="print">
-                  <a:extLst>
-                    <a:ext uri="{28A0092B-C50C-407E-A947-70E740481C1C}">
-                      <a14:useLocalDpi xmlns:a14="http://schemas.microsoft.com/office/drawing/2010/main" val="0"/>
-                    </a:ext>
-                  </a:extLst>
-                </a:blip>
-                <a:srcRect l="24387" t="8319" r="18355" b="50150"/>
-                <a:stretch/>
-              </p:blipFill>
-              <p:spPr>
-                <a:xfrm>
-                  <a:off x="211667" y="6019800"/>
-                  <a:ext cx="1072095" cy="600892"/>
-                </a:xfrm>
-                <a:prstGeom prst="rect">
-                  <a:avLst/>
-                </a:prstGeom>
-              </p:spPr>
-            </p:pic>
-            <p:sp>
-              <p:nvSpPr>
-                <p:cNvPr id="5" name="Unvan 1"/>
-                <p:cNvSpPr txBox="1">
-                  <a:spLocks/>
-                </p:cNvSpPr>
-                <p:nvPr/>
-              </p:nvSpPr>
-              <p:spPr>
-                <a:xfrm>
-                  <a:off x="1283763" y="6024023"/>
-                  <a:ext cx="3940170" cy="600892"/>
-                </a:xfrm>
-                <a:prstGeom prst="rect">
-                  <a:avLst/>
-                </a:prstGeom>
-              </p:spPr>
-              <p:txBody>
-                <a:bodyPr vert="horz" lIns="91440" tIns="45720" rIns="91440" bIns="45720" rtlCol="0" anchor="b">
-                  <a:noAutofit/>
-                </a:bodyPr>
-                <a:lstStyle>
-                  <a:lvl1pPr algn="ctr" defTabSz="914400" rtl="0" eaLnBrk="1" latinLnBrk="0" hangingPunct="1">
-                    <a:lnSpc>
-                      <a:spcPct val="90000"/>
-                    </a:lnSpc>
-                    <a:spcBef>
-                      <a:spcPct val="0"/>
-                    </a:spcBef>
-                    <a:buNone/>
-                    <a:defRPr sz="6000" kern="1200">
-                      <a:solidFill>
-                        <a:schemeClr val="tx1"/>
-                      </a:solidFill>
-                      <a:latin typeface="+mj-lt"/>
-                      <a:ea typeface="+mj-ea"/>
-                      <a:cs typeface="+mj-cs"/>
-                    </a:defRPr>
-                  </a:lvl1pPr>
-                </a:lstStyle>
-                <a:p>
-                  <a:pPr algn="l"/>
-                  <a:r>
-                    <a:rPr lang="tr-TR" sz="2000" dirty="0" smtClean="0">
-                      <a:solidFill>
-                        <a:srgbClr val="CB171F"/>
-                      </a:solidFill>
-                      <a:latin typeface="Constantia" panose="02030602050306030303" pitchFamily="18" charset="0"/>
-                      <a:ea typeface="Verdana" panose="020B0604030504040204" pitchFamily="34" charset="0"/>
-                      <a:cs typeface="Arial" panose="020B0604020202020204" pitchFamily="34" charset="0"/>
-                    </a:rPr>
-                    <a:t>Veri Bilimi Okulu</a:t>
-                  </a:r>
-                  <a:endParaRPr lang="en-US" sz="2000" dirty="0">
-                    <a:solidFill>
-                      <a:srgbClr val="CB171F"/>
-                    </a:solidFill>
-                    <a:latin typeface="Constantia" panose="02030602050306030303" pitchFamily="18" charset="0"/>
-                    <a:ea typeface="Verdana" panose="020B0604030504040204" pitchFamily="34" charset="0"/>
-                    <a:cs typeface="Arial" panose="020B0604020202020204" pitchFamily="34" charset="0"/>
-                  </a:endParaRPr>
-                </a:p>
-              </p:txBody>
-            </p:sp>
-          </p:grpSp>
-        </p:grpSp>
-        <p:sp>
-          <p:nvSpPr>
-            <p:cNvPr id="12" name="Metin kutusu 11"/>
-            <p:cNvSpPr txBox="1"/>
-            <p:nvPr/>
-          </p:nvSpPr>
-          <p:spPr>
-            <a:xfrm>
-              <a:off x="1582782" y="6493211"/>
-              <a:ext cx="1687468" cy="230832"/>
-            </a:xfrm>
-            <a:prstGeom prst="rect">
-              <a:avLst/>
-            </a:prstGeom>
-            <a:noFill/>
-          </p:spPr>
-          <p:txBody>
-            <a:bodyPr wrap="square" rtlCol="0">
-              <a:spAutoFit/>
-            </a:bodyPr>
-            <a:lstStyle/>
-            <a:p>
-              <a:r>
-                <a:rPr lang="en-US" sz="900" dirty="0" smtClean="0">
-                  <a:solidFill>
-                    <a:srgbClr val="0B8043"/>
-                  </a:solidFill>
-                </a:rPr>
-                <a:t>https:</a:t>
-              </a:r>
-              <a:r>
-                <a:rPr lang="en-US" sz="900" dirty="0" smtClean="0">
-                  <a:solidFill>
-                    <a:schemeClr val="bg1">
-                      <a:lumMod val="50000"/>
-                    </a:schemeClr>
-                  </a:solidFill>
-                </a:rPr>
-                <a:t>//www.veribilimi.co</a:t>
-              </a:r>
-              <a:endParaRPr lang="en-US" sz="900" dirty="0">
-                <a:solidFill>
-                  <a:schemeClr val="bg1">
-                    <a:lumMod val="50000"/>
-                  </a:schemeClr>
-                </a:solidFill>
-              </a:endParaRPr>
-            </a:p>
-          </p:txBody>
-        </p:sp>
-      </p:grpSp>
-      <p:grpSp>
-        <p:nvGrpSpPr>
-          <p:cNvPr id="11" name="Grup 10"/>
-          <p:cNvGrpSpPr/>
-          <p:nvPr/>
-        </p:nvGrpSpPr>
-        <p:grpSpPr>
-          <a:xfrm>
-            <a:off x="9194796" y="6231467"/>
-            <a:ext cx="2802471" cy="457084"/>
-            <a:chOff x="184993" y="5905369"/>
-            <a:chExt cx="5156200" cy="838200"/>
-          </a:xfrm>
-        </p:grpSpPr>
-        <p:sp>
-          <p:nvSpPr>
-            <p:cNvPr id="13" name="Dikdörtgen 12"/>
-            <p:cNvSpPr/>
-            <p:nvPr/>
-          </p:nvSpPr>
-          <p:spPr>
-            <a:xfrm>
-              <a:off x="184993" y="5905369"/>
-              <a:ext cx="5156200" cy="838200"/>
-            </a:xfrm>
-            <a:prstGeom prst="rect">
-              <a:avLst/>
-            </a:prstGeom>
-            <a:solidFill>
-              <a:schemeClr val="bg1">
-                <a:lumMod val="95000"/>
-              </a:schemeClr>
-            </a:solidFill>
-            <a:ln>
-              <a:noFill/>
-            </a:ln>
-          </p:spPr>
-          <p:style>
-            <a:lnRef idx="2">
-              <a:schemeClr val="accent1">
-                <a:shade val="50000"/>
-              </a:schemeClr>
-            </a:lnRef>
-            <a:fillRef idx="1">
-              <a:schemeClr val="accent1"/>
-            </a:fillRef>
-            <a:effectRef idx="0">
-              <a:schemeClr val="accent1"/>
-            </a:effectRef>
-            <a:fontRef idx="minor">
-              <a:schemeClr val="lt1"/>
-            </a:fontRef>
-          </p:style>
-          <p:txBody>
-            <a:bodyPr rtlCol="0" anchor="ctr"/>
-            <a:lstStyle/>
-            <a:p>
-              <a:pPr algn="ctr"/>
-              <a:endParaRPr lang="en-US" sz="2000"/>
-            </a:p>
-          </p:txBody>
-        </p:sp>
-        <p:sp>
-          <p:nvSpPr>
-            <p:cNvPr id="14" name="Unvan 1"/>
-            <p:cNvSpPr txBox="1">
-              <a:spLocks/>
-            </p:cNvSpPr>
-            <p:nvPr/>
-          </p:nvSpPr>
-          <p:spPr>
-            <a:xfrm>
-              <a:off x="302252" y="6024023"/>
-              <a:ext cx="4921678" cy="600892"/>
-            </a:xfrm>
-            <a:prstGeom prst="rect">
-              <a:avLst/>
-            </a:prstGeom>
-          </p:spPr>
-          <p:txBody>
-            <a:bodyPr vert="horz" lIns="91440" tIns="45720" rIns="91440" bIns="45720" rtlCol="0" anchor="b">
-              <a:noAutofit/>
-            </a:bodyPr>
-            <a:lstStyle>
-              <a:lvl1pPr algn="ctr" defTabSz="914400" rtl="0" eaLnBrk="1" latinLnBrk="0" hangingPunct="1">
-                <a:lnSpc>
-                  <a:spcPct val="90000"/>
-                </a:lnSpc>
-                <a:spcBef>
-                  <a:spcPct val="0"/>
-                </a:spcBef>
-                <a:buNone/>
-                <a:defRPr sz="6000" kern="1200">
-                  <a:solidFill>
-                    <a:schemeClr val="tx1"/>
-                  </a:solidFill>
-                  <a:latin typeface="+mj-lt"/>
-                  <a:ea typeface="+mj-ea"/>
-                  <a:cs typeface="+mj-cs"/>
-                </a:defRPr>
-              </a:lvl1pPr>
-            </a:lstStyle>
-            <a:p>
-              <a:pPr algn="l"/>
-              <a:r>
-                <a:rPr lang="tr-TR" sz="2000" dirty="0">
-                  <a:solidFill>
-                    <a:srgbClr val="CB171F"/>
-                  </a:solidFill>
-                  <a:latin typeface="Constantia" panose="02030602050306030303" pitchFamily="18" charset="0"/>
-                  <a:ea typeface="Verdana" panose="020B0604030504040204" pitchFamily="34" charset="0"/>
-                  <a:cs typeface="Arial" panose="020B0604020202020204" pitchFamily="34" charset="0"/>
-                </a:rPr>
-                <a:t>A’dan Z’ye Büyük Veri</a:t>
-              </a:r>
-              <a:endParaRPr lang="en-US" sz="2000" dirty="0">
-                <a:solidFill>
-                  <a:srgbClr val="CB171F"/>
-                </a:solidFill>
-                <a:latin typeface="Constantia" panose="02030602050306030303" pitchFamily="18" charset="0"/>
-                <a:ea typeface="Verdana" panose="020B0604030504040204" pitchFamily="34" charset="0"/>
-                <a:cs typeface="Arial" panose="020B0604020202020204" pitchFamily="34" charset="0"/>
-              </a:endParaRPr>
-            </a:p>
-          </p:txBody>
-        </p:sp>
-      </p:grpSp>
       <p:sp>
         <p:nvSpPr>
           <p:cNvPr id="16" name="Unvan 1"/>
@@ -14831,7 +10253,7 @@
           <a:lstStyle/>
           <a:p>
             <a:r>
-              <a:rPr lang="tr-TR" sz="4200" b="1" dirty="0" err="1" smtClean="0">
+              <a:rPr lang="tr-TR" sz="4200" b="1" dirty="0" err="1">
                 <a:solidFill>
                   <a:srgbClr val="CD1F26"/>
                 </a:solidFill>
@@ -14842,7 +10264,7 @@
               <a:t>Spark</a:t>
             </a:r>
             <a:r>
-              <a:rPr lang="tr-TR" sz="4200" b="1" dirty="0" smtClean="0">
+              <a:rPr lang="tr-TR" sz="4200" b="1" dirty="0">
                 <a:solidFill>
                   <a:srgbClr val="CD1F26"/>
                 </a:solidFill>
@@ -14853,7 +10275,7 @@
               <a:t> </a:t>
             </a:r>
             <a:r>
-              <a:rPr lang="tr-TR" sz="4200" b="1" dirty="0" err="1" smtClean="0">
+              <a:rPr lang="tr-TR" sz="4200" b="1" dirty="0" err="1">
                 <a:solidFill>
                   <a:srgbClr val="CD1F26"/>
                 </a:solidFill>
@@ -15025,7 +10447,7 @@
               <a:p>
                 <a:pPr algn="ctr"/>
                 <a:r>
-                  <a:rPr lang="tr-TR" sz="2400" b="1" dirty="0" err="1" smtClean="0">
+                  <a:rPr lang="tr-TR" sz="2400" b="1" dirty="0" err="1">
                     <a:solidFill>
                       <a:srgbClr val="CD1F26"/>
                     </a:solidFill>
@@ -15035,7 +10457,7 @@
                   <a:t>Spark</a:t>
                 </a:r>
                 <a:r>
-                  <a:rPr lang="tr-TR" sz="2400" b="1" dirty="0" smtClean="0">
+                  <a:rPr lang="tr-TR" sz="2400" b="1" dirty="0">
                     <a:solidFill>
                       <a:srgbClr val="CD1F26"/>
                     </a:solidFill>
@@ -15045,7 +10467,7 @@
                   <a:t> </a:t>
                 </a:r>
                 <a:r>
-                  <a:rPr lang="tr-TR" sz="2400" b="1" dirty="0" err="1" smtClean="0">
+                  <a:rPr lang="tr-TR" sz="2400" b="1" dirty="0" err="1">
                     <a:solidFill>
                       <a:srgbClr val="CD1F26"/>
                     </a:solidFill>
@@ -15055,7 +10477,7 @@
                   <a:t>Core</a:t>
                 </a:r>
                 <a:r>
-                  <a:rPr lang="tr-TR" sz="2400" dirty="0" smtClean="0">
+                  <a:rPr lang="tr-TR" sz="2400" dirty="0">
                     <a:latin typeface="Arial" panose="020B0604020202020204" pitchFamily="34" charset="0"/>
                     <a:cs typeface="Arial" panose="020B0604020202020204" pitchFamily="34" charset="0"/>
                   </a:rPr>
@@ -15065,21 +10487,21 @@
               <a:p>
                 <a:pPr algn="ctr"/>
                 <a:r>
-                  <a:rPr lang="tr-TR" b="1" dirty="0" err="1" smtClean="0">
+                  <a:rPr lang="tr-TR" b="1" dirty="0" err="1">
                     <a:latin typeface="Arial" panose="020B0604020202020204" pitchFamily="34" charset="0"/>
                     <a:cs typeface="Arial" panose="020B0604020202020204" pitchFamily="34" charset="0"/>
                   </a:rPr>
                   <a:t>Unstructured</a:t>
                 </a:r>
                 <a:r>
-                  <a:rPr lang="tr-TR" b="1" dirty="0" smtClean="0">
+                  <a:rPr lang="tr-TR" b="1" dirty="0">
                     <a:latin typeface="Arial" panose="020B0604020202020204" pitchFamily="34" charset="0"/>
                     <a:cs typeface="Arial" panose="020B0604020202020204" pitchFamily="34" charset="0"/>
                   </a:rPr>
                   <a:t>:</a:t>
                 </a:r>
                 <a:r>
-                  <a:rPr lang="tr-TR" dirty="0" smtClean="0">
+                  <a:rPr lang="tr-TR" dirty="0">
                     <a:latin typeface="Arial" panose="020B0604020202020204" pitchFamily="34" charset="0"/>
                     <a:cs typeface="Arial" panose="020B0604020202020204" pitchFamily="34" charset="0"/>
                   </a:rPr>
@@ -15106,36 +10528,36 @@
                   <a:t> Broadcast </a:t>
                 </a:r>
                 <a:r>
-                  <a:rPr lang="tr-TR" dirty="0" err="1" smtClean="0"/>
+                  <a:rPr lang="tr-TR" dirty="0" err="1"/>
                   <a:t>variables</a:t>
                 </a:r>
-                <a:endParaRPr lang="tr-TR" dirty="0" smtClean="0"/>
+                <a:endParaRPr lang="tr-TR" dirty="0"/>
               </a:p>
               <a:p>
                 <a:pPr algn="ctr"/>
                 <a:r>
-                  <a:rPr lang="tr-TR" b="1" dirty="0" err="1" smtClean="0">
+                  <a:rPr lang="tr-TR" b="1" dirty="0" err="1">
                     <a:latin typeface="Arial" panose="020B0604020202020204" pitchFamily="34" charset="0"/>
                     <a:cs typeface="Arial" panose="020B0604020202020204" pitchFamily="34" charset="0"/>
                   </a:rPr>
                   <a:t>Structured</a:t>
                 </a:r>
                 <a:r>
-                  <a:rPr lang="tr-TR" b="1" dirty="0" smtClean="0">
+                  <a:rPr lang="tr-TR" b="1" dirty="0">
                     <a:latin typeface="Arial" panose="020B0604020202020204" pitchFamily="34" charset="0"/>
                     <a:cs typeface="Arial" panose="020B0604020202020204" pitchFamily="34" charset="0"/>
                   </a:rPr>
                   <a:t>:</a:t>
                 </a:r>
                 <a:r>
-                  <a:rPr lang="tr-TR" dirty="0" smtClean="0">
+                  <a:rPr lang="tr-TR" dirty="0">
                     <a:latin typeface="Arial" panose="020B0604020202020204" pitchFamily="34" charset="0"/>
                     <a:cs typeface="Arial" panose="020B0604020202020204" pitchFamily="34" charset="0"/>
                   </a:rPr>
                   <a:t> </a:t>
                 </a:r>
                 <a:r>
-                  <a:rPr lang="tr-TR" dirty="0" err="1" smtClean="0"/>
+                  <a:rPr lang="tr-TR" dirty="0" err="1"/>
                   <a:t>DataFrames</a:t>
                 </a:r>
                 <a:r>
@@ -15303,7 +10725,7 @@
               <a:p>
                 <a:pPr algn="ctr"/>
                 <a:r>
-                  <a:rPr lang="tr-TR" b="1" dirty="0" err="1" smtClean="0">
+                  <a:rPr lang="tr-TR" b="1" dirty="0" err="1">
                     <a:solidFill>
                       <a:srgbClr val="CD1F26"/>
                     </a:solidFill>
@@ -15313,7 +10735,7 @@
                   <a:t>Spark</a:t>
                 </a:r>
                 <a:r>
-                  <a:rPr lang="tr-TR" b="1" dirty="0" smtClean="0">
+                  <a:rPr lang="tr-TR" b="1" dirty="0">
                     <a:solidFill>
                       <a:srgbClr val="CD1F26"/>
                     </a:solidFill>
@@ -15470,7 +10892,7 @@
               <a:p>
                 <a:pPr algn="ctr"/>
                 <a:r>
-                  <a:rPr lang="tr-TR" b="1" dirty="0" err="1" smtClean="0">
+                  <a:rPr lang="tr-TR" b="1" dirty="0" err="1">
                     <a:solidFill>
                       <a:srgbClr val="CD1F26"/>
                     </a:solidFill>
@@ -15480,7 +10902,7 @@
                   <a:t>Spark</a:t>
                 </a:r>
                 <a:r>
-                  <a:rPr lang="tr-TR" b="1" dirty="0" smtClean="0">
+                  <a:rPr lang="tr-TR" b="1" dirty="0">
                     <a:solidFill>
                       <a:srgbClr val="CD1F26"/>
                     </a:solidFill>
@@ -15490,7 +10912,7 @@
                   <a:t> </a:t>
                 </a:r>
                 <a:r>
-                  <a:rPr lang="tr-TR" b="1" dirty="0" err="1" smtClean="0">
+                  <a:rPr lang="tr-TR" b="1" dirty="0" err="1">
                     <a:solidFill>
                       <a:srgbClr val="CD1F26"/>
                     </a:solidFill>
@@ -15647,7 +11069,7 @@
               <a:p>
                 <a:pPr algn="ctr"/>
                 <a:r>
-                  <a:rPr lang="tr-TR" b="1" dirty="0" err="1" smtClean="0">
+                  <a:rPr lang="tr-TR" b="1" dirty="0" err="1">
                     <a:solidFill>
                       <a:srgbClr val="CD1F26"/>
                     </a:solidFill>
@@ -15657,7 +11079,7 @@
                   <a:t>Spark</a:t>
                 </a:r>
                 <a:r>
-                  <a:rPr lang="tr-TR" b="1" dirty="0" smtClean="0">
+                  <a:rPr lang="tr-TR" b="1" dirty="0">
                     <a:solidFill>
                       <a:srgbClr val="CD1F26"/>
                     </a:solidFill>
@@ -15667,7 +11089,7 @@
                   <a:t> </a:t>
                 </a:r>
                 <a:r>
-                  <a:rPr lang="tr-TR" b="1" dirty="0" err="1" smtClean="0">
+                  <a:rPr lang="tr-TR" b="1" dirty="0" err="1">
                     <a:solidFill>
                       <a:srgbClr val="CD1F26"/>
                     </a:solidFill>
@@ -15824,7 +11246,7 @@
               <a:p>
                 <a:pPr algn="ctr"/>
                 <a:r>
-                  <a:rPr lang="tr-TR" b="1" dirty="0" err="1" smtClean="0">
+                  <a:rPr lang="tr-TR" b="1" dirty="0" err="1">
                     <a:solidFill>
                       <a:srgbClr val="CD1F26"/>
                     </a:solidFill>
@@ -15834,7 +11256,7 @@
                   <a:t>Spark</a:t>
                 </a:r>
                 <a:r>
-                  <a:rPr lang="tr-TR" b="1" dirty="0" smtClean="0">
+                  <a:rPr lang="tr-TR" b="1" dirty="0">
                     <a:solidFill>
                       <a:srgbClr val="CD1F26"/>
                     </a:solidFill>
@@ -15844,7 +11266,7 @@
                   <a:t> </a:t>
                 </a:r>
                 <a:r>
-                  <a:rPr lang="tr-TR" b="1" dirty="0" err="1" smtClean="0">
+                  <a:rPr lang="tr-TR" b="1" dirty="0" err="1">
                     <a:solidFill>
                       <a:srgbClr val="CD1F26"/>
                     </a:solidFill>
@@ -15875,13 +11297,6 @@
   <p:clrMapOvr>
     <a:masterClrMapping/>
   </p:clrMapOvr>
-  <p:timing>
-    <p:tnLst>
-      <p:par>
-        <p:cTn id="1" dur="indefinite" restart="never" nodeType="tmRoot"/>
-      </p:par>
-    </p:tnLst>
-  </p:timing>
 </p:sld>
 </file>
 
@@ -15939,369 +11354,6 @@
           </a:fontRef>
         </p:style>
       </p:cxnSp>
-      <p:grpSp>
-        <p:nvGrpSpPr>
-          <p:cNvPr id="15" name="Grup 14"/>
-          <p:cNvGrpSpPr/>
-          <p:nvPr/>
-        </p:nvGrpSpPr>
-        <p:grpSpPr>
-          <a:xfrm>
-            <a:off x="228596" y="6231467"/>
-            <a:ext cx="3041654" cy="492576"/>
-            <a:chOff x="228596" y="6231467"/>
-            <a:chExt cx="3041654" cy="492576"/>
-          </a:xfrm>
-        </p:grpSpPr>
-        <p:grpSp>
-          <p:nvGrpSpPr>
-            <p:cNvPr id="8" name="Grup 7"/>
-            <p:cNvGrpSpPr/>
-            <p:nvPr/>
-          </p:nvGrpSpPr>
-          <p:grpSpPr>
-            <a:xfrm>
-              <a:off x="228596" y="6231467"/>
-              <a:ext cx="2802471" cy="457084"/>
-              <a:chOff x="127000" y="5901146"/>
-              <a:chExt cx="5156200" cy="838200"/>
-            </a:xfrm>
-          </p:grpSpPr>
-          <p:sp>
-            <p:nvSpPr>
-              <p:cNvPr id="7" name="Dikdörtgen 6"/>
-              <p:cNvSpPr/>
-              <p:nvPr/>
-            </p:nvSpPr>
-            <p:spPr>
-              <a:xfrm>
-                <a:off x="127000" y="5901146"/>
-                <a:ext cx="5156200" cy="838200"/>
-              </a:xfrm>
-              <a:prstGeom prst="rect">
-                <a:avLst/>
-              </a:prstGeom>
-              <a:solidFill>
-                <a:schemeClr val="bg1">
-                  <a:lumMod val="95000"/>
-                </a:schemeClr>
-              </a:solidFill>
-              <a:ln>
-                <a:noFill/>
-              </a:ln>
-            </p:spPr>
-            <p:style>
-              <a:lnRef idx="2">
-                <a:schemeClr val="accent1">
-                  <a:shade val="50000"/>
-                </a:schemeClr>
-              </a:lnRef>
-              <a:fillRef idx="1">
-                <a:schemeClr val="accent1"/>
-              </a:fillRef>
-              <a:effectRef idx="0">
-                <a:schemeClr val="accent1"/>
-              </a:effectRef>
-              <a:fontRef idx="minor">
-                <a:schemeClr val="lt1"/>
-              </a:fontRef>
-            </p:style>
-            <p:txBody>
-              <a:bodyPr rtlCol="0" anchor="ctr"/>
-              <a:lstStyle/>
-              <a:p>
-                <a:pPr algn="ctr"/>
-                <a:endParaRPr lang="en-US" sz="2000"/>
-              </a:p>
-            </p:txBody>
-          </p:sp>
-          <p:grpSp>
-            <p:nvGrpSpPr>
-              <p:cNvPr id="6" name="Grup 5"/>
-              <p:cNvGrpSpPr/>
-              <p:nvPr/>
-            </p:nvGrpSpPr>
-            <p:grpSpPr>
-              <a:xfrm>
-                <a:off x="211667" y="6019800"/>
-                <a:ext cx="5012266" cy="605115"/>
-                <a:chOff x="211667" y="6019800"/>
-                <a:chExt cx="5012266" cy="605115"/>
-              </a:xfrm>
-            </p:grpSpPr>
-            <p:pic>
-              <p:nvPicPr>
-                <p:cNvPr id="4" name="Resim 3"/>
-                <p:cNvPicPr>
-                  <a:picLocks noChangeAspect="1"/>
-                </p:cNvPicPr>
-                <p:nvPr/>
-              </p:nvPicPr>
-              <p:blipFill rotWithShape="1">
-                <a:blip r:embed="rId2" cstate="print">
-                  <a:extLst>
-                    <a:ext uri="{28A0092B-C50C-407E-A947-70E740481C1C}">
-                      <a14:useLocalDpi xmlns:a14="http://schemas.microsoft.com/office/drawing/2010/main" val="0"/>
-                    </a:ext>
-                  </a:extLst>
-                </a:blip>
-                <a:srcRect l="24387" t="8319" r="18355" b="50150"/>
-                <a:stretch/>
-              </p:blipFill>
-              <p:spPr>
-                <a:xfrm>
-                  <a:off x="211667" y="6019800"/>
-                  <a:ext cx="1072095" cy="600892"/>
-                </a:xfrm>
-                <a:prstGeom prst="rect">
-                  <a:avLst/>
-                </a:prstGeom>
-              </p:spPr>
-            </p:pic>
-            <p:sp>
-              <p:nvSpPr>
-                <p:cNvPr id="5" name="Unvan 1"/>
-                <p:cNvSpPr txBox="1">
-                  <a:spLocks/>
-                </p:cNvSpPr>
-                <p:nvPr/>
-              </p:nvSpPr>
-              <p:spPr>
-                <a:xfrm>
-                  <a:off x="1283763" y="6024023"/>
-                  <a:ext cx="3940170" cy="600892"/>
-                </a:xfrm>
-                <a:prstGeom prst="rect">
-                  <a:avLst/>
-                </a:prstGeom>
-              </p:spPr>
-              <p:txBody>
-                <a:bodyPr vert="horz" lIns="91440" tIns="45720" rIns="91440" bIns="45720" rtlCol="0" anchor="b">
-                  <a:noAutofit/>
-                </a:bodyPr>
-                <a:lstStyle>
-                  <a:lvl1pPr algn="ctr" defTabSz="914400" rtl="0" eaLnBrk="1" latinLnBrk="0" hangingPunct="1">
-                    <a:lnSpc>
-                      <a:spcPct val="90000"/>
-                    </a:lnSpc>
-                    <a:spcBef>
-                      <a:spcPct val="0"/>
-                    </a:spcBef>
-                    <a:buNone/>
-                    <a:defRPr sz="6000" kern="1200">
-                      <a:solidFill>
-                        <a:schemeClr val="tx1"/>
-                      </a:solidFill>
-                      <a:latin typeface="+mj-lt"/>
-                      <a:ea typeface="+mj-ea"/>
-                      <a:cs typeface="+mj-cs"/>
-                    </a:defRPr>
-                  </a:lvl1pPr>
-                </a:lstStyle>
-                <a:p>
-                  <a:pPr algn="l"/>
-                  <a:r>
-                    <a:rPr lang="tr-TR" sz="2000" dirty="0" smtClean="0">
-                      <a:solidFill>
-                        <a:srgbClr val="CB171F"/>
-                      </a:solidFill>
-                      <a:latin typeface="Constantia" panose="02030602050306030303" pitchFamily="18" charset="0"/>
-                      <a:ea typeface="Verdana" panose="020B0604030504040204" pitchFamily="34" charset="0"/>
-                      <a:cs typeface="Arial" panose="020B0604020202020204" pitchFamily="34" charset="0"/>
-                    </a:rPr>
-                    <a:t>Veri Bilimi Okulu</a:t>
-                  </a:r>
-                  <a:endParaRPr lang="en-US" sz="2000" dirty="0">
-                    <a:solidFill>
-                      <a:srgbClr val="CB171F"/>
-                    </a:solidFill>
-                    <a:latin typeface="Constantia" panose="02030602050306030303" pitchFamily="18" charset="0"/>
-                    <a:ea typeface="Verdana" panose="020B0604030504040204" pitchFamily="34" charset="0"/>
-                    <a:cs typeface="Arial" panose="020B0604020202020204" pitchFamily="34" charset="0"/>
-                  </a:endParaRPr>
-                </a:p>
-              </p:txBody>
-            </p:sp>
-          </p:grpSp>
-        </p:grpSp>
-        <p:sp>
-          <p:nvSpPr>
-            <p:cNvPr id="12" name="Metin kutusu 11"/>
-            <p:cNvSpPr txBox="1"/>
-            <p:nvPr/>
-          </p:nvSpPr>
-          <p:spPr>
-            <a:xfrm>
-              <a:off x="1582782" y="6493211"/>
-              <a:ext cx="1687468" cy="230832"/>
-            </a:xfrm>
-            <a:prstGeom prst="rect">
-              <a:avLst/>
-            </a:prstGeom>
-            <a:noFill/>
-          </p:spPr>
-          <p:txBody>
-            <a:bodyPr wrap="square" rtlCol="0">
-              <a:spAutoFit/>
-            </a:bodyPr>
-            <a:lstStyle/>
-            <a:p>
-              <a:r>
-                <a:rPr lang="en-US" sz="900" dirty="0" smtClean="0">
-                  <a:solidFill>
-                    <a:srgbClr val="0B8043"/>
-                  </a:solidFill>
-                </a:rPr>
-                <a:t>https:</a:t>
-              </a:r>
-              <a:r>
-                <a:rPr lang="en-US" sz="900" dirty="0" smtClean="0">
-                  <a:solidFill>
-                    <a:schemeClr val="bg1">
-                      <a:lumMod val="50000"/>
-                    </a:schemeClr>
-                  </a:solidFill>
-                </a:rPr>
-                <a:t>//www.veribilimi.co</a:t>
-              </a:r>
-              <a:endParaRPr lang="en-US" sz="900" dirty="0">
-                <a:solidFill>
-                  <a:schemeClr val="bg1">
-                    <a:lumMod val="50000"/>
-                  </a:schemeClr>
-                </a:solidFill>
-              </a:endParaRPr>
-            </a:p>
-          </p:txBody>
-        </p:sp>
-      </p:grpSp>
-      <p:grpSp>
-        <p:nvGrpSpPr>
-          <p:cNvPr id="11" name="Grup 10"/>
-          <p:cNvGrpSpPr/>
-          <p:nvPr/>
-        </p:nvGrpSpPr>
-        <p:grpSpPr>
-          <a:xfrm>
-            <a:off x="9194796" y="6231467"/>
-            <a:ext cx="2802471" cy="457084"/>
-            <a:chOff x="184993" y="5905369"/>
-            <a:chExt cx="5156200" cy="838200"/>
-          </a:xfrm>
-        </p:grpSpPr>
-        <p:sp>
-          <p:nvSpPr>
-            <p:cNvPr id="13" name="Dikdörtgen 12"/>
-            <p:cNvSpPr/>
-            <p:nvPr/>
-          </p:nvSpPr>
-          <p:spPr>
-            <a:xfrm>
-              <a:off x="184993" y="5905369"/>
-              <a:ext cx="5156200" cy="838200"/>
-            </a:xfrm>
-            <a:prstGeom prst="rect">
-              <a:avLst/>
-            </a:prstGeom>
-            <a:solidFill>
-              <a:schemeClr val="bg1">
-                <a:lumMod val="95000"/>
-              </a:schemeClr>
-            </a:solidFill>
-            <a:ln>
-              <a:noFill/>
-            </a:ln>
-          </p:spPr>
-          <p:style>
-            <a:lnRef idx="2">
-              <a:schemeClr val="accent1">
-                <a:shade val="50000"/>
-              </a:schemeClr>
-            </a:lnRef>
-            <a:fillRef idx="1">
-              <a:schemeClr val="accent1"/>
-            </a:fillRef>
-            <a:effectRef idx="0">
-              <a:schemeClr val="accent1"/>
-            </a:effectRef>
-            <a:fontRef idx="minor">
-              <a:schemeClr val="lt1"/>
-            </a:fontRef>
-          </p:style>
-          <p:txBody>
-            <a:bodyPr rtlCol="0" anchor="ctr"/>
-            <a:lstStyle/>
-            <a:p>
-              <a:pPr algn="ctr"/>
-              <a:endParaRPr lang="en-US" sz="2000"/>
-            </a:p>
-          </p:txBody>
-        </p:sp>
-        <p:sp>
-          <p:nvSpPr>
-            <p:cNvPr id="14" name="Unvan 1"/>
-            <p:cNvSpPr txBox="1">
-              <a:spLocks/>
-            </p:cNvSpPr>
-            <p:nvPr/>
-          </p:nvSpPr>
-          <p:spPr>
-            <a:xfrm>
-              <a:off x="302252" y="6024023"/>
-              <a:ext cx="4921678" cy="600892"/>
-            </a:xfrm>
-            <a:prstGeom prst="rect">
-              <a:avLst/>
-            </a:prstGeom>
-          </p:spPr>
-          <p:txBody>
-            <a:bodyPr vert="horz" lIns="91440" tIns="45720" rIns="91440" bIns="45720" rtlCol="0" anchor="b">
-              <a:noAutofit/>
-            </a:bodyPr>
-            <a:lstStyle>
-              <a:lvl1pPr algn="ctr" defTabSz="914400" rtl="0" eaLnBrk="1" latinLnBrk="0" hangingPunct="1">
-                <a:lnSpc>
-                  <a:spcPct val="90000"/>
-                </a:lnSpc>
-                <a:spcBef>
-                  <a:spcPct val="0"/>
-                </a:spcBef>
-                <a:buNone/>
-                <a:defRPr sz="6000" kern="1200">
-                  <a:solidFill>
-                    <a:schemeClr val="tx1"/>
-                  </a:solidFill>
-                  <a:latin typeface="+mj-lt"/>
-                  <a:ea typeface="+mj-ea"/>
-                  <a:cs typeface="+mj-cs"/>
-                </a:defRPr>
-              </a:lvl1pPr>
-            </a:lstStyle>
-            <a:p>
-              <a:pPr algn="l"/>
-              <a:r>
-                <a:rPr lang="tr-TR" sz="2000" dirty="0">
-                  <a:solidFill>
-                    <a:srgbClr val="CB171F"/>
-                  </a:solidFill>
-                  <a:latin typeface="Constantia" panose="02030602050306030303" pitchFamily="18" charset="0"/>
-                  <a:ea typeface="Verdana" panose="020B0604030504040204" pitchFamily="34" charset="0"/>
-                  <a:cs typeface="Arial" panose="020B0604020202020204" pitchFamily="34" charset="0"/>
-                </a:rPr>
-                <a:t>A’dan Z’ye Büyük Veri</a:t>
-              </a:r>
-              <a:endParaRPr lang="en-US" sz="2000" dirty="0">
-                <a:solidFill>
-                  <a:srgbClr val="CB171F"/>
-                </a:solidFill>
-                <a:latin typeface="Constantia" panose="02030602050306030303" pitchFamily="18" charset="0"/>
-                <a:ea typeface="Verdana" panose="020B0604030504040204" pitchFamily="34" charset="0"/>
-                <a:cs typeface="Arial" panose="020B0604020202020204" pitchFamily="34" charset="0"/>
-              </a:endParaRPr>
-            </a:p>
-          </p:txBody>
-        </p:sp>
-      </p:grpSp>
       <p:sp>
         <p:nvSpPr>
           <p:cNvPr id="16" name="Unvan 1"/>
@@ -16325,7 +11377,7 @@
           <a:lstStyle/>
           <a:p>
             <a:r>
-              <a:rPr lang="tr-TR" sz="4200" b="1" dirty="0" err="1" smtClean="0">
+              <a:rPr lang="tr-TR" sz="4200" b="1" dirty="0" err="1">
                 <a:solidFill>
                   <a:srgbClr val="CD1F26"/>
                 </a:solidFill>
@@ -16336,7 +11388,7 @@
               <a:t>Spark</a:t>
             </a:r>
             <a:r>
-              <a:rPr lang="tr-TR" sz="4200" b="1" dirty="0" smtClean="0">
+              <a:rPr lang="tr-TR" sz="4200" b="1" dirty="0">
                 <a:solidFill>
                   <a:srgbClr val="CD1F26"/>
                 </a:solidFill>
@@ -16386,7 +11438,7 @@
               <a:buChar char="ü"/>
             </a:pPr>
             <a:r>
-              <a:rPr lang="tr-TR" sz="2400" dirty="0" err="1" smtClean="0">
+              <a:rPr lang="tr-TR" sz="2400" dirty="0" err="1">
                 <a:solidFill>
                   <a:srgbClr val="404041"/>
                 </a:solidFill>
@@ -16395,7 +11447,7 @@
               <a:t>Scala</a:t>
             </a:r>
             <a:r>
-              <a:rPr lang="tr-TR" sz="2400" dirty="0" smtClean="0">
+              <a:rPr lang="tr-TR" sz="2400" dirty="0">
                 <a:solidFill>
                   <a:srgbClr val="404041"/>
                 </a:solidFill>
@@ -16413,7 +11465,7 @@
               <a:buChar char="ü"/>
             </a:pPr>
             <a:r>
-              <a:rPr lang="tr-TR" sz="2400" dirty="0" err="1" smtClean="0">
+              <a:rPr lang="tr-TR" sz="2400" dirty="0" err="1">
                 <a:solidFill>
                   <a:srgbClr val="404041"/>
                 </a:solidFill>
@@ -16422,7 +11474,7 @@
               <a:t>Python</a:t>
             </a:r>
             <a:r>
-              <a:rPr lang="tr-TR" sz="2400" dirty="0" smtClean="0">
+              <a:rPr lang="tr-TR" sz="2400" dirty="0">
                 <a:solidFill>
                   <a:srgbClr val="404041"/>
                 </a:solidFill>
@@ -16431,7 +11483,7 @@
               <a:t>: 	</a:t>
             </a:r>
             <a:r>
-              <a:rPr lang="tr-TR" sz="2400" dirty="0" err="1" smtClean="0">
+              <a:rPr lang="tr-TR" sz="2400" dirty="0" err="1">
                 <a:solidFill>
                   <a:srgbClr val="404041"/>
                 </a:solidFill>
@@ -16440,7 +11492,7 @@
               <a:t>PySpark</a:t>
             </a:r>
             <a:r>
-              <a:rPr lang="tr-TR" sz="2400" dirty="0" smtClean="0">
+              <a:rPr lang="tr-TR" sz="2400" dirty="0">
                 <a:solidFill>
                   <a:srgbClr val="404041"/>
                 </a:solidFill>
@@ -16458,7 +11510,7 @@
               <a:buChar char="ü"/>
             </a:pPr>
             <a:r>
-              <a:rPr lang="tr-TR" sz="2400" dirty="0" smtClean="0">
+              <a:rPr lang="tr-TR" sz="2400" dirty="0">
                 <a:solidFill>
                   <a:srgbClr val="404041"/>
                 </a:solidFill>
@@ -16476,7 +11528,7 @@
               <a:buChar char="ü"/>
             </a:pPr>
             <a:r>
-              <a:rPr lang="tr-TR" sz="2400" dirty="0" smtClean="0">
+              <a:rPr lang="tr-TR" sz="2400" dirty="0">
                 <a:solidFill>
                   <a:srgbClr val="404041"/>
                 </a:solidFill>
@@ -16494,7 +11546,7 @@
               <a:buChar char="ü"/>
             </a:pPr>
             <a:r>
-              <a:rPr lang="tr-TR" sz="2400" dirty="0" smtClean="0">
+              <a:rPr lang="tr-TR" sz="2400" dirty="0">
                 <a:solidFill>
                   <a:srgbClr val="404041"/>
                 </a:solidFill>
@@ -16503,7 +11555,7 @@
               <a:t>R: 		</a:t>
             </a:r>
             <a:r>
-              <a:rPr lang="tr-TR" sz="2400" dirty="0" err="1" smtClean="0">
+              <a:rPr lang="tr-TR" sz="2400" dirty="0" err="1">
                 <a:solidFill>
                   <a:srgbClr val="404041"/>
                 </a:solidFill>
@@ -16512,7 +11564,7 @@
               <a:t>SparkR</a:t>
             </a:r>
             <a:r>
-              <a:rPr lang="tr-TR" sz="2400" dirty="0" smtClean="0">
+              <a:rPr lang="tr-TR" sz="2400" dirty="0">
                 <a:solidFill>
                   <a:srgbClr val="404041"/>
                 </a:solidFill>
@@ -16521,7 +11573,7 @@
               <a:t> = </a:t>
             </a:r>
             <a:r>
-              <a:rPr lang="tr-TR" sz="2400" dirty="0" err="1" smtClean="0">
+              <a:rPr lang="tr-TR" sz="2400" dirty="0" err="1">
                 <a:solidFill>
                   <a:srgbClr val="404041"/>
                 </a:solidFill>
@@ -16529,7 +11581,7 @@
               </a:rPr>
               <a:t>Sparklyr</a:t>
             </a:r>
-            <a:endParaRPr lang="tr-TR" sz="2400" dirty="0" smtClean="0">
+            <a:endParaRPr lang="tr-TR" sz="2400" dirty="0">
               <a:solidFill>
                 <a:srgbClr val="404041"/>
               </a:solidFill>
@@ -16544,7 +11596,7 @@
               <a:buFont typeface="Wingdings" panose="05000000000000000000" pitchFamily="2" charset="2"/>
               <a:buChar char="ü"/>
             </a:pPr>
-            <a:endParaRPr lang="tr-TR" sz="2400" dirty="0" smtClean="0">
+            <a:endParaRPr lang="tr-TR" sz="2400" dirty="0">
               <a:solidFill>
                 <a:srgbClr val="404041"/>
               </a:solidFill>
@@ -16559,7 +11611,7 @@
               <a:buFont typeface="Wingdings" panose="05000000000000000000" pitchFamily="2" charset="2"/>
               <a:buChar char="ü"/>
             </a:pPr>
-            <a:endParaRPr lang="tr-TR" sz="2400" dirty="0" smtClean="0">
+            <a:endParaRPr lang="tr-TR" sz="2400" dirty="0">
               <a:solidFill>
                 <a:srgbClr val="404041"/>
               </a:solidFill>
@@ -16578,13 +11630,6 @@
   <p:clrMapOvr>
     <a:masterClrMapping/>
   </p:clrMapOvr>
-  <p:timing>
-    <p:tnLst>
-      <p:par>
-        <p:cTn id="1" dur="indefinite" restart="never" nodeType="tmRoot"/>
-      </p:par>
-    </p:tnLst>
-  </p:timing>
 </p:sld>
 </file>
 
@@ -16642,369 +11687,6 @@
           </a:fontRef>
         </p:style>
       </p:cxnSp>
-      <p:grpSp>
-        <p:nvGrpSpPr>
-          <p:cNvPr id="15" name="Grup 14"/>
-          <p:cNvGrpSpPr/>
-          <p:nvPr/>
-        </p:nvGrpSpPr>
-        <p:grpSpPr>
-          <a:xfrm>
-            <a:off x="228596" y="6231467"/>
-            <a:ext cx="3041654" cy="492576"/>
-            <a:chOff x="228596" y="6231467"/>
-            <a:chExt cx="3041654" cy="492576"/>
-          </a:xfrm>
-        </p:grpSpPr>
-        <p:grpSp>
-          <p:nvGrpSpPr>
-            <p:cNvPr id="8" name="Grup 7"/>
-            <p:cNvGrpSpPr/>
-            <p:nvPr/>
-          </p:nvGrpSpPr>
-          <p:grpSpPr>
-            <a:xfrm>
-              <a:off x="228596" y="6231467"/>
-              <a:ext cx="2802471" cy="457084"/>
-              <a:chOff x="127000" y="5901146"/>
-              <a:chExt cx="5156200" cy="838200"/>
-            </a:xfrm>
-          </p:grpSpPr>
-          <p:sp>
-            <p:nvSpPr>
-              <p:cNvPr id="7" name="Dikdörtgen 6"/>
-              <p:cNvSpPr/>
-              <p:nvPr/>
-            </p:nvSpPr>
-            <p:spPr>
-              <a:xfrm>
-                <a:off x="127000" y="5901146"/>
-                <a:ext cx="5156200" cy="838200"/>
-              </a:xfrm>
-              <a:prstGeom prst="rect">
-                <a:avLst/>
-              </a:prstGeom>
-              <a:solidFill>
-                <a:schemeClr val="bg1">
-                  <a:lumMod val="95000"/>
-                </a:schemeClr>
-              </a:solidFill>
-              <a:ln>
-                <a:noFill/>
-              </a:ln>
-            </p:spPr>
-            <p:style>
-              <a:lnRef idx="2">
-                <a:schemeClr val="accent1">
-                  <a:shade val="50000"/>
-                </a:schemeClr>
-              </a:lnRef>
-              <a:fillRef idx="1">
-                <a:schemeClr val="accent1"/>
-              </a:fillRef>
-              <a:effectRef idx="0">
-                <a:schemeClr val="accent1"/>
-              </a:effectRef>
-              <a:fontRef idx="minor">
-                <a:schemeClr val="lt1"/>
-              </a:fontRef>
-            </p:style>
-            <p:txBody>
-              <a:bodyPr rtlCol="0" anchor="ctr"/>
-              <a:lstStyle/>
-              <a:p>
-                <a:pPr algn="ctr"/>
-                <a:endParaRPr lang="en-US" sz="2000"/>
-              </a:p>
-            </p:txBody>
-          </p:sp>
-          <p:grpSp>
-            <p:nvGrpSpPr>
-              <p:cNvPr id="6" name="Grup 5"/>
-              <p:cNvGrpSpPr/>
-              <p:nvPr/>
-            </p:nvGrpSpPr>
-            <p:grpSpPr>
-              <a:xfrm>
-                <a:off x="211667" y="6019800"/>
-                <a:ext cx="5012266" cy="605115"/>
-                <a:chOff x="211667" y="6019800"/>
-                <a:chExt cx="5012266" cy="605115"/>
-              </a:xfrm>
-            </p:grpSpPr>
-            <p:pic>
-              <p:nvPicPr>
-                <p:cNvPr id="4" name="Resim 3"/>
-                <p:cNvPicPr>
-                  <a:picLocks noChangeAspect="1"/>
-                </p:cNvPicPr>
-                <p:nvPr/>
-              </p:nvPicPr>
-              <p:blipFill rotWithShape="1">
-                <a:blip r:embed="rId2" cstate="print">
-                  <a:extLst>
-                    <a:ext uri="{28A0092B-C50C-407E-A947-70E740481C1C}">
-                      <a14:useLocalDpi xmlns:a14="http://schemas.microsoft.com/office/drawing/2010/main" val="0"/>
-                    </a:ext>
-                  </a:extLst>
-                </a:blip>
-                <a:srcRect l="24387" t="8319" r="18355" b="50150"/>
-                <a:stretch/>
-              </p:blipFill>
-              <p:spPr>
-                <a:xfrm>
-                  <a:off x="211667" y="6019800"/>
-                  <a:ext cx="1072095" cy="600892"/>
-                </a:xfrm>
-                <a:prstGeom prst="rect">
-                  <a:avLst/>
-                </a:prstGeom>
-              </p:spPr>
-            </p:pic>
-            <p:sp>
-              <p:nvSpPr>
-                <p:cNvPr id="5" name="Unvan 1"/>
-                <p:cNvSpPr txBox="1">
-                  <a:spLocks/>
-                </p:cNvSpPr>
-                <p:nvPr/>
-              </p:nvSpPr>
-              <p:spPr>
-                <a:xfrm>
-                  <a:off x="1283763" y="6024023"/>
-                  <a:ext cx="3940170" cy="600892"/>
-                </a:xfrm>
-                <a:prstGeom prst="rect">
-                  <a:avLst/>
-                </a:prstGeom>
-              </p:spPr>
-              <p:txBody>
-                <a:bodyPr vert="horz" lIns="91440" tIns="45720" rIns="91440" bIns="45720" rtlCol="0" anchor="b">
-                  <a:noAutofit/>
-                </a:bodyPr>
-                <a:lstStyle>
-                  <a:lvl1pPr algn="ctr" defTabSz="914400" rtl="0" eaLnBrk="1" latinLnBrk="0" hangingPunct="1">
-                    <a:lnSpc>
-                      <a:spcPct val="90000"/>
-                    </a:lnSpc>
-                    <a:spcBef>
-                      <a:spcPct val="0"/>
-                    </a:spcBef>
-                    <a:buNone/>
-                    <a:defRPr sz="6000" kern="1200">
-                      <a:solidFill>
-                        <a:schemeClr val="tx1"/>
-                      </a:solidFill>
-                      <a:latin typeface="+mj-lt"/>
-                      <a:ea typeface="+mj-ea"/>
-                      <a:cs typeface="+mj-cs"/>
-                    </a:defRPr>
-                  </a:lvl1pPr>
-                </a:lstStyle>
-                <a:p>
-                  <a:pPr algn="l"/>
-                  <a:r>
-                    <a:rPr lang="tr-TR" sz="2000" dirty="0" smtClean="0">
-                      <a:solidFill>
-                        <a:srgbClr val="CB171F"/>
-                      </a:solidFill>
-                      <a:latin typeface="Constantia" panose="02030602050306030303" pitchFamily="18" charset="0"/>
-                      <a:ea typeface="Verdana" panose="020B0604030504040204" pitchFamily="34" charset="0"/>
-                      <a:cs typeface="Arial" panose="020B0604020202020204" pitchFamily="34" charset="0"/>
-                    </a:rPr>
-                    <a:t>Veri Bilimi Okulu</a:t>
-                  </a:r>
-                  <a:endParaRPr lang="en-US" sz="2000" dirty="0">
-                    <a:solidFill>
-                      <a:srgbClr val="CB171F"/>
-                    </a:solidFill>
-                    <a:latin typeface="Constantia" panose="02030602050306030303" pitchFamily="18" charset="0"/>
-                    <a:ea typeface="Verdana" panose="020B0604030504040204" pitchFamily="34" charset="0"/>
-                    <a:cs typeface="Arial" panose="020B0604020202020204" pitchFamily="34" charset="0"/>
-                  </a:endParaRPr>
-                </a:p>
-              </p:txBody>
-            </p:sp>
-          </p:grpSp>
-        </p:grpSp>
-        <p:sp>
-          <p:nvSpPr>
-            <p:cNvPr id="12" name="Metin kutusu 11"/>
-            <p:cNvSpPr txBox="1"/>
-            <p:nvPr/>
-          </p:nvSpPr>
-          <p:spPr>
-            <a:xfrm>
-              <a:off x="1582782" y="6493211"/>
-              <a:ext cx="1687468" cy="230832"/>
-            </a:xfrm>
-            <a:prstGeom prst="rect">
-              <a:avLst/>
-            </a:prstGeom>
-            <a:noFill/>
-          </p:spPr>
-          <p:txBody>
-            <a:bodyPr wrap="square" rtlCol="0">
-              <a:spAutoFit/>
-            </a:bodyPr>
-            <a:lstStyle/>
-            <a:p>
-              <a:r>
-                <a:rPr lang="en-US" sz="900" dirty="0" smtClean="0">
-                  <a:solidFill>
-                    <a:srgbClr val="0B8043"/>
-                  </a:solidFill>
-                </a:rPr>
-                <a:t>https:</a:t>
-              </a:r>
-              <a:r>
-                <a:rPr lang="en-US" sz="900" dirty="0" smtClean="0">
-                  <a:solidFill>
-                    <a:schemeClr val="bg1">
-                      <a:lumMod val="50000"/>
-                    </a:schemeClr>
-                  </a:solidFill>
-                </a:rPr>
-                <a:t>//www.veribilimi.co</a:t>
-              </a:r>
-              <a:endParaRPr lang="en-US" sz="900" dirty="0">
-                <a:solidFill>
-                  <a:schemeClr val="bg1">
-                    <a:lumMod val="50000"/>
-                  </a:schemeClr>
-                </a:solidFill>
-              </a:endParaRPr>
-            </a:p>
-          </p:txBody>
-        </p:sp>
-      </p:grpSp>
-      <p:grpSp>
-        <p:nvGrpSpPr>
-          <p:cNvPr id="11" name="Grup 10"/>
-          <p:cNvGrpSpPr/>
-          <p:nvPr/>
-        </p:nvGrpSpPr>
-        <p:grpSpPr>
-          <a:xfrm>
-            <a:off x="9194796" y="6231467"/>
-            <a:ext cx="2802471" cy="457084"/>
-            <a:chOff x="184993" y="5905369"/>
-            <a:chExt cx="5156200" cy="838200"/>
-          </a:xfrm>
-        </p:grpSpPr>
-        <p:sp>
-          <p:nvSpPr>
-            <p:cNvPr id="13" name="Dikdörtgen 12"/>
-            <p:cNvSpPr/>
-            <p:nvPr/>
-          </p:nvSpPr>
-          <p:spPr>
-            <a:xfrm>
-              <a:off x="184993" y="5905369"/>
-              <a:ext cx="5156200" cy="838200"/>
-            </a:xfrm>
-            <a:prstGeom prst="rect">
-              <a:avLst/>
-            </a:prstGeom>
-            <a:solidFill>
-              <a:schemeClr val="bg1">
-                <a:lumMod val="95000"/>
-              </a:schemeClr>
-            </a:solidFill>
-            <a:ln>
-              <a:noFill/>
-            </a:ln>
-          </p:spPr>
-          <p:style>
-            <a:lnRef idx="2">
-              <a:schemeClr val="accent1">
-                <a:shade val="50000"/>
-              </a:schemeClr>
-            </a:lnRef>
-            <a:fillRef idx="1">
-              <a:schemeClr val="accent1"/>
-            </a:fillRef>
-            <a:effectRef idx="0">
-              <a:schemeClr val="accent1"/>
-            </a:effectRef>
-            <a:fontRef idx="minor">
-              <a:schemeClr val="lt1"/>
-            </a:fontRef>
-          </p:style>
-          <p:txBody>
-            <a:bodyPr rtlCol="0" anchor="ctr"/>
-            <a:lstStyle/>
-            <a:p>
-              <a:pPr algn="ctr"/>
-              <a:endParaRPr lang="en-US" sz="2000"/>
-            </a:p>
-          </p:txBody>
-        </p:sp>
-        <p:sp>
-          <p:nvSpPr>
-            <p:cNvPr id="14" name="Unvan 1"/>
-            <p:cNvSpPr txBox="1">
-              <a:spLocks/>
-            </p:cNvSpPr>
-            <p:nvPr/>
-          </p:nvSpPr>
-          <p:spPr>
-            <a:xfrm>
-              <a:off x="302252" y="6024023"/>
-              <a:ext cx="4921678" cy="600892"/>
-            </a:xfrm>
-            <a:prstGeom prst="rect">
-              <a:avLst/>
-            </a:prstGeom>
-          </p:spPr>
-          <p:txBody>
-            <a:bodyPr vert="horz" lIns="91440" tIns="45720" rIns="91440" bIns="45720" rtlCol="0" anchor="b">
-              <a:noAutofit/>
-            </a:bodyPr>
-            <a:lstStyle>
-              <a:lvl1pPr algn="ctr" defTabSz="914400" rtl="0" eaLnBrk="1" latinLnBrk="0" hangingPunct="1">
-                <a:lnSpc>
-                  <a:spcPct val="90000"/>
-                </a:lnSpc>
-                <a:spcBef>
-                  <a:spcPct val="0"/>
-                </a:spcBef>
-                <a:buNone/>
-                <a:defRPr sz="6000" kern="1200">
-                  <a:solidFill>
-                    <a:schemeClr val="tx1"/>
-                  </a:solidFill>
-                  <a:latin typeface="+mj-lt"/>
-                  <a:ea typeface="+mj-ea"/>
-                  <a:cs typeface="+mj-cs"/>
-                </a:defRPr>
-              </a:lvl1pPr>
-            </a:lstStyle>
-            <a:p>
-              <a:pPr algn="l"/>
-              <a:r>
-                <a:rPr lang="tr-TR" sz="2000" dirty="0">
-                  <a:solidFill>
-                    <a:srgbClr val="CB171F"/>
-                  </a:solidFill>
-                  <a:latin typeface="Constantia" panose="02030602050306030303" pitchFamily="18" charset="0"/>
-                  <a:ea typeface="Verdana" panose="020B0604030504040204" pitchFamily="34" charset="0"/>
-                  <a:cs typeface="Arial" panose="020B0604020202020204" pitchFamily="34" charset="0"/>
-                </a:rPr>
-                <a:t>A’dan Z’ye Büyük Veri</a:t>
-              </a:r>
-              <a:endParaRPr lang="en-US" sz="2000" dirty="0">
-                <a:solidFill>
-                  <a:srgbClr val="CB171F"/>
-                </a:solidFill>
-                <a:latin typeface="Constantia" panose="02030602050306030303" pitchFamily="18" charset="0"/>
-                <a:ea typeface="Verdana" panose="020B0604030504040204" pitchFamily="34" charset="0"/>
-                <a:cs typeface="Arial" panose="020B0604020202020204" pitchFamily="34" charset="0"/>
-              </a:endParaRPr>
-            </a:p>
-          </p:txBody>
-        </p:sp>
-      </p:grpSp>
       <p:sp>
         <p:nvSpPr>
           <p:cNvPr id="16" name="Unvan 1"/>
@@ -17028,7 +11710,7 @@
           <a:lstStyle/>
           <a:p>
             <a:r>
-              <a:rPr lang="tr-TR" sz="4200" b="1" dirty="0" smtClean="0">
+              <a:rPr lang="tr-TR" sz="4200" b="1" dirty="0">
                 <a:solidFill>
                   <a:srgbClr val="CD1F26"/>
                 </a:solidFill>
@@ -17039,7 +11721,7 @@
               <a:t>Çalışma </a:t>
             </a:r>
             <a:r>
-              <a:rPr lang="tr-TR" sz="4200" b="1" dirty="0" err="1" smtClean="0">
+              <a:rPr lang="tr-TR" sz="4200" b="1" dirty="0" err="1">
                 <a:solidFill>
                   <a:srgbClr val="CD1F26"/>
                 </a:solidFill>
@@ -17089,7 +11771,7 @@
               <a:buChar char="ü"/>
             </a:pPr>
             <a:r>
-              <a:rPr lang="tr-TR" sz="3600" dirty="0" smtClean="0">
+              <a:rPr lang="tr-TR" sz="3600" dirty="0">
                 <a:solidFill>
                   <a:srgbClr val="404041"/>
                 </a:solidFill>
@@ -17098,7 +11780,7 @@
               <a:t>Cluster </a:t>
             </a:r>
             <a:r>
-              <a:rPr lang="tr-TR" sz="3600" dirty="0" err="1" smtClean="0">
+              <a:rPr lang="tr-TR" sz="3600" dirty="0" err="1">
                 <a:solidFill>
                   <a:srgbClr val="404041"/>
                 </a:solidFill>
@@ -17106,7 +11788,7 @@
               </a:rPr>
               <a:t>Mode</a:t>
             </a:r>
-            <a:endParaRPr lang="tr-TR" sz="3600" dirty="0" smtClean="0">
+            <a:endParaRPr lang="tr-TR" sz="3600" dirty="0">
               <a:solidFill>
                 <a:srgbClr val="404041"/>
               </a:solidFill>
@@ -17120,7 +11802,7 @@
               </a:lnSpc>
             </a:pPr>
             <a:r>
-              <a:rPr lang="tr-TR" sz="2800" dirty="0" err="1" smtClean="0">
+              <a:rPr lang="tr-TR" sz="2800" dirty="0" err="1">
                 <a:solidFill>
                   <a:srgbClr val="404041"/>
                 </a:solidFill>
@@ -17129,7 +11811,7 @@
               <a:t>Spark</a:t>
             </a:r>
             <a:r>
-              <a:rPr lang="tr-TR" sz="2800" dirty="0" smtClean="0">
+              <a:rPr lang="tr-TR" sz="2800" dirty="0">
                 <a:solidFill>
                   <a:srgbClr val="404041"/>
                 </a:solidFill>
@@ -17138,7 +11820,7 @@
               <a:t> </a:t>
             </a:r>
             <a:r>
-              <a:rPr lang="tr-TR" sz="2800" dirty="0" err="1" smtClean="0">
+              <a:rPr lang="tr-TR" sz="2800" dirty="0" err="1">
                 <a:solidFill>
                   <a:srgbClr val="404041"/>
                 </a:solidFill>
@@ -17147,7 +11829,7 @@
               <a:t>Standalone</a:t>
             </a:r>
             <a:r>
-              <a:rPr lang="tr-TR" sz="2800" dirty="0" smtClean="0">
+              <a:rPr lang="tr-TR" sz="2800" dirty="0">
                 <a:solidFill>
                   <a:srgbClr val="404041"/>
                 </a:solidFill>
@@ -17163,7 +11845,7 @@
               </a:lnSpc>
             </a:pPr>
             <a:r>
-              <a:rPr lang="tr-TR" sz="2800" dirty="0" err="1" smtClean="0">
+              <a:rPr lang="tr-TR" sz="2800" dirty="0" err="1">
                 <a:solidFill>
                   <a:srgbClr val="404041"/>
                 </a:solidFill>
@@ -17172,7 +11854,7 @@
               <a:t>Apache</a:t>
             </a:r>
             <a:r>
-              <a:rPr lang="tr-TR" sz="2800" dirty="0" smtClean="0">
+              <a:rPr lang="tr-TR" sz="2800" dirty="0">
                 <a:solidFill>
                   <a:srgbClr val="404041"/>
                 </a:solidFill>
@@ -17181,7 +11863,7 @@
               <a:t> </a:t>
             </a:r>
             <a:r>
-              <a:rPr lang="tr-TR" sz="2800" dirty="0" err="1" smtClean="0">
+              <a:rPr lang="tr-TR" sz="2800" dirty="0" err="1">
                 <a:solidFill>
                   <a:srgbClr val="404041"/>
                 </a:solidFill>
@@ -17189,7 +11871,7 @@
               </a:rPr>
               <a:t>Mesos</a:t>
             </a:r>
-            <a:endParaRPr lang="tr-TR" sz="2800" dirty="0" smtClean="0">
+            <a:endParaRPr lang="tr-TR" sz="2800" dirty="0">
               <a:solidFill>
                 <a:srgbClr val="404041"/>
               </a:solidFill>
@@ -17203,7 +11885,7 @@
               </a:lnSpc>
             </a:pPr>
             <a:r>
-              <a:rPr lang="tr-TR" sz="2800" dirty="0" smtClean="0">
+              <a:rPr lang="tr-TR" sz="2800" dirty="0">
                 <a:solidFill>
                   <a:srgbClr val="404041"/>
                 </a:solidFill>
@@ -17221,7 +11903,7 @@
               <a:buChar char="ü"/>
             </a:pPr>
             <a:r>
-              <a:rPr lang="tr-TR" sz="3600" dirty="0" err="1" smtClean="0">
+              <a:rPr lang="tr-TR" sz="3600" dirty="0" err="1">
                 <a:solidFill>
                   <a:srgbClr val="404041"/>
                 </a:solidFill>
@@ -17230,7 +11912,7 @@
               <a:t>Local</a:t>
             </a:r>
             <a:r>
-              <a:rPr lang="tr-TR" sz="3600" dirty="0" smtClean="0">
+              <a:rPr lang="tr-TR" sz="3600" dirty="0">
                 <a:solidFill>
                   <a:srgbClr val="404041"/>
                 </a:solidFill>
@@ -17239,7 +11921,7 @@
               <a:t> </a:t>
             </a:r>
             <a:r>
-              <a:rPr lang="tr-TR" sz="3600" dirty="0" err="1" smtClean="0">
+              <a:rPr lang="tr-TR" sz="3600" dirty="0" err="1">
                 <a:solidFill>
                   <a:srgbClr val="404041"/>
                 </a:solidFill>
@@ -17247,7 +11929,7 @@
               </a:rPr>
               <a:t>Mode</a:t>
             </a:r>
-            <a:endParaRPr lang="tr-TR" sz="3600" dirty="0" smtClean="0">
+            <a:endParaRPr lang="tr-TR" sz="3600" dirty="0">
               <a:solidFill>
                 <a:srgbClr val="404041"/>
               </a:solidFill>
@@ -17266,13 +11948,6 @@
   <p:clrMapOvr>
     <a:masterClrMapping/>
   </p:clrMapOvr>
-  <p:timing>
-    <p:tnLst>
-      <p:par>
-        <p:cTn id="1" dur="indefinite" restart="never" nodeType="tmRoot"/>
-      </p:par>
-    </p:tnLst>
-  </p:timing>
 </p:sld>
 </file>
 
@@ -17330,369 +12005,6 @@
           </a:fontRef>
         </p:style>
       </p:cxnSp>
-      <p:grpSp>
-        <p:nvGrpSpPr>
-          <p:cNvPr id="15" name="Grup 14"/>
-          <p:cNvGrpSpPr/>
-          <p:nvPr/>
-        </p:nvGrpSpPr>
-        <p:grpSpPr>
-          <a:xfrm>
-            <a:off x="228596" y="6231467"/>
-            <a:ext cx="3041654" cy="492576"/>
-            <a:chOff x="228596" y="6231467"/>
-            <a:chExt cx="3041654" cy="492576"/>
-          </a:xfrm>
-        </p:grpSpPr>
-        <p:grpSp>
-          <p:nvGrpSpPr>
-            <p:cNvPr id="8" name="Grup 7"/>
-            <p:cNvGrpSpPr/>
-            <p:nvPr/>
-          </p:nvGrpSpPr>
-          <p:grpSpPr>
-            <a:xfrm>
-              <a:off x="228596" y="6231467"/>
-              <a:ext cx="2802471" cy="457084"/>
-              <a:chOff x="127000" y="5901146"/>
-              <a:chExt cx="5156200" cy="838200"/>
-            </a:xfrm>
-          </p:grpSpPr>
-          <p:sp>
-            <p:nvSpPr>
-              <p:cNvPr id="7" name="Dikdörtgen 6"/>
-              <p:cNvSpPr/>
-              <p:nvPr/>
-            </p:nvSpPr>
-            <p:spPr>
-              <a:xfrm>
-                <a:off x="127000" y="5901146"/>
-                <a:ext cx="5156200" cy="838200"/>
-              </a:xfrm>
-              <a:prstGeom prst="rect">
-                <a:avLst/>
-              </a:prstGeom>
-              <a:solidFill>
-                <a:schemeClr val="bg1">
-                  <a:lumMod val="95000"/>
-                </a:schemeClr>
-              </a:solidFill>
-              <a:ln>
-                <a:noFill/>
-              </a:ln>
-            </p:spPr>
-            <p:style>
-              <a:lnRef idx="2">
-                <a:schemeClr val="accent1">
-                  <a:shade val="50000"/>
-                </a:schemeClr>
-              </a:lnRef>
-              <a:fillRef idx="1">
-                <a:schemeClr val="accent1"/>
-              </a:fillRef>
-              <a:effectRef idx="0">
-                <a:schemeClr val="accent1"/>
-              </a:effectRef>
-              <a:fontRef idx="minor">
-                <a:schemeClr val="lt1"/>
-              </a:fontRef>
-            </p:style>
-            <p:txBody>
-              <a:bodyPr rtlCol="0" anchor="ctr"/>
-              <a:lstStyle/>
-              <a:p>
-                <a:pPr algn="ctr"/>
-                <a:endParaRPr lang="en-US" sz="2000"/>
-              </a:p>
-            </p:txBody>
-          </p:sp>
-          <p:grpSp>
-            <p:nvGrpSpPr>
-              <p:cNvPr id="6" name="Grup 5"/>
-              <p:cNvGrpSpPr/>
-              <p:nvPr/>
-            </p:nvGrpSpPr>
-            <p:grpSpPr>
-              <a:xfrm>
-                <a:off x="211667" y="6019800"/>
-                <a:ext cx="5012266" cy="605115"/>
-                <a:chOff x="211667" y="6019800"/>
-                <a:chExt cx="5012266" cy="605115"/>
-              </a:xfrm>
-            </p:grpSpPr>
-            <p:pic>
-              <p:nvPicPr>
-                <p:cNvPr id="4" name="Resim 3"/>
-                <p:cNvPicPr>
-                  <a:picLocks noChangeAspect="1"/>
-                </p:cNvPicPr>
-                <p:nvPr/>
-              </p:nvPicPr>
-              <p:blipFill rotWithShape="1">
-                <a:blip r:embed="rId2" cstate="print">
-                  <a:extLst>
-                    <a:ext uri="{28A0092B-C50C-407E-A947-70E740481C1C}">
-                      <a14:useLocalDpi xmlns:a14="http://schemas.microsoft.com/office/drawing/2010/main" val="0"/>
-                    </a:ext>
-                  </a:extLst>
-                </a:blip>
-                <a:srcRect l="24387" t="8319" r="18355" b="50150"/>
-                <a:stretch/>
-              </p:blipFill>
-              <p:spPr>
-                <a:xfrm>
-                  <a:off x="211667" y="6019800"/>
-                  <a:ext cx="1072095" cy="600892"/>
-                </a:xfrm>
-                <a:prstGeom prst="rect">
-                  <a:avLst/>
-                </a:prstGeom>
-              </p:spPr>
-            </p:pic>
-            <p:sp>
-              <p:nvSpPr>
-                <p:cNvPr id="5" name="Unvan 1"/>
-                <p:cNvSpPr txBox="1">
-                  <a:spLocks/>
-                </p:cNvSpPr>
-                <p:nvPr/>
-              </p:nvSpPr>
-              <p:spPr>
-                <a:xfrm>
-                  <a:off x="1283763" y="6024023"/>
-                  <a:ext cx="3940170" cy="600892"/>
-                </a:xfrm>
-                <a:prstGeom prst="rect">
-                  <a:avLst/>
-                </a:prstGeom>
-              </p:spPr>
-              <p:txBody>
-                <a:bodyPr vert="horz" lIns="91440" tIns="45720" rIns="91440" bIns="45720" rtlCol="0" anchor="b">
-                  <a:noAutofit/>
-                </a:bodyPr>
-                <a:lstStyle>
-                  <a:lvl1pPr algn="ctr" defTabSz="914400" rtl="0" eaLnBrk="1" latinLnBrk="0" hangingPunct="1">
-                    <a:lnSpc>
-                      <a:spcPct val="90000"/>
-                    </a:lnSpc>
-                    <a:spcBef>
-                      <a:spcPct val="0"/>
-                    </a:spcBef>
-                    <a:buNone/>
-                    <a:defRPr sz="6000" kern="1200">
-                      <a:solidFill>
-                        <a:schemeClr val="tx1"/>
-                      </a:solidFill>
-                      <a:latin typeface="+mj-lt"/>
-                      <a:ea typeface="+mj-ea"/>
-                      <a:cs typeface="+mj-cs"/>
-                    </a:defRPr>
-                  </a:lvl1pPr>
-                </a:lstStyle>
-                <a:p>
-                  <a:pPr algn="l"/>
-                  <a:r>
-                    <a:rPr lang="tr-TR" sz="2000" dirty="0" smtClean="0">
-                      <a:solidFill>
-                        <a:srgbClr val="CB171F"/>
-                      </a:solidFill>
-                      <a:latin typeface="Constantia" panose="02030602050306030303" pitchFamily="18" charset="0"/>
-                      <a:ea typeface="Verdana" panose="020B0604030504040204" pitchFamily="34" charset="0"/>
-                      <a:cs typeface="Arial" panose="020B0604020202020204" pitchFamily="34" charset="0"/>
-                    </a:rPr>
-                    <a:t>Veri Bilimi Okulu</a:t>
-                  </a:r>
-                  <a:endParaRPr lang="en-US" sz="2000" dirty="0">
-                    <a:solidFill>
-                      <a:srgbClr val="CB171F"/>
-                    </a:solidFill>
-                    <a:latin typeface="Constantia" panose="02030602050306030303" pitchFamily="18" charset="0"/>
-                    <a:ea typeface="Verdana" panose="020B0604030504040204" pitchFamily="34" charset="0"/>
-                    <a:cs typeface="Arial" panose="020B0604020202020204" pitchFamily="34" charset="0"/>
-                  </a:endParaRPr>
-                </a:p>
-              </p:txBody>
-            </p:sp>
-          </p:grpSp>
-        </p:grpSp>
-        <p:sp>
-          <p:nvSpPr>
-            <p:cNvPr id="12" name="Metin kutusu 11"/>
-            <p:cNvSpPr txBox="1"/>
-            <p:nvPr/>
-          </p:nvSpPr>
-          <p:spPr>
-            <a:xfrm>
-              <a:off x="1582782" y="6493211"/>
-              <a:ext cx="1687468" cy="230832"/>
-            </a:xfrm>
-            <a:prstGeom prst="rect">
-              <a:avLst/>
-            </a:prstGeom>
-            <a:noFill/>
-          </p:spPr>
-          <p:txBody>
-            <a:bodyPr wrap="square" rtlCol="0">
-              <a:spAutoFit/>
-            </a:bodyPr>
-            <a:lstStyle/>
-            <a:p>
-              <a:r>
-                <a:rPr lang="en-US" sz="900" dirty="0" smtClean="0">
-                  <a:solidFill>
-                    <a:srgbClr val="0B8043"/>
-                  </a:solidFill>
-                </a:rPr>
-                <a:t>https:</a:t>
-              </a:r>
-              <a:r>
-                <a:rPr lang="en-US" sz="900" dirty="0" smtClean="0">
-                  <a:solidFill>
-                    <a:schemeClr val="bg1">
-                      <a:lumMod val="50000"/>
-                    </a:schemeClr>
-                  </a:solidFill>
-                </a:rPr>
-                <a:t>//www.veribilimi.co</a:t>
-              </a:r>
-              <a:endParaRPr lang="en-US" sz="900" dirty="0">
-                <a:solidFill>
-                  <a:schemeClr val="bg1">
-                    <a:lumMod val="50000"/>
-                  </a:schemeClr>
-                </a:solidFill>
-              </a:endParaRPr>
-            </a:p>
-          </p:txBody>
-        </p:sp>
-      </p:grpSp>
-      <p:grpSp>
-        <p:nvGrpSpPr>
-          <p:cNvPr id="11" name="Grup 10"/>
-          <p:cNvGrpSpPr/>
-          <p:nvPr/>
-        </p:nvGrpSpPr>
-        <p:grpSpPr>
-          <a:xfrm>
-            <a:off x="9194796" y="6231467"/>
-            <a:ext cx="2802471" cy="457084"/>
-            <a:chOff x="184993" y="5905369"/>
-            <a:chExt cx="5156200" cy="838200"/>
-          </a:xfrm>
-        </p:grpSpPr>
-        <p:sp>
-          <p:nvSpPr>
-            <p:cNvPr id="13" name="Dikdörtgen 12"/>
-            <p:cNvSpPr/>
-            <p:nvPr/>
-          </p:nvSpPr>
-          <p:spPr>
-            <a:xfrm>
-              <a:off x="184993" y="5905369"/>
-              <a:ext cx="5156200" cy="838200"/>
-            </a:xfrm>
-            <a:prstGeom prst="rect">
-              <a:avLst/>
-            </a:prstGeom>
-            <a:solidFill>
-              <a:schemeClr val="bg1">
-                <a:lumMod val="95000"/>
-              </a:schemeClr>
-            </a:solidFill>
-            <a:ln>
-              <a:noFill/>
-            </a:ln>
-          </p:spPr>
-          <p:style>
-            <a:lnRef idx="2">
-              <a:schemeClr val="accent1">
-                <a:shade val="50000"/>
-              </a:schemeClr>
-            </a:lnRef>
-            <a:fillRef idx="1">
-              <a:schemeClr val="accent1"/>
-            </a:fillRef>
-            <a:effectRef idx="0">
-              <a:schemeClr val="accent1"/>
-            </a:effectRef>
-            <a:fontRef idx="minor">
-              <a:schemeClr val="lt1"/>
-            </a:fontRef>
-          </p:style>
-          <p:txBody>
-            <a:bodyPr rtlCol="0" anchor="ctr"/>
-            <a:lstStyle/>
-            <a:p>
-              <a:pPr algn="ctr"/>
-              <a:endParaRPr lang="en-US" sz="2000"/>
-            </a:p>
-          </p:txBody>
-        </p:sp>
-        <p:sp>
-          <p:nvSpPr>
-            <p:cNvPr id="14" name="Unvan 1"/>
-            <p:cNvSpPr txBox="1">
-              <a:spLocks/>
-            </p:cNvSpPr>
-            <p:nvPr/>
-          </p:nvSpPr>
-          <p:spPr>
-            <a:xfrm>
-              <a:off x="302252" y="6024023"/>
-              <a:ext cx="4921678" cy="600892"/>
-            </a:xfrm>
-            <a:prstGeom prst="rect">
-              <a:avLst/>
-            </a:prstGeom>
-          </p:spPr>
-          <p:txBody>
-            <a:bodyPr vert="horz" lIns="91440" tIns="45720" rIns="91440" bIns="45720" rtlCol="0" anchor="b">
-              <a:noAutofit/>
-            </a:bodyPr>
-            <a:lstStyle>
-              <a:lvl1pPr algn="ctr" defTabSz="914400" rtl="0" eaLnBrk="1" latinLnBrk="0" hangingPunct="1">
-                <a:lnSpc>
-                  <a:spcPct val="90000"/>
-                </a:lnSpc>
-                <a:spcBef>
-                  <a:spcPct val="0"/>
-                </a:spcBef>
-                <a:buNone/>
-                <a:defRPr sz="6000" kern="1200">
-                  <a:solidFill>
-                    <a:schemeClr val="tx1"/>
-                  </a:solidFill>
-                  <a:latin typeface="+mj-lt"/>
-                  <a:ea typeface="+mj-ea"/>
-                  <a:cs typeface="+mj-cs"/>
-                </a:defRPr>
-              </a:lvl1pPr>
-            </a:lstStyle>
-            <a:p>
-              <a:pPr algn="l"/>
-              <a:r>
-                <a:rPr lang="tr-TR" sz="2000" dirty="0">
-                  <a:solidFill>
-                    <a:srgbClr val="CB171F"/>
-                  </a:solidFill>
-                  <a:latin typeface="Constantia" panose="02030602050306030303" pitchFamily="18" charset="0"/>
-                  <a:ea typeface="Verdana" panose="020B0604030504040204" pitchFamily="34" charset="0"/>
-                  <a:cs typeface="Arial" panose="020B0604020202020204" pitchFamily="34" charset="0"/>
-                </a:rPr>
-                <a:t>A’dan Z’ye Büyük Veri</a:t>
-              </a:r>
-              <a:endParaRPr lang="en-US" sz="2000" dirty="0">
-                <a:solidFill>
-                  <a:srgbClr val="CB171F"/>
-                </a:solidFill>
-                <a:latin typeface="Constantia" panose="02030602050306030303" pitchFamily="18" charset="0"/>
-                <a:ea typeface="Verdana" panose="020B0604030504040204" pitchFamily="34" charset="0"/>
-                <a:cs typeface="Arial" panose="020B0604020202020204" pitchFamily="34" charset="0"/>
-              </a:endParaRPr>
-            </a:p>
-          </p:txBody>
-        </p:sp>
-      </p:grpSp>
       <p:sp>
         <p:nvSpPr>
           <p:cNvPr id="16" name="Unvan 1"/>
@@ -17716,7 +12028,7 @@
           <a:lstStyle/>
           <a:p>
             <a:r>
-              <a:rPr lang="tr-TR" sz="4200" b="1" dirty="0" smtClean="0">
+              <a:rPr lang="tr-TR" sz="4200" b="1" dirty="0">
                 <a:solidFill>
                   <a:srgbClr val="CD1F26"/>
                 </a:solidFill>
@@ -17976,7 +12288,7 @@
             <p:nvPr/>
           </p:nvPicPr>
           <p:blipFill>
-            <a:blip r:embed="rId3" cstate="print">
+            <a:blip r:embed="rId2" cstate="print">
               <a:extLst>
                 <a:ext uri="{28A0092B-C50C-407E-A947-70E740481C1C}">
                   <a14:useLocalDpi xmlns:a14="http://schemas.microsoft.com/office/drawing/2010/main" val="0"/>
@@ -18063,7 +12375,7 @@
             <p:nvPr/>
           </p:nvPicPr>
           <p:blipFill>
-            <a:blip r:embed="rId3" cstate="print">
+            <a:blip r:embed="rId2" cstate="print">
               <a:extLst>
                 <a:ext uri="{28A0092B-C50C-407E-A947-70E740481C1C}">
                   <a14:useLocalDpi xmlns:a14="http://schemas.microsoft.com/office/drawing/2010/main" val="0"/>
@@ -18150,7 +12462,7 @@
             <p:nvPr/>
           </p:nvPicPr>
           <p:blipFill>
-            <a:blip r:embed="rId3" cstate="print">
+            <a:blip r:embed="rId2" cstate="print">
               <a:extLst>
                 <a:ext uri="{28A0092B-C50C-407E-A947-70E740481C1C}">
                   <a14:useLocalDpi xmlns:a14="http://schemas.microsoft.com/office/drawing/2010/main" val="0"/>
@@ -18200,7 +12512,7 @@
             <a:p>
               <a:pPr algn="ctr"/>
               <a:r>
-                <a:rPr lang="tr-TR" sz="1000" b="1" dirty="0" smtClean="0">
+                <a:rPr lang="tr-TR" sz="1000" b="1" dirty="0">
                   <a:latin typeface="Arial" panose="020B0604020202020204" pitchFamily="34" charset="0"/>
                   <a:cs typeface="Arial" panose="020B0604020202020204" pitchFamily="34" charset="0"/>
                 </a:rPr>
@@ -18223,7 +12535,7 @@
           <p:nvPr/>
         </p:nvPicPr>
         <p:blipFill rotWithShape="1">
-          <a:blip r:embed="rId4" cstate="print">
+          <a:blip r:embed="rId3" cstate="print">
             <a:extLst>
               <a:ext uri="{28A0092B-C50C-407E-A947-70E740481C1C}">
                 <a14:useLocalDpi xmlns:a14="http://schemas.microsoft.com/office/drawing/2010/main" val="0"/>
@@ -18266,7 +12578,7 @@
             <p:nvPr/>
           </p:nvPicPr>
           <p:blipFill>
-            <a:blip r:embed="rId3" cstate="print">
+            <a:blip r:embed="rId2" cstate="print">
               <a:extLst>
                 <a:ext uri="{28A0092B-C50C-407E-A947-70E740481C1C}">
                   <a14:useLocalDpi xmlns:a14="http://schemas.microsoft.com/office/drawing/2010/main" val="0"/>
@@ -18375,7 +12687,7 @@
           <p:nvPr/>
         </p:nvPicPr>
         <p:blipFill>
-          <a:blip r:embed="rId5" cstate="print">
+          <a:blip r:embed="rId4" cstate="print">
             <a:extLst>
               <a:ext uri="{28A0092B-C50C-407E-A947-70E740481C1C}">
                 <a14:useLocalDpi xmlns:a14="http://schemas.microsoft.com/office/drawing/2010/main" val="0"/>
@@ -18434,41 +12746,34 @@
             <a:p>
               <a:pPr algn="ctr"/>
               <a:r>
-                <a:rPr lang="tr-TR" sz="1000" b="1" dirty="0" err="1" smtClean="0">
+                <a:rPr lang="tr-TR" sz="1000" b="1" dirty="0" err="1">
                   <a:latin typeface="Arial" panose="020B0604020202020204" pitchFamily="34" charset="0"/>
                   <a:cs typeface="Arial" panose="020B0604020202020204" pitchFamily="34" charset="0"/>
                 </a:rPr>
                 <a:t>Secondary</a:t>
               </a:r>
               <a:r>
-                <a:rPr lang="tr-TR" sz="1000" b="1" dirty="0" smtClean="0">
+                <a:rPr lang="tr-TR" sz="1000" b="1" dirty="0">
                   <a:latin typeface="Arial" panose="020B0604020202020204" pitchFamily="34" charset="0"/>
                   <a:cs typeface="Arial" panose="020B0604020202020204" pitchFamily="34" charset="0"/>
                 </a:rPr>
                 <a:t>/</a:t>
               </a:r>
               <a:r>
-                <a:rPr lang="tr-TR" sz="1000" b="1" dirty="0" err="1" smtClean="0">
+                <a:rPr lang="tr-TR" sz="1000" b="1" dirty="0" err="1">
                   <a:latin typeface="Arial" panose="020B0604020202020204" pitchFamily="34" charset="0"/>
                   <a:cs typeface="Arial" panose="020B0604020202020204" pitchFamily="34" charset="0"/>
                 </a:rPr>
                 <a:t>Standby</a:t>
               </a:r>
-              <a:r>
-                <a:rPr lang="tr-TR" sz="1000" b="1" dirty="0" smtClean="0">
-                  <a:latin typeface="Arial" panose="020B0604020202020204" pitchFamily="34" charset="0"/>
-                  <a:cs typeface="Arial" panose="020B0604020202020204" pitchFamily="34" charset="0"/>
-                </a:rPr>
-                <a:t/>
-              </a:r>
               <a:br>
-                <a:rPr lang="tr-TR" sz="1000" b="1" dirty="0" smtClean="0">
+                <a:rPr lang="tr-TR" sz="1000" b="1" dirty="0">
                   <a:latin typeface="Arial" panose="020B0604020202020204" pitchFamily="34" charset="0"/>
                   <a:cs typeface="Arial" panose="020B0604020202020204" pitchFamily="34" charset="0"/>
                 </a:rPr>
               </a:br>
               <a:r>
-                <a:rPr lang="tr-TR" sz="1000" b="1" dirty="0" err="1" smtClean="0">
+                <a:rPr lang="tr-TR" sz="1000" b="1" dirty="0" err="1">
                   <a:latin typeface="Arial" panose="020B0604020202020204" pitchFamily="34" charset="0"/>
                   <a:cs typeface="Arial" panose="020B0604020202020204" pitchFamily="34" charset="0"/>
                 </a:rPr>
@@ -18490,7 +12795,7 @@
             <p:nvPr/>
           </p:nvPicPr>
           <p:blipFill>
-            <a:blip r:embed="rId6" cstate="print">
+            <a:blip r:embed="rId5" cstate="print">
               <a:extLst>
                 <a:ext uri="{28A0092B-C50C-407E-A947-70E740481C1C}">
                   <a14:useLocalDpi xmlns:a14="http://schemas.microsoft.com/office/drawing/2010/main" val="0"/>
@@ -18550,21 +12855,21 @@
             <a:p>
               <a:pPr algn="ctr"/>
               <a:r>
-                <a:rPr lang="tr-TR" sz="1000" b="1" dirty="0" err="1" smtClean="0">
+                <a:rPr lang="tr-TR" sz="1000" b="1" dirty="0" err="1">
                   <a:latin typeface="Arial" panose="020B0604020202020204" pitchFamily="34" charset="0"/>
                   <a:cs typeface="Arial" panose="020B0604020202020204" pitchFamily="34" charset="0"/>
                 </a:rPr>
                 <a:t>Edge</a:t>
               </a:r>
               <a:r>
-                <a:rPr lang="tr-TR" sz="1000" b="1" dirty="0" smtClean="0">
+                <a:rPr lang="tr-TR" sz="1000" b="1" dirty="0">
                   <a:latin typeface="Arial" panose="020B0604020202020204" pitchFamily="34" charset="0"/>
                   <a:cs typeface="Arial" panose="020B0604020202020204" pitchFamily="34" charset="0"/>
                 </a:rPr>
                 <a:t> </a:t>
               </a:r>
               <a:r>
-                <a:rPr lang="tr-TR" sz="1000" b="1" dirty="0" err="1" smtClean="0">
+                <a:rPr lang="tr-TR" sz="1000" b="1" dirty="0" err="1">
                   <a:latin typeface="Arial" panose="020B0604020202020204" pitchFamily="34" charset="0"/>
                   <a:cs typeface="Arial" panose="020B0604020202020204" pitchFamily="34" charset="0"/>
                 </a:rPr>
@@ -18586,7 +12891,7 @@
             <p:nvPr/>
           </p:nvPicPr>
           <p:blipFill>
-            <a:blip r:embed="rId6" cstate="print">
+            <a:blip r:embed="rId5" cstate="print">
               <a:extLst>
                 <a:ext uri="{28A0092B-C50C-407E-A947-70E740481C1C}">
                   <a14:useLocalDpi xmlns:a14="http://schemas.microsoft.com/office/drawing/2010/main" val="0"/>
@@ -18646,7 +12951,7 @@
             <a:p>
               <a:pPr algn="ctr"/>
               <a:r>
-                <a:rPr lang="tr-TR" sz="1000" b="1" dirty="0" err="1" smtClean="0">
+                <a:rPr lang="tr-TR" sz="1000" b="1" dirty="0" err="1">
                   <a:latin typeface="Arial" panose="020B0604020202020204" pitchFamily="34" charset="0"/>
                   <a:cs typeface="Arial" panose="020B0604020202020204" pitchFamily="34" charset="0"/>
                 </a:rPr>
@@ -18668,7 +12973,7 @@
             <p:nvPr/>
           </p:nvPicPr>
           <p:blipFill>
-            <a:blip r:embed="rId6" cstate="print">
+            <a:blip r:embed="rId5" cstate="print">
               <a:extLst>
                 <a:ext uri="{28A0092B-C50C-407E-A947-70E740481C1C}">
                   <a14:useLocalDpi xmlns:a14="http://schemas.microsoft.com/office/drawing/2010/main" val="0"/>
@@ -18800,21 +13105,21 @@
             <a:p>
               <a:pPr algn="ctr"/>
               <a:r>
-                <a:rPr lang="tr-TR" sz="1000" b="1" dirty="0" smtClean="0">
+                <a:rPr lang="tr-TR" sz="1000" b="1" dirty="0">
                   <a:latin typeface="Arial" panose="020B0604020202020204" pitchFamily="34" charset="0"/>
                   <a:cs typeface="Arial" panose="020B0604020202020204" pitchFamily="34" charset="0"/>
                 </a:rPr>
                 <a:t>YARN </a:t>
               </a:r>
               <a:r>
-                <a:rPr lang="tr-TR" sz="1000" b="1" dirty="0" err="1" smtClean="0">
+                <a:rPr lang="tr-TR" sz="1000" b="1" dirty="0" err="1">
                   <a:latin typeface="Arial" panose="020B0604020202020204" pitchFamily="34" charset="0"/>
                   <a:cs typeface="Arial" panose="020B0604020202020204" pitchFamily="34" charset="0"/>
                 </a:rPr>
                 <a:t>Resourse</a:t>
               </a:r>
               <a:r>
-                <a:rPr lang="tr-TR" sz="1000" b="1" dirty="0" smtClean="0">
+                <a:rPr lang="tr-TR" sz="1000" b="1" dirty="0">
                   <a:latin typeface="Arial" panose="020B0604020202020204" pitchFamily="34" charset="0"/>
                   <a:cs typeface="Arial" panose="020B0604020202020204" pitchFamily="34" charset="0"/>
                 </a:rPr>
@@ -18836,7 +13141,7 @@
             <p:nvPr/>
           </p:nvPicPr>
           <p:blipFill>
-            <a:blip r:embed="rId6" cstate="print">
+            <a:blip r:embed="rId5" cstate="print">
               <a:extLst>
                 <a:ext uri="{28A0092B-C50C-407E-A947-70E740481C1C}">
                   <a14:useLocalDpi xmlns:a14="http://schemas.microsoft.com/office/drawing/2010/main" val="0"/>
@@ -18868,13 +13173,6 @@
   <p:clrMapOvr>
     <a:masterClrMapping/>
   </p:clrMapOvr>
-  <p:timing>
-    <p:tnLst>
-      <p:par>
-        <p:cTn id="1" dur="indefinite" restart="never" nodeType="tmRoot"/>
-      </p:par>
-    </p:tnLst>
-  </p:timing>
 </p:sld>
 </file>
 
